--- a/Knight's Tour.pptx
+++ b/Knight's Tour.pptx
@@ -23,23 +23,39 @@
     <p:sldId id="268" r:id="rId19"/>
     <p:sldId id="269" r:id="rId20"/>
     <p:sldId id="270" r:id="rId21"/>
+    <p:sldId id="271" r:id="rId22"/>
+    <p:sldId id="272" r:id="rId23"/>
+    <p:sldId id="273" r:id="rId24"/>
+    <p:sldId id="274" r:id="rId25"/>
+    <p:sldId id="275" r:id="rId26"/>
+    <p:sldId id="276" r:id="rId27"/>
+    <p:sldId id="277" r:id="rId28"/>
+    <p:sldId id="278" r:id="rId29"/>
+    <p:sldId id="279" r:id="rId30"/>
+    <p:sldId id="280" r:id="rId31"/>
+    <p:sldId id="281" r:id="rId32"/>
+    <p:sldId id="282" r:id="rId33"/>
+    <p:sldId id="283" r:id="rId34"/>
+    <p:sldId id="284" r:id="rId35"/>
+    <p:sldId id="285" r:id="rId36"/>
+    <p:sldId id="286" r:id="rId37"/>
   </p:sldIdLst>
   <p:sldSz cy="5143500" cx="9144000"/>
   <p:notesSz cx="6858000" cy="9144000"/>
   <p:embeddedFontLst>
     <p:embeddedFont>
       <p:font typeface="Montserrat"/>
-      <p:regular r:id="rId22"/>
-      <p:bold r:id="rId23"/>
-      <p:italic r:id="rId24"/>
-      <p:boldItalic r:id="rId25"/>
+      <p:regular r:id="rId38"/>
+      <p:bold r:id="rId39"/>
+      <p:italic r:id="rId40"/>
+      <p:boldItalic r:id="rId41"/>
     </p:embeddedFont>
     <p:embeddedFont>
       <p:font typeface="Lato"/>
-      <p:regular r:id="rId26"/>
-      <p:bold r:id="rId27"/>
-      <p:italic r:id="rId28"/>
-      <p:boldItalic r:id="rId29"/>
+      <p:regular r:id="rId42"/>
+      <p:bold r:id="rId43"/>
+      <p:italic r:id="rId44"/>
+      <p:boldItalic r:id="rId45"/>
     </p:embeddedFont>
   </p:embeddedFontLst>
   <p:defaultTextStyle>
@@ -820,7 +836,7 @@
   <p:cSld>
     <p:spTree>
       <p:nvGrpSpPr>
-        <p:cNvPr id="190" name="Shape 190"/>
+        <p:cNvPr id="188" name="Shape 188"/>
         <p:cNvGrpSpPr/>
         <p:nvPr/>
       </p:nvGrpSpPr>
@@ -834,7 +850,7 @@
       </p:grpSpPr>
       <p:sp>
         <p:nvSpPr>
-          <p:cNvPr id="191" name="Google Shape;191;ga45002a6e4_0_34:notes"/>
+          <p:cNvPr id="189" name="Google Shape;189;ga45002a6e4_0_24:notes"/>
           <p:cNvSpPr/>
           <p:nvPr>
             <p:ph idx="2" type="sldImg"/>
@@ -869,7 +885,7 @@
       </p:sp>
       <p:sp>
         <p:nvSpPr>
-          <p:cNvPr id="192" name="Google Shape;192;ga45002a6e4_0_34:notes"/>
+          <p:cNvPr id="190" name="Google Shape;190;ga45002a6e4_0_24:notes"/>
           <p:cNvSpPr txBox="1"/>
           <p:nvPr>
             <p:ph idx="1" type="body"/>
@@ -919,7 +935,7 @@
   <p:cSld>
     <p:spTree>
       <p:nvGrpSpPr>
-        <p:cNvPr id="197" name="Shape 197"/>
+        <p:cNvPr id="195" name="Shape 195"/>
         <p:cNvGrpSpPr/>
         <p:nvPr/>
       </p:nvGrpSpPr>
@@ -933,7 +949,7 @@
       </p:grpSpPr>
       <p:sp>
         <p:nvSpPr>
-          <p:cNvPr id="198" name="Google Shape;198;ga477148a4b_0_6:notes"/>
+          <p:cNvPr id="196" name="Google Shape;196;ga45002a6e4_0_34:notes"/>
           <p:cNvSpPr/>
           <p:nvPr>
             <p:ph idx="2" type="sldImg"/>
@@ -968,7 +984,7 @@
       </p:sp>
       <p:sp>
         <p:nvSpPr>
-          <p:cNvPr id="199" name="Google Shape;199;ga477148a4b_0_6:notes"/>
+          <p:cNvPr id="197" name="Google Shape;197;ga45002a6e4_0_34:notes"/>
           <p:cNvSpPr txBox="1"/>
           <p:nvPr>
             <p:ph idx="1" type="body"/>
@@ -1018,7 +1034,7 @@
   <p:cSld>
     <p:spTree>
       <p:nvGrpSpPr>
-        <p:cNvPr id="203" name="Shape 203"/>
+        <p:cNvPr id="202" name="Shape 202"/>
         <p:cNvGrpSpPr/>
         <p:nvPr/>
       </p:nvGrpSpPr>
@@ -1032,7 +1048,7 @@
       </p:grpSpPr>
       <p:sp>
         <p:nvSpPr>
-          <p:cNvPr id="204" name="Google Shape;204;ga477148a4b_0_16:notes"/>
+          <p:cNvPr id="203" name="Google Shape;203;gac501c9852_0_20:notes"/>
           <p:cNvSpPr/>
           <p:nvPr>
             <p:ph idx="2" type="sldImg"/>
@@ -1067,7 +1083,7 @@
       </p:sp>
       <p:sp>
         <p:nvSpPr>
-          <p:cNvPr id="205" name="Google Shape;205;ga477148a4b_0_16:notes"/>
+          <p:cNvPr id="204" name="Google Shape;204;gac501c9852_0_20:notes"/>
           <p:cNvSpPr txBox="1"/>
           <p:nvPr>
             <p:ph idx="1" type="body"/>
@@ -1117,7 +1133,7 @@
   <p:cSld>
     <p:spTree>
       <p:nvGrpSpPr>
-        <p:cNvPr id="209" name="Shape 209"/>
+        <p:cNvPr id="207" name="Shape 207"/>
         <p:cNvGrpSpPr/>
         <p:nvPr/>
       </p:nvGrpSpPr>
@@ -1131,7 +1147,7 @@
       </p:grpSpPr>
       <p:sp>
         <p:nvSpPr>
-          <p:cNvPr id="210" name="Google Shape;210;ga45002a6e4_0_42:notes"/>
+          <p:cNvPr id="208" name="Google Shape;208;gac501c9852_0_26:notes"/>
           <p:cNvSpPr/>
           <p:nvPr>
             <p:ph idx="2" type="sldImg"/>
@@ -1166,7 +1182,7 @@
       </p:sp>
       <p:sp>
         <p:nvSpPr>
-          <p:cNvPr id="211" name="Google Shape;211;ga45002a6e4_0_42:notes"/>
+          <p:cNvPr id="209" name="Google Shape;209;gac501c9852_0_26:notes"/>
           <p:cNvSpPr txBox="1"/>
           <p:nvPr>
             <p:ph idx="1" type="body"/>
@@ -1216,7 +1232,7 @@
   <p:cSld>
     <p:spTree>
       <p:nvGrpSpPr>
-        <p:cNvPr id="215" name="Shape 215"/>
+        <p:cNvPr id="214" name="Shape 214"/>
         <p:cNvGrpSpPr/>
         <p:nvPr/>
       </p:nvGrpSpPr>
@@ -1230,7 +1246,7 @@
       </p:grpSpPr>
       <p:sp>
         <p:nvSpPr>
-          <p:cNvPr id="216" name="Google Shape;216;ga45002a6e4_3_0:notes"/>
+          <p:cNvPr id="215" name="Google Shape;215;ga477148a4b_0_6:notes"/>
           <p:cNvSpPr/>
           <p:nvPr>
             <p:ph idx="2" type="sldImg"/>
@@ -1265,7 +1281,7 @@
       </p:sp>
       <p:sp>
         <p:nvSpPr>
-          <p:cNvPr id="217" name="Google Shape;217;ga45002a6e4_3_0:notes"/>
+          <p:cNvPr id="216" name="Google Shape;216;ga477148a4b_0_6:notes"/>
           <p:cNvSpPr txBox="1"/>
           <p:nvPr>
             <p:ph idx="1" type="body"/>
@@ -1315,7 +1331,7 @@
   <p:cSld>
     <p:spTree>
       <p:nvGrpSpPr>
-        <p:cNvPr id="221" name="Shape 221"/>
+        <p:cNvPr id="220" name="Shape 220"/>
         <p:cNvGrpSpPr/>
         <p:nvPr/>
       </p:nvGrpSpPr>
@@ -1329,7 +1345,7 @@
       </p:grpSpPr>
       <p:sp>
         <p:nvSpPr>
-          <p:cNvPr id="222" name="Google Shape;222;g9f7f68fa3c_0_0:notes"/>
+          <p:cNvPr id="221" name="Google Shape;221;ga477148a4b_0_16:notes"/>
           <p:cNvSpPr/>
           <p:nvPr>
             <p:ph idx="2" type="sldImg"/>
@@ -1364,7 +1380,403 @@
       </p:sp>
       <p:sp>
         <p:nvSpPr>
-          <p:cNvPr id="223" name="Google Shape;223;g9f7f68fa3c_0_0:notes"/>
+          <p:cNvPr id="222" name="Google Shape;222;ga477148a4b_0_16:notes"/>
+          <p:cNvSpPr txBox="1"/>
+          <p:nvPr>
+            <p:ph idx="1" type="body"/>
+          </p:nvPr>
+        </p:nvSpPr>
+        <p:spPr>
+          <a:xfrm>
+            <a:off x="685800" y="4343400"/>
+            <a:ext cx="5486400" cy="4114800"/>
+          </a:xfrm>
+          <a:prstGeom prst="rect">
+            <a:avLst/>
+          </a:prstGeom>
+        </p:spPr>
+        <p:txBody>
+          <a:bodyPr anchorCtr="0" anchor="t" bIns="91425" lIns="91425" spcFirstLastPara="1" rIns="91425" wrap="square" tIns="91425">
+            <a:noAutofit/>
+          </a:bodyPr>
+          <a:lstStyle/>
+          <a:p>
+            <a:pPr indent="0" lvl="0" marL="0" rtl="0" algn="l">
+              <a:spcBef>
+                <a:spcPts val="0"/>
+              </a:spcBef>
+              <a:spcAft>
+                <a:spcPts val="0"/>
+              </a:spcAft>
+              <a:buNone/>
+            </a:pPr>
+            <a:r>
+              <a:t/>
+            </a:r>
+            <a:endParaRPr/>
+          </a:p>
+        </p:txBody>
+      </p:sp>
+    </p:spTree>
+  </p:cSld>
+  <p:clrMapOvr>
+    <a:masterClrMapping/>
+  </p:clrMapOvr>
+</p:notes>
+</file>
+
+<file path=ppt/notesSlides/notesSlide16.xml><?xml version="1.0" encoding="utf-8"?>
+<p:notes xmlns:a="http://schemas.openxmlformats.org/drawingml/2006/main" xmlns:r="http://schemas.openxmlformats.org/officeDocument/2006/relationships" xmlns:mc="http://schemas.openxmlformats.org/markup-compatibility/2006" xmlns:mv="urn:schemas-microsoft-com:mac:vml" xmlns:p="http://schemas.openxmlformats.org/presentationml/2006/main" xmlns:c="http://schemas.openxmlformats.org/drawingml/2006/chart" xmlns:dgm="http://schemas.openxmlformats.org/drawingml/2006/diagram" xmlns:o="urn:schemas-microsoft-com:office:office" xmlns:v="urn:schemas-microsoft-com:vml" xmlns:pvml="urn:schemas-microsoft-com:office:powerpoint" xmlns:com="http://schemas.openxmlformats.org/drawingml/2006/compatibility" xmlns:p14="http://schemas.microsoft.com/office/powerpoint/2010/main" xmlns:p15="http://schemas.microsoft.com/office/powerpoint/2012/main" xmlns:ahyp="http://schemas.microsoft.com/office/drawing/2018/hyperlinkcolor" showMasterPhAnim="0" showMasterSp="0">
+  <p:cSld>
+    <p:spTree>
+      <p:nvGrpSpPr>
+        <p:cNvPr id="227" name="Shape 227"/>
+        <p:cNvGrpSpPr/>
+        <p:nvPr/>
+      </p:nvGrpSpPr>
+      <p:grpSpPr>
+        <a:xfrm>
+          <a:off x="0" y="0"/>
+          <a:ext cx="0" cy="0"/>
+          <a:chOff x="0" y="0"/>
+          <a:chExt cx="0" cy="0"/>
+        </a:xfrm>
+      </p:grpSpPr>
+      <p:sp>
+        <p:nvSpPr>
+          <p:cNvPr id="228" name="Google Shape;228;gac501c9852_0_0:notes"/>
+          <p:cNvSpPr/>
+          <p:nvPr>
+            <p:ph idx="2" type="sldImg"/>
+          </p:nvPr>
+        </p:nvSpPr>
+        <p:spPr>
+          <a:xfrm>
+            <a:off x="381300" y="685800"/>
+            <a:ext cx="6096000" cy="3429000"/>
+          </a:xfrm>
+          <a:custGeom>
+            <a:rect b="b" l="l" r="r" t="t"/>
+            <a:pathLst>
+              <a:path extrusionOk="0" h="120000" w="120000">
+                <a:moveTo>
+                  <a:pt x="0" y="0"/>
+                </a:moveTo>
+                <a:lnTo>
+                  <a:pt x="120000" y="0"/>
+                </a:lnTo>
+                <a:lnTo>
+                  <a:pt x="120000" y="120000"/>
+                </a:lnTo>
+                <a:lnTo>
+                  <a:pt x="0" y="120000"/>
+                </a:lnTo>
+                <a:close/>
+              </a:path>
+            </a:pathLst>
+          </a:custGeom>
+        </p:spPr>
+      </p:sp>
+      <p:sp>
+        <p:nvSpPr>
+          <p:cNvPr id="229" name="Google Shape;229;gac501c9852_0_0:notes"/>
+          <p:cNvSpPr txBox="1"/>
+          <p:nvPr>
+            <p:ph idx="1" type="body"/>
+          </p:nvPr>
+        </p:nvSpPr>
+        <p:spPr>
+          <a:xfrm>
+            <a:off x="685800" y="4343400"/>
+            <a:ext cx="5486400" cy="4114800"/>
+          </a:xfrm>
+          <a:prstGeom prst="rect">
+            <a:avLst/>
+          </a:prstGeom>
+        </p:spPr>
+        <p:txBody>
+          <a:bodyPr anchorCtr="0" anchor="t" bIns="91425" lIns="91425" spcFirstLastPara="1" rIns="91425" wrap="square" tIns="91425">
+            <a:noAutofit/>
+          </a:bodyPr>
+          <a:lstStyle/>
+          <a:p>
+            <a:pPr indent="0" lvl="0" marL="0" rtl="0" algn="l">
+              <a:spcBef>
+                <a:spcPts val="0"/>
+              </a:spcBef>
+              <a:spcAft>
+                <a:spcPts val="0"/>
+              </a:spcAft>
+              <a:buNone/>
+            </a:pPr>
+            <a:r>
+              <a:t/>
+            </a:r>
+            <a:endParaRPr/>
+          </a:p>
+        </p:txBody>
+      </p:sp>
+    </p:spTree>
+  </p:cSld>
+  <p:clrMapOvr>
+    <a:masterClrMapping/>
+  </p:clrMapOvr>
+</p:notes>
+</file>
+
+<file path=ppt/notesSlides/notesSlide17.xml><?xml version="1.0" encoding="utf-8"?>
+<p:notes xmlns:a="http://schemas.openxmlformats.org/drawingml/2006/main" xmlns:r="http://schemas.openxmlformats.org/officeDocument/2006/relationships" xmlns:mc="http://schemas.openxmlformats.org/markup-compatibility/2006" xmlns:mv="urn:schemas-microsoft-com:mac:vml" xmlns:p="http://schemas.openxmlformats.org/presentationml/2006/main" xmlns:c="http://schemas.openxmlformats.org/drawingml/2006/chart" xmlns:dgm="http://schemas.openxmlformats.org/drawingml/2006/diagram" xmlns:o="urn:schemas-microsoft-com:office:office" xmlns:v="urn:schemas-microsoft-com:vml" xmlns:pvml="urn:schemas-microsoft-com:office:powerpoint" xmlns:com="http://schemas.openxmlformats.org/drawingml/2006/compatibility" xmlns:p14="http://schemas.microsoft.com/office/powerpoint/2010/main" xmlns:p15="http://schemas.microsoft.com/office/powerpoint/2012/main" xmlns:ahyp="http://schemas.microsoft.com/office/drawing/2018/hyperlinkcolor" showMasterPhAnim="0" showMasterSp="0">
+  <p:cSld>
+    <p:spTree>
+      <p:nvGrpSpPr>
+        <p:cNvPr id="232" name="Shape 232"/>
+        <p:cNvGrpSpPr/>
+        <p:nvPr/>
+      </p:nvGrpSpPr>
+      <p:grpSpPr>
+        <a:xfrm>
+          <a:off x="0" y="0"/>
+          <a:ext cx="0" cy="0"/>
+          <a:chOff x="0" y="0"/>
+          <a:chExt cx="0" cy="0"/>
+        </a:xfrm>
+      </p:grpSpPr>
+      <p:sp>
+        <p:nvSpPr>
+          <p:cNvPr id="233" name="Google Shape;233;gab2bd131b5_0_4:notes"/>
+          <p:cNvSpPr/>
+          <p:nvPr>
+            <p:ph idx="2" type="sldImg"/>
+          </p:nvPr>
+        </p:nvSpPr>
+        <p:spPr>
+          <a:xfrm>
+            <a:off x="381300" y="685800"/>
+            <a:ext cx="6096000" cy="3429000"/>
+          </a:xfrm>
+          <a:custGeom>
+            <a:rect b="b" l="l" r="r" t="t"/>
+            <a:pathLst>
+              <a:path extrusionOk="0" h="120000" w="120000">
+                <a:moveTo>
+                  <a:pt x="0" y="0"/>
+                </a:moveTo>
+                <a:lnTo>
+                  <a:pt x="120000" y="0"/>
+                </a:lnTo>
+                <a:lnTo>
+                  <a:pt x="120000" y="120000"/>
+                </a:lnTo>
+                <a:lnTo>
+                  <a:pt x="0" y="120000"/>
+                </a:lnTo>
+                <a:close/>
+              </a:path>
+            </a:pathLst>
+          </a:custGeom>
+        </p:spPr>
+      </p:sp>
+      <p:sp>
+        <p:nvSpPr>
+          <p:cNvPr id="234" name="Google Shape;234;gab2bd131b5_0_4:notes"/>
+          <p:cNvSpPr txBox="1"/>
+          <p:nvPr>
+            <p:ph idx="1" type="body"/>
+          </p:nvPr>
+        </p:nvSpPr>
+        <p:spPr>
+          <a:xfrm>
+            <a:off x="685800" y="4343400"/>
+            <a:ext cx="5486400" cy="4114800"/>
+          </a:xfrm>
+          <a:prstGeom prst="rect">
+            <a:avLst/>
+          </a:prstGeom>
+        </p:spPr>
+        <p:txBody>
+          <a:bodyPr anchorCtr="0" anchor="t" bIns="91425" lIns="91425" spcFirstLastPara="1" rIns="91425" wrap="square" tIns="91425">
+            <a:noAutofit/>
+          </a:bodyPr>
+          <a:lstStyle/>
+          <a:p>
+            <a:pPr indent="0" lvl="0" marL="0" rtl="0" algn="l">
+              <a:spcBef>
+                <a:spcPts val="0"/>
+              </a:spcBef>
+              <a:spcAft>
+                <a:spcPts val="0"/>
+              </a:spcAft>
+              <a:buNone/>
+            </a:pPr>
+            <a:r>
+              <a:t/>
+            </a:r>
+            <a:endParaRPr/>
+          </a:p>
+        </p:txBody>
+      </p:sp>
+    </p:spTree>
+  </p:cSld>
+  <p:clrMapOvr>
+    <a:masterClrMapping/>
+  </p:clrMapOvr>
+</p:notes>
+</file>
+
+<file path=ppt/notesSlides/notesSlide18.xml><?xml version="1.0" encoding="utf-8"?>
+<p:notes xmlns:a="http://schemas.openxmlformats.org/drawingml/2006/main" xmlns:r="http://schemas.openxmlformats.org/officeDocument/2006/relationships" xmlns:mc="http://schemas.openxmlformats.org/markup-compatibility/2006" xmlns:mv="urn:schemas-microsoft-com:mac:vml" xmlns:p="http://schemas.openxmlformats.org/presentationml/2006/main" xmlns:c="http://schemas.openxmlformats.org/drawingml/2006/chart" xmlns:dgm="http://schemas.openxmlformats.org/drawingml/2006/diagram" xmlns:o="urn:schemas-microsoft-com:office:office" xmlns:v="urn:schemas-microsoft-com:vml" xmlns:pvml="urn:schemas-microsoft-com:office:powerpoint" xmlns:com="http://schemas.openxmlformats.org/drawingml/2006/compatibility" xmlns:p14="http://schemas.microsoft.com/office/powerpoint/2010/main" xmlns:p15="http://schemas.microsoft.com/office/powerpoint/2012/main" xmlns:ahyp="http://schemas.microsoft.com/office/drawing/2018/hyperlinkcolor" showMasterPhAnim="0" showMasterSp="0">
+  <p:cSld>
+    <p:spTree>
+      <p:nvGrpSpPr>
+        <p:cNvPr id="240" name="Shape 240"/>
+        <p:cNvGrpSpPr/>
+        <p:nvPr/>
+      </p:nvGrpSpPr>
+      <p:grpSpPr>
+        <a:xfrm>
+          <a:off x="0" y="0"/>
+          <a:ext cx="0" cy="0"/>
+          <a:chOff x="0" y="0"/>
+          <a:chExt cx="0" cy="0"/>
+        </a:xfrm>
+      </p:grpSpPr>
+      <p:sp>
+        <p:nvSpPr>
+          <p:cNvPr id="241" name="Google Shape;241;gab2bd131b5_0_13:notes"/>
+          <p:cNvSpPr/>
+          <p:nvPr>
+            <p:ph idx="2" type="sldImg"/>
+          </p:nvPr>
+        </p:nvSpPr>
+        <p:spPr>
+          <a:xfrm>
+            <a:off x="381300" y="685800"/>
+            <a:ext cx="6096000" cy="3429000"/>
+          </a:xfrm>
+          <a:custGeom>
+            <a:rect b="b" l="l" r="r" t="t"/>
+            <a:pathLst>
+              <a:path extrusionOk="0" h="120000" w="120000">
+                <a:moveTo>
+                  <a:pt x="0" y="0"/>
+                </a:moveTo>
+                <a:lnTo>
+                  <a:pt x="120000" y="0"/>
+                </a:lnTo>
+                <a:lnTo>
+                  <a:pt x="120000" y="120000"/>
+                </a:lnTo>
+                <a:lnTo>
+                  <a:pt x="0" y="120000"/>
+                </a:lnTo>
+                <a:close/>
+              </a:path>
+            </a:pathLst>
+          </a:custGeom>
+        </p:spPr>
+      </p:sp>
+      <p:sp>
+        <p:nvSpPr>
+          <p:cNvPr id="242" name="Google Shape;242;gab2bd131b5_0_13:notes"/>
+          <p:cNvSpPr txBox="1"/>
+          <p:nvPr>
+            <p:ph idx="1" type="body"/>
+          </p:nvPr>
+        </p:nvSpPr>
+        <p:spPr>
+          <a:xfrm>
+            <a:off x="685800" y="4343400"/>
+            <a:ext cx="5486400" cy="4114800"/>
+          </a:xfrm>
+          <a:prstGeom prst="rect">
+            <a:avLst/>
+          </a:prstGeom>
+        </p:spPr>
+        <p:txBody>
+          <a:bodyPr anchorCtr="0" anchor="t" bIns="91425" lIns="91425" spcFirstLastPara="1" rIns="91425" wrap="square" tIns="91425">
+            <a:noAutofit/>
+          </a:bodyPr>
+          <a:lstStyle/>
+          <a:p>
+            <a:pPr indent="0" lvl="0" marL="0" rtl="0" algn="l">
+              <a:spcBef>
+                <a:spcPts val="0"/>
+              </a:spcBef>
+              <a:spcAft>
+                <a:spcPts val="0"/>
+              </a:spcAft>
+              <a:buNone/>
+            </a:pPr>
+            <a:r>
+              <a:t/>
+            </a:r>
+            <a:endParaRPr/>
+          </a:p>
+        </p:txBody>
+      </p:sp>
+    </p:spTree>
+  </p:cSld>
+  <p:clrMapOvr>
+    <a:masterClrMapping/>
+  </p:clrMapOvr>
+</p:notes>
+</file>
+
+<file path=ppt/notesSlides/notesSlide19.xml><?xml version="1.0" encoding="utf-8"?>
+<p:notes xmlns:a="http://schemas.openxmlformats.org/drawingml/2006/main" xmlns:r="http://schemas.openxmlformats.org/officeDocument/2006/relationships" xmlns:mc="http://schemas.openxmlformats.org/markup-compatibility/2006" xmlns:mv="urn:schemas-microsoft-com:mac:vml" xmlns:p="http://schemas.openxmlformats.org/presentationml/2006/main" xmlns:c="http://schemas.openxmlformats.org/drawingml/2006/chart" xmlns:dgm="http://schemas.openxmlformats.org/drawingml/2006/diagram" xmlns:o="urn:schemas-microsoft-com:office:office" xmlns:v="urn:schemas-microsoft-com:vml" xmlns:pvml="urn:schemas-microsoft-com:office:powerpoint" xmlns:com="http://schemas.openxmlformats.org/drawingml/2006/compatibility" xmlns:p14="http://schemas.microsoft.com/office/powerpoint/2010/main" xmlns:p15="http://schemas.microsoft.com/office/powerpoint/2012/main" xmlns:ahyp="http://schemas.microsoft.com/office/drawing/2018/hyperlinkcolor" showMasterPhAnim="0" showMasterSp="0">
+  <p:cSld>
+    <p:spTree>
+      <p:nvGrpSpPr>
+        <p:cNvPr id="247" name="Shape 247"/>
+        <p:cNvGrpSpPr/>
+        <p:nvPr/>
+      </p:nvGrpSpPr>
+      <p:grpSpPr>
+        <a:xfrm>
+          <a:off x="0" y="0"/>
+          <a:ext cx="0" cy="0"/>
+          <a:chOff x="0" y="0"/>
+          <a:chExt cx="0" cy="0"/>
+        </a:xfrm>
+      </p:grpSpPr>
+      <p:sp>
+        <p:nvSpPr>
+          <p:cNvPr id="248" name="Google Shape;248;ga23318a2b7_0_1:notes"/>
+          <p:cNvSpPr/>
+          <p:nvPr>
+            <p:ph idx="2" type="sldImg"/>
+          </p:nvPr>
+        </p:nvSpPr>
+        <p:spPr>
+          <a:xfrm>
+            <a:off x="381300" y="685800"/>
+            <a:ext cx="6096000" cy="3429000"/>
+          </a:xfrm>
+          <a:custGeom>
+            <a:rect b="b" l="l" r="r" t="t"/>
+            <a:pathLst>
+              <a:path extrusionOk="0" h="120000" w="120000">
+                <a:moveTo>
+                  <a:pt x="0" y="0"/>
+                </a:moveTo>
+                <a:lnTo>
+                  <a:pt x="120000" y="0"/>
+                </a:lnTo>
+                <a:lnTo>
+                  <a:pt x="120000" y="120000"/>
+                </a:lnTo>
+                <a:lnTo>
+                  <a:pt x="0" y="120000"/>
+                </a:lnTo>
+                <a:close/>
+              </a:path>
+            </a:pathLst>
+          </a:custGeom>
+        </p:spPr>
+      </p:sp>
+      <p:sp>
+        <p:nvSpPr>
+          <p:cNvPr id="249" name="Google Shape;249;ga23318a2b7_0_1:notes"/>
           <p:cNvSpPr txBox="1"/>
           <p:nvPr>
             <p:ph idx="1" type="body"/>
@@ -1428,7 +1840,7 @@
       </p:grpSpPr>
       <p:sp>
         <p:nvSpPr>
-          <p:cNvPr id="138" name="Google Shape;138;g9daecc240c_0_125:notes"/>
+          <p:cNvPr id="138" name="Google Shape;138;g9daecc240c_0_132:notes"/>
           <p:cNvSpPr/>
           <p:nvPr>
             <p:ph idx="2" type="sldImg"/>
@@ -1463,7 +1875,997 @@
       </p:sp>
       <p:sp>
         <p:nvSpPr>
-          <p:cNvPr id="139" name="Google Shape;139;g9daecc240c_0_125:notes"/>
+          <p:cNvPr id="139" name="Google Shape;139;g9daecc240c_0_132:notes"/>
+          <p:cNvSpPr txBox="1"/>
+          <p:nvPr>
+            <p:ph idx="1" type="body"/>
+          </p:nvPr>
+        </p:nvSpPr>
+        <p:spPr>
+          <a:xfrm>
+            <a:off x="685800" y="4343400"/>
+            <a:ext cx="5486400" cy="4114800"/>
+          </a:xfrm>
+          <a:prstGeom prst="rect">
+            <a:avLst/>
+          </a:prstGeom>
+        </p:spPr>
+        <p:txBody>
+          <a:bodyPr anchorCtr="0" anchor="t" bIns="91425" lIns="91425" spcFirstLastPara="1" rIns="91425" wrap="square" tIns="91425">
+            <a:noAutofit/>
+          </a:bodyPr>
+          <a:lstStyle/>
+          <a:p>
+            <a:pPr indent="0" lvl="0" marL="0" rtl="0" algn="l">
+              <a:spcBef>
+                <a:spcPts val="0"/>
+              </a:spcBef>
+              <a:spcAft>
+                <a:spcPts val="0"/>
+              </a:spcAft>
+              <a:buNone/>
+            </a:pPr>
+            <a:r>
+              <a:t/>
+            </a:r>
+            <a:endParaRPr/>
+          </a:p>
+        </p:txBody>
+      </p:sp>
+    </p:spTree>
+  </p:cSld>
+  <p:clrMapOvr>
+    <a:masterClrMapping/>
+  </p:clrMapOvr>
+</p:notes>
+</file>
+
+<file path=ppt/notesSlides/notesSlide20.xml><?xml version="1.0" encoding="utf-8"?>
+<p:notes xmlns:a="http://schemas.openxmlformats.org/drawingml/2006/main" xmlns:r="http://schemas.openxmlformats.org/officeDocument/2006/relationships" xmlns:mc="http://schemas.openxmlformats.org/markup-compatibility/2006" xmlns:mv="urn:schemas-microsoft-com:mac:vml" xmlns:p="http://schemas.openxmlformats.org/presentationml/2006/main" xmlns:c="http://schemas.openxmlformats.org/drawingml/2006/chart" xmlns:dgm="http://schemas.openxmlformats.org/drawingml/2006/diagram" xmlns:o="urn:schemas-microsoft-com:office:office" xmlns:v="urn:schemas-microsoft-com:vml" xmlns:pvml="urn:schemas-microsoft-com:office:powerpoint" xmlns:com="http://schemas.openxmlformats.org/drawingml/2006/compatibility" xmlns:p14="http://schemas.microsoft.com/office/powerpoint/2010/main" xmlns:p15="http://schemas.microsoft.com/office/powerpoint/2012/main" xmlns:ahyp="http://schemas.microsoft.com/office/drawing/2018/hyperlinkcolor" showMasterPhAnim="0" showMasterSp="0">
+  <p:cSld>
+    <p:spTree>
+      <p:nvGrpSpPr>
+        <p:cNvPr id="257" name="Shape 257"/>
+        <p:cNvGrpSpPr/>
+        <p:nvPr/>
+      </p:nvGrpSpPr>
+      <p:grpSpPr>
+        <a:xfrm>
+          <a:off x="0" y="0"/>
+          <a:ext cx="0" cy="0"/>
+          <a:chOff x="0" y="0"/>
+          <a:chExt cx="0" cy="0"/>
+        </a:xfrm>
+      </p:grpSpPr>
+      <p:sp>
+        <p:nvSpPr>
+          <p:cNvPr id="258" name="Google Shape;258;ga23318a2b7_0_9:notes"/>
+          <p:cNvSpPr/>
+          <p:nvPr>
+            <p:ph idx="2" type="sldImg"/>
+          </p:nvPr>
+        </p:nvSpPr>
+        <p:spPr>
+          <a:xfrm>
+            <a:off x="381300" y="685800"/>
+            <a:ext cx="6096000" cy="3429000"/>
+          </a:xfrm>
+          <a:custGeom>
+            <a:rect b="b" l="l" r="r" t="t"/>
+            <a:pathLst>
+              <a:path extrusionOk="0" h="120000" w="120000">
+                <a:moveTo>
+                  <a:pt x="0" y="0"/>
+                </a:moveTo>
+                <a:lnTo>
+                  <a:pt x="120000" y="0"/>
+                </a:lnTo>
+                <a:lnTo>
+                  <a:pt x="120000" y="120000"/>
+                </a:lnTo>
+                <a:lnTo>
+                  <a:pt x="0" y="120000"/>
+                </a:lnTo>
+                <a:close/>
+              </a:path>
+            </a:pathLst>
+          </a:custGeom>
+        </p:spPr>
+      </p:sp>
+      <p:sp>
+        <p:nvSpPr>
+          <p:cNvPr id="259" name="Google Shape;259;ga23318a2b7_0_9:notes"/>
+          <p:cNvSpPr txBox="1"/>
+          <p:nvPr>
+            <p:ph idx="1" type="body"/>
+          </p:nvPr>
+        </p:nvSpPr>
+        <p:spPr>
+          <a:xfrm>
+            <a:off x="685800" y="4343400"/>
+            <a:ext cx="5486400" cy="4114800"/>
+          </a:xfrm>
+          <a:prstGeom prst="rect">
+            <a:avLst/>
+          </a:prstGeom>
+        </p:spPr>
+        <p:txBody>
+          <a:bodyPr anchorCtr="0" anchor="t" bIns="91425" lIns="91425" spcFirstLastPara="1" rIns="91425" wrap="square" tIns="91425">
+            <a:noAutofit/>
+          </a:bodyPr>
+          <a:lstStyle/>
+          <a:p>
+            <a:pPr indent="0" lvl="0" marL="0" rtl="0" algn="l">
+              <a:spcBef>
+                <a:spcPts val="0"/>
+              </a:spcBef>
+              <a:spcAft>
+                <a:spcPts val="0"/>
+              </a:spcAft>
+              <a:buNone/>
+            </a:pPr>
+            <a:r>
+              <a:t/>
+            </a:r>
+            <a:endParaRPr/>
+          </a:p>
+        </p:txBody>
+      </p:sp>
+    </p:spTree>
+  </p:cSld>
+  <p:clrMapOvr>
+    <a:masterClrMapping/>
+  </p:clrMapOvr>
+</p:notes>
+</file>
+
+<file path=ppt/notesSlides/notesSlide21.xml><?xml version="1.0" encoding="utf-8"?>
+<p:notes xmlns:a="http://schemas.openxmlformats.org/drawingml/2006/main" xmlns:r="http://schemas.openxmlformats.org/officeDocument/2006/relationships" xmlns:mc="http://schemas.openxmlformats.org/markup-compatibility/2006" xmlns:mv="urn:schemas-microsoft-com:mac:vml" xmlns:p="http://schemas.openxmlformats.org/presentationml/2006/main" xmlns:c="http://schemas.openxmlformats.org/drawingml/2006/chart" xmlns:dgm="http://schemas.openxmlformats.org/drawingml/2006/diagram" xmlns:o="urn:schemas-microsoft-com:office:office" xmlns:v="urn:schemas-microsoft-com:vml" xmlns:pvml="urn:schemas-microsoft-com:office:powerpoint" xmlns:com="http://schemas.openxmlformats.org/drawingml/2006/compatibility" xmlns:p14="http://schemas.microsoft.com/office/powerpoint/2010/main" xmlns:p15="http://schemas.microsoft.com/office/powerpoint/2012/main" xmlns:ahyp="http://schemas.microsoft.com/office/drawing/2018/hyperlinkcolor" showMasterPhAnim="0" showMasterSp="0">
+  <p:cSld>
+    <p:spTree>
+      <p:nvGrpSpPr>
+        <p:cNvPr id="263" name="Shape 263"/>
+        <p:cNvGrpSpPr/>
+        <p:nvPr/>
+      </p:nvGrpSpPr>
+      <p:grpSpPr>
+        <a:xfrm>
+          <a:off x="0" y="0"/>
+          <a:ext cx="0" cy="0"/>
+          <a:chOff x="0" y="0"/>
+          <a:chExt cx="0" cy="0"/>
+        </a:xfrm>
+      </p:grpSpPr>
+      <p:sp>
+        <p:nvSpPr>
+          <p:cNvPr id="264" name="Google Shape;264;gac501c9852_9_56:notes"/>
+          <p:cNvSpPr/>
+          <p:nvPr>
+            <p:ph idx="2" type="sldImg"/>
+          </p:nvPr>
+        </p:nvSpPr>
+        <p:spPr>
+          <a:xfrm>
+            <a:off x="381300" y="685800"/>
+            <a:ext cx="6096000" cy="3429000"/>
+          </a:xfrm>
+          <a:custGeom>
+            <a:rect b="b" l="l" r="r" t="t"/>
+            <a:pathLst>
+              <a:path extrusionOk="0" h="120000" w="120000">
+                <a:moveTo>
+                  <a:pt x="0" y="0"/>
+                </a:moveTo>
+                <a:lnTo>
+                  <a:pt x="120000" y="0"/>
+                </a:lnTo>
+                <a:lnTo>
+                  <a:pt x="120000" y="120000"/>
+                </a:lnTo>
+                <a:lnTo>
+                  <a:pt x="0" y="120000"/>
+                </a:lnTo>
+                <a:close/>
+              </a:path>
+            </a:pathLst>
+          </a:custGeom>
+        </p:spPr>
+      </p:sp>
+      <p:sp>
+        <p:nvSpPr>
+          <p:cNvPr id="265" name="Google Shape;265;gac501c9852_9_56:notes"/>
+          <p:cNvSpPr txBox="1"/>
+          <p:nvPr>
+            <p:ph idx="1" type="body"/>
+          </p:nvPr>
+        </p:nvSpPr>
+        <p:spPr>
+          <a:xfrm>
+            <a:off x="685800" y="4343400"/>
+            <a:ext cx="5486400" cy="4114800"/>
+          </a:xfrm>
+          <a:prstGeom prst="rect">
+            <a:avLst/>
+          </a:prstGeom>
+        </p:spPr>
+        <p:txBody>
+          <a:bodyPr anchorCtr="0" anchor="t" bIns="91425" lIns="91425" spcFirstLastPara="1" rIns="91425" wrap="square" tIns="91425">
+            <a:noAutofit/>
+          </a:bodyPr>
+          <a:lstStyle/>
+          <a:p>
+            <a:pPr indent="0" lvl="0" marL="0" rtl="0" algn="l">
+              <a:spcBef>
+                <a:spcPts val="0"/>
+              </a:spcBef>
+              <a:spcAft>
+                <a:spcPts val="0"/>
+              </a:spcAft>
+              <a:buNone/>
+            </a:pPr>
+            <a:r>
+              <a:t/>
+            </a:r>
+            <a:endParaRPr/>
+          </a:p>
+        </p:txBody>
+      </p:sp>
+    </p:spTree>
+  </p:cSld>
+  <p:clrMapOvr>
+    <a:masterClrMapping/>
+  </p:clrMapOvr>
+</p:notes>
+</file>
+
+<file path=ppt/notesSlides/notesSlide22.xml><?xml version="1.0" encoding="utf-8"?>
+<p:notes xmlns:a="http://schemas.openxmlformats.org/drawingml/2006/main" xmlns:r="http://schemas.openxmlformats.org/officeDocument/2006/relationships" xmlns:mc="http://schemas.openxmlformats.org/markup-compatibility/2006" xmlns:mv="urn:schemas-microsoft-com:mac:vml" xmlns:p="http://schemas.openxmlformats.org/presentationml/2006/main" xmlns:c="http://schemas.openxmlformats.org/drawingml/2006/chart" xmlns:dgm="http://schemas.openxmlformats.org/drawingml/2006/diagram" xmlns:o="urn:schemas-microsoft-com:office:office" xmlns:v="urn:schemas-microsoft-com:vml" xmlns:pvml="urn:schemas-microsoft-com:office:powerpoint" xmlns:com="http://schemas.openxmlformats.org/drawingml/2006/compatibility" xmlns:p14="http://schemas.microsoft.com/office/powerpoint/2010/main" xmlns:p15="http://schemas.microsoft.com/office/powerpoint/2012/main" xmlns:ahyp="http://schemas.microsoft.com/office/drawing/2018/hyperlinkcolor" showMasterPhAnim="0" showMasterSp="0">
+  <p:cSld>
+    <p:spTree>
+      <p:nvGrpSpPr>
+        <p:cNvPr id="268" name="Shape 268"/>
+        <p:cNvGrpSpPr/>
+        <p:nvPr/>
+      </p:nvGrpSpPr>
+      <p:grpSpPr>
+        <a:xfrm>
+          <a:off x="0" y="0"/>
+          <a:ext cx="0" cy="0"/>
+          <a:chOff x="0" y="0"/>
+          <a:chExt cx="0" cy="0"/>
+        </a:xfrm>
+      </p:grpSpPr>
+      <p:sp>
+        <p:nvSpPr>
+          <p:cNvPr id="269" name="Google Shape;269;gac501c9852_9_60:notes"/>
+          <p:cNvSpPr/>
+          <p:nvPr>
+            <p:ph idx="2" type="sldImg"/>
+          </p:nvPr>
+        </p:nvSpPr>
+        <p:spPr>
+          <a:xfrm>
+            <a:off x="381300" y="685800"/>
+            <a:ext cx="6096000" cy="3429000"/>
+          </a:xfrm>
+          <a:custGeom>
+            <a:rect b="b" l="l" r="r" t="t"/>
+            <a:pathLst>
+              <a:path extrusionOk="0" h="120000" w="120000">
+                <a:moveTo>
+                  <a:pt x="0" y="0"/>
+                </a:moveTo>
+                <a:lnTo>
+                  <a:pt x="120000" y="0"/>
+                </a:lnTo>
+                <a:lnTo>
+                  <a:pt x="120000" y="120000"/>
+                </a:lnTo>
+                <a:lnTo>
+                  <a:pt x="0" y="120000"/>
+                </a:lnTo>
+                <a:close/>
+              </a:path>
+            </a:pathLst>
+          </a:custGeom>
+        </p:spPr>
+      </p:sp>
+      <p:sp>
+        <p:nvSpPr>
+          <p:cNvPr id="270" name="Google Shape;270;gac501c9852_9_60:notes"/>
+          <p:cNvSpPr txBox="1"/>
+          <p:nvPr>
+            <p:ph idx="1" type="body"/>
+          </p:nvPr>
+        </p:nvSpPr>
+        <p:spPr>
+          <a:xfrm>
+            <a:off x="685800" y="4343400"/>
+            <a:ext cx="5486400" cy="4114800"/>
+          </a:xfrm>
+          <a:prstGeom prst="rect">
+            <a:avLst/>
+          </a:prstGeom>
+        </p:spPr>
+        <p:txBody>
+          <a:bodyPr anchorCtr="0" anchor="t" bIns="91425" lIns="91425" spcFirstLastPara="1" rIns="91425" wrap="square" tIns="91425">
+            <a:noAutofit/>
+          </a:bodyPr>
+          <a:lstStyle/>
+          <a:p>
+            <a:pPr indent="0" lvl="0" marL="0" rtl="0" algn="l">
+              <a:spcBef>
+                <a:spcPts val="0"/>
+              </a:spcBef>
+              <a:spcAft>
+                <a:spcPts val="0"/>
+              </a:spcAft>
+              <a:buNone/>
+            </a:pPr>
+            <a:r>
+              <a:t/>
+            </a:r>
+            <a:endParaRPr/>
+          </a:p>
+        </p:txBody>
+      </p:sp>
+    </p:spTree>
+  </p:cSld>
+  <p:clrMapOvr>
+    <a:masterClrMapping/>
+  </p:clrMapOvr>
+</p:notes>
+</file>
+
+<file path=ppt/notesSlides/notesSlide23.xml><?xml version="1.0" encoding="utf-8"?>
+<p:notes xmlns:a="http://schemas.openxmlformats.org/drawingml/2006/main" xmlns:r="http://schemas.openxmlformats.org/officeDocument/2006/relationships" xmlns:mc="http://schemas.openxmlformats.org/markup-compatibility/2006" xmlns:mv="urn:schemas-microsoft-com:mac:vml" xmlns:p="http://schemas.openxmlformats.org/presentationml/2006/main" xmlns:c="http://schemas.openxmlformats.org/drawingml/2006/chart" xmlns:dgm="http://schemas.openxmlformats.org/drawingml/2006/diagram" xmlns:o="urn:schemas-microsoft-com:office:office" xmlns:v="urn:schemas-microsoft-com:vml" xmlns:pvml="urn:schemas-microsoft-com:office:powerpoint" xmlns:com="http://schemas.openxmlformats.org/drawingml/2006/compatibility" xmlns:p14="http://schemas.microsoft.com/office/powerpoint/2010/main" xmlns:p15="http://schemas.microsoft.com/office/powerpoint/2012/main" xmlns:ahyp="http://schemas.microsoft.com/office/drawing/2018/hyperlinkcolor" showMasterPhAnim="0" showMasterSp="0">
+  <p:cSld>
+    <p:spTree>
+      <p:nvGrpSpPr>
+        <p:cNvPr id="274" name="Shape 274"/>
+        <p:cNvGrpSpPr/>
+        <p:nvPr/>
+      </p:nvGrpSpPr>
+      <p:grpSpPr>
+        <a:xfrm>
+          <a:off x="0" y="0"/>
+          <a:ext cx="0" cy="0"/>
+          <a:chOff x="0" y="0"/>
+          <a:chExt cx="0" cy="0"/>
+        </a:xfrm>
+      </p:grpSpPr>
+      <p:sp>
+        <p:nvSpPr>
+          <p:cNvPr id="275" name="Google Shape;275;gac501c9852_9_65:notes"/>
+          <p:cNvSpPr/>
+          <p:nvPr>
+            <p:ph idx="2" type="sldImg"/>
+          </p:nvPr>
+        </p:nvSpPr>
+        <p:spPr>
+          <a:xfrm>
+            <a:off x="381300" y="685800"/>
+            <a:ext cx="6096000" cy="3429000"/>
+          </a:xfrm>
+          <a:custGeom>
+            <a:rect b="b" l="l" r="r" t="t"/>
+            <a:pathLst>
+              <a:path extrusionOk="0" h="120000" w="120000">
+                <a:moveTo>
+                  <a:pt x="0" y="0"/>
+                </a:moveTo>
+                <a:lnTo>
+                  <a:pt x="120000" y="0"/>
+                </a:lnTo>
+                <a:lnTo>
+                  <a:pt x="120000" y="120000"/>
+                </a:lnTo>
+                <a:lnTo>
+                  <a:pt x="0" y="120000"/>
+                </a:lnTo>
+                <a:close/>
+              </a:path>
+            </a:pathLst>
+          </a:custGeom>
+        </p:spPr>
+      </p:sp>
+      <p:sp>
+        <p:nvSpPr>
+          <p:cNvPr id="276" name="Google Shape;276;gac501c9852_9_65:notes"/>
+          <p:cNvSpPr txBox="1"/>
+          <p:nvPr>
+            <p:ph idx="1" type="body"/>
+          </p:nvPr>
+        </p:nvSpPr>
+        <p:spPr>
+          <a:xfrm>
+            <a:off x="685800" y="4343400"/>
+            <a:ext cx="5486400" cy="4114800"/>
+          </a:xfrm>
+          <a:prstGeom prst="rect">
+            <a:avLst/>
+          </a:prstGeom>
+        </p:spPr>
+        <p:txBody>
+          <a:bodyPr anchorCtr="0" anchor="t" bIns="91425" lIns="91425" spcFirstLastPara="1" rIns="91425" wrap="square" tIns="91425">
+            <a:noAutofit/>
+          </a:bodyPr>
+          <a:lstStyle/>
+          <a:p>
+            <a:pPr indent="0" lvl="0" marL="0" rtl="0" algn="l">
+              <a:spcBef>
+                <a:spcPts val="0"/>
+              </a:spcBef>
+              <a:spcAft>
+                <a:spcPts val="0"/>
+              </a:spcAft>
+              <a:buNone/>
+            </a:pPr>
+            <a:r>
+              <a:t/>
+            </a:r>
+            <a:endParaRPr/>
+          </a:p>
+        </p:txBody>
+      </p:sp>
+    </p:spTree>
+  </p:cSld>
+  <p:clrMapOvr>
+    <a:masterClrMapping/>
+  </p:clrMapOvr>
+</p:notes>
+</file>
+
+<file path=ppt/notesSlides/notesSlide24.xml><?xml version="1.0" encoding="utf-8"?>
+<p:notes xmlns:a="http://schemas.openxmlformats.org/drawingml/2006/main" xmlns:r="http://schemas.openxmlformats.org/officeDocument/2006/relationships" xmlns:mc="http://schemas.openxmlformats.org/markup-compatibility/2006" xmlns:mv="urn:schemas-microsoft-com:mac:vml" xmlns:p="http://schemas.openxmlformats.org/presentationml/2006/main" xmlns:c="http://schemas.openxmlformats.org/drawingml/2006/chart" xmlns:dgm="http://schemas.openxmlformats.org/drawingml/2006/diagram" xmlns:o="urn:schemas-microsoft-com:office:office" xmlns:v="urn:schemas-microsoft-com:vml" xmlns:pvml="urn:schemas-microsoft-com:office:powerpoint" xmlns:com="http://schemas.openxmlformats.org/drawingml/2006/compatibility" xmlns:p14="http://schemas.microsoft.com/office/powerpoint/2010/main" xmlns:p15="http://schemas.microsoft.com/office/powerpoint/2012/main" xmlns:ahyp="http://schemas.microsoft.com/office/drawing/2018/hyperlinkcolor" showMasterPhAnim="0" showMasterSp="0">
+  <p:cSld>
+    <p:spTree>
+      <p:nvGrpSpPr>
+        <p:cNvPr id="283" name="Shape 283"/>
+        <p:cNvGrpSpPr/>
+        <p:nvPr/>
+      </p:nvGrpSpPr>
+      <p:grpSpPr>
+        <a:xfrm>
+          <a:off x="0" y="0"/>
+          <a:ext cx="0" cy="0"/>
+          <a:chOff x="0" y="0"/>
+          <a:chExt cx="0" cy="0"/>
+        </a:xfrm>
+      </p:grpSpPr>
+      <p:sp>
+        <p:nvSpPr>
+          <p:cNvPr id="284" name="Google Shape;284;gac501c9852_9_73:notes"/>
+          <p:cNvSpPr/>
+          <p:nvPr>
+            <p:ph idx="2" type="sldImg"/>
+          </p:nvPr>
+        </p:nvSpPr>
+        <p:spPr>
+          <a:xfrm>
+            <a:off x="381300" y="685800"/>
+            <a:ext cx="6096000" cy="3429000"/>
+          </a:xfrm>
+          <a:custGeom>
+            <a:rect b="b" l="l" r="r" t="t"/>
+            <a:pathLst>
+              <a:path extrusionOk="0" h="120000" w="120000">
+                <a:moveTo>
+                  <a:pt x="0" y="0"/>
+                </a:moveTo>
+                <a:lnTo>
+                  <a:pt x="120000" y="0"/>
+                </a:lnTo>
+                <a:lnTo>
+                  <a:pt x="120000" y="120000"/>
+                </a:lnTo>
+                <a:lnTo>
+                  <a:pt x="0" y="120000"/>
+                </a:lnTo>
+                <a:close/>
+              </a:path>
+            </a:pathLst>
+          </a:custGeom>
+        </p:spPr>
+      </p:sp>
+      <p:sp>
+        <p:nvSpPr>
+          <p:cNvPr id="285" name="Google Shape;285;gac501c9852_9_73:notes"/>
+          <p:cNvSpPr txBox="1"/>
+          <p:nvPr>
+            <p:ph idx="1" type="body"/>
+          </p:nvPr>
+        </p:nvSpPr>
+        <p:spPr>
+          <a:xfrm>
+            <a:off x="685800" y="4343400"/>
+            <a:ext cx="5486400" cy="4114800"/>
+          </a:xfrm>
+          <a:prstGeom prst="rect">
+            <a:avLst/>
+          </a:prstGeom>
+        </p:spPr>
+        <p:txBody>
+          <a:bodyPr anchorCtr="0" anchor="t" bIns="91425" lIns="91425" spcFirstLastPara="1" rIns="91425" wrap="square" tIns="91425">
+            <a:noAutofit/>
+          </a:bodyPr>
+          <a:lstStyle/>
+          <a:p>
+            <a:pPr indent="0" lvl="0" marL="0" rtl="0" algn="l">
+              <a:spcBef>
+                <a:spcPts val="0"/>
+              </a:spcBef>
+              <a:spcAft>
+                <a:spcPts val="0"/>
+              </a:spcAft>
+              <a:buNone/>
+            </a:pPr>
+            <a:r>
+              <a:t/>
+            </a:r>
+            <a:endParaRPr/>
+          </a:p>
+        </p:txBody>
+      </p:sp>
+    </p:spTree>
+  </p:cSld>
+  <p:clrMapOvr>
+    <a:masterClrMapping/>
+  </p:clrMapOvr>
+</p:notes>
+</file>
+
+<file path=ppt/notesSlides/notesSlide25.xml><?xml version="1.0" encoding="utf-8"?>
+<p:notes xmlns:a="http://schemas.openxmlformats.org/drawingml/2006/main" xmlns:r="http://schemas.openxmlformats.org/officeDocument/2006/relationships" xmlns:mc="http://schemas.openxmlformats.org/markup-compatibility/2006" xmlns:mv="urn:schemas-microsoft-com:mac:vml" xmlns:p="http://schemas.openxmlformats.org/presentationml/2006/main" xmlns:c="http://schemas.openxmlformats.org/drawingml/2006/chart" xmlns:dgm="http://schemas.openxmlformats.org/drawingml/2006/diagram" xmlns:o="urn:schemas-microsoft-com:office:office" xmlns:v="urn:schemas-microsoft-com:vml" xmlns:pvml="urn:schemas-microsoft-com:office:powerpoint" xmlns:com="http://schemas.openxmlformats.org/drawingml/2006/compatibility" xmlns:p14="http://schemas.microsoft.com/office/powerpoint/2010/main" xmlns:p15="http://schemas.microsoft.com/office/powerpoint/2012/main" xmlns:ahyp="http://schemas.microsoft.com/office/drawing/2018/hyperlinkcolor" showMasterPhAnim="0" showMasterSp="0">
+  <p:cSld>
+    <p:spTree>
+      <p:nvGrpSpPr>
+        <p:cNvPr id="290" name="Shape 290"/>
+        <p:cNvGrpSpPr/>
+        <p:nvPr/>
+      </p:nvGrpSpPr>
+      <p:grpSpPr>
+        <a:xfrm>
+          <a:off x="0" y="0"/>
+          <a:ext cx="0" cy="0"/>
+          <a:chOff x="0" y="0"/>
+          <a:chExt cx="0" cy="0"/>
+        </a:xfrm>
+      </p:grpSpPr>
+      <p:sp>
+        <p:nvSpPr>
+          <p:cNvPr id="291" name="Google Shape;291;gac501c9852_9_79:notes"/>
+          <p:cNvSpPr/>
+          <p:nvPr>
+            <p:ph idx="2" type="sldImg"/>
+          </p:nvPr>
+        </p:nvSpPr>
+        <p:spPr>
+          <a:xfrm>
+            <a:off x="381300" y="685800"/>
+            <a:ext cx="6096000" cy="3429000"/>
+          </a:xfrm>
+          <a:custGeom>
+            <a:rect b="b" l="l" r="r" t="t"/>
+            <a:pathLst>
+              <a:path extrusionOk="0" h="120000" w="120000">
+                <a:moveTo>
+                  <a:pt x="0" y="0"/>
+                </a:moveTo>
+                <a:lnTo>
+                  <a:pt x="120000" y="0"/>
+                </a:lnTo>
+                <a:lnTo>
+                  <a:pt x="120000" y="120000"/>
+                </a:lnTo>
+                <a:lnTo>
+                  <a:pt x="0" y="120000"/>
+                </a:lnTo>
+                <a:close/>
+              </a:path>
+            </a:pathLst>
+          </a:custGeom>
+        </p:spPr>
+      </p:sp>
+      <p:sp>
+        <p:nvSpPr>
+          <p:cNvPr id="292" name="Google Shape;292;gac501c9852_9_79:notes"/>
+          <p:cNvSpPr txBox="1"/>
+          <p:nvPr>
+            <p:ph idx="1" type="body"/>
+          </p:nvPr>
+        </p:nvSpPr>
+        <p:spPr>
+          <a:xfrm>
+            <a:off x="685800" y="4343400"/>
+            <a:ext cx="5486400" cy="4114800"/>
+          </a:xfrm>
+          <a:prstGeom prst="rect">
+            <a:avLst/>
+          </a:prstGeom>
+        </p:spPr>
+        <p:txBody>
+          <a:bodyPr anchorCtr="0" anchor="t" bIns="91425" lIns="91425" spcFirstLastPara="1" rIns="91425" wrap="square" tIns="91425">
+            <a:noAutofit/>
+          </a:bodyPr>
+          <a:lstStyle/>
+          <a:p>
+            <a:pPr indent="0" lvl="0" marL="0" rtl="0" algn="l">
+              <a:spcBef>
+                <a:spcPts val="0"/>
+              </a:spcBef>
+              <a:spcAft>
+                <a:spcPts val="0"/>
+              </a:spcAft>
+              <a:buNone/>
+            </a:pPr>
+            <a:r>
+              <a:t/>
+            </a:r>
+            <a:endParaRPr/>
+          </a:p>
+        </p:txBody>
+      </p:sp>
+    </p:spTree>
+  </p:cSld>
+  <p:clrMapOvr>
+    <a:masterClrMapping/>
+  </p:clrMapOvr>
+</p:notes>
+</file>
+
+<file path=ppt/notesSlides/notesSlide26.xml><?xml version="1.0" encoding="utf-8"?>
+<p:notes xmlns:a="http://schemas.openxmlformats.org/drawingml/2006/main" xmlns:r="http://schemas.openxmlformats.org/officeDocument/2006/relationships" xmlns:mc="http://schemas.openxmlformats.org/markup-compatibility/2006" xmlns:mv="urn:schemas-microsoft-com:mac:vml" xmlns:p="http://schemas.openxmlformats.org/presentationml/2006/main" xmlns:c="http://schemas.openxmlformats.org/drawingml/2006/chart" xmlns:dgm="http://schemas.openxmlformats.org/drawingml/2006/diagram" xmlns:o="urn:schemas-microsoft-com:office:office" xmlns:v="urn:schemas-microsoft-com:vml" xmlns:pvml="urn:schemas-microsoft-com:office:powerpoint" xmlns:com="http://schemas.openxmlformats.org/drawingml/2006/compatibility" xmlns:p14="http://schemas.microsoft.com/office/powerpoint/2010/main" xmlns:p15="http://schemas.microsoft.com/office/powerpoint/2012/main" xmlns:ahyp="http://schemas.microsoft.com/office/drawing/2018/hyperlinkcolor" showMasterPhAnim="0" showMasterSp="0">
+  <p:cSld>
+    <p:spTree>
+      <p:nvGrpSpPr>
+        <p:cNvPr id="296" name="Shape 296"/>
+        <p:cNvGrpSpPr/>
+        <p:nvPr/>
+      </p:nvGrpSpPr>
+      <p:grpSpPr>
+        <a:xfrm>
+          <a:off x="0" y="0"/>
+          <a:ext cx="0" cy="0"/>
+          <a:chOff x="0" y="0"/>
+          <a:chExt cx="0" cy="0"/>
+        </a:xfrm>
+      </p:grpSpPr>
+      <p:sp>
+        <p:nvSpPr>
+          <p:cNvPr id="297" name="Google Shape;297;gac501c9852_9_84:notes"/>
+          <p:cNvSpPr/>
+          <p:nvPr>
+            <p:ph idx="2" type="sldImg"/>
+          </p:nvPr>
+        </p:nvSpPr>
+        <p:spPr>
+          <a:xfrm>
+            <a:off x="381300" y="685800"/>
+            <a:ext cx="6096000" cy="3429000"/>
+          </a:xfrm>
+          <a:custGeom>
+            <a:rect b="b" l="l" r="r" t="t"/>
+            <a:pathLst>
+              <a:path extrusionOk="0" h="120000" w="120000">
+                <a:moveTo>
+                  <a:pt x="0" y="0"/>
+                </a:moveTo>
+                <a:lnTo>
+                  <a:pt x="120000" y="0"/>
+                </a:lnTo>
+                <a:lnTo>
+                  <a:pt x="120000" y="120000"/>
+                </a:lnTo>
+                <a:lnTo>
+                  <a:pt x="0" y="120000"/>
+                </a:lnTo>
+                <a:close/>
+              </a:path>
+            </a:pathLst>
+          </a:custGeom>
+        </p:spPr>
+      </p:sp>
+      <p:sp>
+        <p:nvSpPr>
+          <p:cNvPr id="298" name="Google Shape;298;gac501c9852_9_84:notes"/>
+          <p:cNvSpPr txBox="1"/>
+          <p:nvPr>
+            <p:ph idx="1" type="body"/>
+          </p:nvPr>
+        </p:nvSpPr>
+        <p:spPr>
+          <a:xfrm>
+            <a:off x="685800" y="4343400"/>
+            <a:ext cx="5486400" cy="4114800"/>
+          </a:xfrm>
+          <a:prstGeom prst="rect">
+            <a:avLst/>
+          </a:prstGeom>
+        </p:spPr>
+        <p:txBody>
+          <a:bodyPr anchorCtr="0" anchor="t" bIns="91425" lIns="91425" spcFirstLastPara="1" rIns="91425" wrap="square" tIns="91425">
+            <a:noAutofit/>
+          </a:bodyPr>
+          <a:lstStyle/>
+          <a:p>
+            <a:pPr indent="0" lvl="0" marL="0" rtl="0" algn="l">
+              <a:spcBef>
+                <a:spcPts val="0"/>
+              </a:spcBef>
+              <a:spcAft>
+                <a:spcPts val="0"/>
+              </a:spcAft>
+              <a:buNone/>
+            </a:pPr>
+            <a:r>
+              <a:t/>
+            </a:r>
+            <a:endParaRPr/>
+          </a:p>
+        </p:txBody>
+      </p:sp>
+    </p:spTree>
+  </p:cSld>
+  <p:clrMapOvr>
+    <a:masterClrMapping/>
+  </p:clrMapOvr>
+</p:notes>
+</file>
+
+<file path=ppt/notesSlides/notesSlide27.xml><?xml version="1.0" encoding="utf-8"?>
+<p:notes xmlns:a="http://schemas.openxmlformats.org/drawingml/2006/main" xmlns:r="http://schemas.openxmlformats.org/officeDocument/2006/relationships" xmlns:mc="http://schemas.openxmlformats.org/markup-compatibility/2006" xmlns:mv="urn:schemas-microsoft-com:mac:vml" xmlns:p="http://schemas.openxmlformats.org/presentationml/2006/main" xmlns:c="http://schemas.openxmlformats.org/drawingml/2006/chart" xmlns:dgm="http://schemas.openxmlformats.org/drawingml/2006/diagram" xmlns:o="urn:schemas-microsoft-com:office:office" xmlns:v="urn:schemas-microsoft-com:vml" xmlns:pvml="urn:schemas-microsoft-com:office:powerpoint" xmlns:com="http://schemas.openxmlformats.org/drawingml/2006/compatibility" xmlns:p14="http://schemas.microsoft.com/office/powerpoint/2010/main" xmlns:p15="http://schemas.microsoft.com/office/powerpoint/2012/main" xmlns:ahyp="http://schemas.microsoft.com/office/drawing/2018/hyperlinkcolor" showMasterPhAnim="0" showMasterSp="0">
+  <p:cSld>
+    <p:spTree>
+      <p:nvGrpSpPr>
+        <p:cNvPr id="302" name="Shape 302"/>
+        <p:cNvGrpSpPr/>
+        <p:nvPr/>
+      </p:nvGrpSpPr>
+      <p:grpSpPr>
+        <a:xfrm>
+          <a:off x="0" y="0"/>
+          <a:ext cx="0" cy="0"/>
+          <a:chOff x="0" y="0"/>
+          <a:chExt cx="0" cy="0"/>
+        </a:xfrm>
+      </p:grpSpPr>
+      <p:sp>
+        <p:nvSpPr>
+          <p:cNvPr id="303" name="Google Shape;303;gac501c9852_9_89:notes"/>
+          <p:cNvSpPr/>
+          <p:nvPr>
+            <p:ph idx="2" type="sldImg"/>
+          </p:nvPr>
+        </p:nvSpPr>
+        <p:spPr>
+          <a:xfrm>
+            <a:off x="381300" y="685800"/>
+            <a:ext cx="6096000" cy="3429000"/>
+          </a:xfrm>
+          <a:custGeom>
+            <a:rect b="b" l="l" r="r" t="t"/>
+            <a:pathLst>
+              <a:path extrusionOk="0" h="120000" w="120000">
+                <a:moveTo>
+                  <a:pt x="0" y="0"/>
+                </a:moveTo>
+                <a:lnTo>
+                  <a:pt x="120000" y="0"/>
+                </a:lnTo>
+                <a:lnTo>
+                  <a:pt x="120000" y="120000"/>
+                </a:lnTo>
+                <a:lnTo>
+                  <a:pt x="0" y="120000"/>
+                </a:lnTo>
+                <a:close/>
+              </a:path>
+            </a:pathLst>
+          </a:custGeom>
+        </p:spPr>
+      </p:sp>
+      <p:sp>
+        <p:nvSpPr>
+          <p:cNvPr id="304" name="Google Shape;304;gac501c9852_9_89:notes"/>
+          <p:cNvSpPr txBox="1"/>
+          <p:nvPr>
+            <p:ph idx="1" type="body"/>
+          </p:nvPr>
+        </p:nvSpPr>
+        <p:spPr>
+          <a:xfrm>
+            <a:off x="685800" y="4343400"/>
+            <a:ext cx="5486400" cy="4114800"/>
+          </a:xfrm>
+          <a:prstGeom prst="rect">
+            <a:avLst/>
+          </a:prstGeom>
+        </p:spPr>
+        <p:txBody>
+          <a:bodyPr anchorCtr="0" anchor="t" bIns="91425" lIns="91425" spcFirstLastPara="1" rIns="91425" wrap="square" tIns="91425">
+            <a:noAutofit/>
+          </a:bodyPr>
+          <a:lstStyle/>
+          <a:p>
+            <a:pPr indent="0" lvl="0" marL="0" rtl="0" algn="l">
+              <a:spcBef>
+                <a:spcPts val="0"/>
+              </a:spcBef>
+              <a:spcAft>
+                <a:spcPts val="0"/>
+              </a:spcAft>
+              <a:buNone/>
+            </a:pPr>
+            <a:r>
+              <a:t/>
+            </a:r>
+            <a:endParaRPr/>
+          </a:p>
+        </p:txBody>
+      </p:sp>
+    </p:spTree>
+  </p:cSld>
+  <p:clrMapOvr>
+    <a:masterClrMapping/>
+  </p:clrMapOvr>
+</p:notes>
+</file>
+
+<file path=ppt/notesSlides/notesSlide28.xml><?xml version="1.0" encoding="utf-8"?>
+<p:notes xmlns:a="http://schemas.openxmlformats.org/drawingml/2006/main" xmlns:r="http://schemas.openxmlformats.org/officeDocument/2006/relationships" xmlns:mc="http://schemas.openxmlformats.org/markup-compatibility/2006" xmlns:mv="urn:schemas-microsoft-com:mac:vml" xmlns:p="http://schemas.openxmlformats.org/presentationml/2006/main" xmlns:c="http://schemas.openxmlformats.org/drawingml/2006/chart" xmlns:dgm="http://schemas.openxmlformats.org/drawingml/2006/diagram" xmlns:o="urn:schemas-microsoft-com:office:office" xmlns:v="urn:schemas-microsoft-com:vml" xmlns:pvml="urn:schemas-microsoft-com:office:powerpoint" xmlns:com="http://schemas.openxmlformats.org/drawingml/2006/compatibility" xmlns:p14="http://schemas.microsoft.com/office/powerpoint/2010/main" xmlns:p15="http://schemas.microsoft.com/office/powerpoint/2012/main" xmlns:ahyp="http://schemas.microsoft.com/office/drawing/2018/hyperlinkcolor" showMasterPhAnim="0" showMasterSp="0">
+  <p:cSld>
+    <p:spTree>
+      <p:nvGrpSpPr>
+        <p:cNvPr id="309" name="Shape 309"/>
+        <p:cNvGrpSpPr/>
+        <p:nvPr/>
+      </p:nvGrpSpPr>
+      <p:grpSpPr>
+        <a:xfrm>
+          <a:off x="0" y="0"/>
+          <a:ext cx="0" cy="0"/>
+          <a:chOff x="0" y="0"/>
+          <a:chExt cx="0" cy="0"/>
+        </a:xfrm>
+      </p:grpSpPr>
+      <p:sp>
+        <p:nvSpPr>
+          <p:cNvPr id="310" name="Google Shape;310;gac501c9852_9_95:notes"/>
+          <p:cNvSpPr/>
+          <p:nvPr>
+            <p:ph idx="2" type="sldImg"/>
+          </p:nvPr>
+        </p:nvSpPr>
+        <p:spPr>
+          <a:xfrm>
+            <a:off x="381300" y="685800"/>
+            <a:ext cx="6096000" cy="3429000"/>
+          </a:xfrm>
+          <a:custGeom>
+            <a:rect b="b" l="l" r="r" t="t"/>
+            <a:pathLst>
+              <a:path extrusionOk="0" h="120000" w="120000">
+                <a:moveTo>
+                  <a:pt x="0" y="0"/>
+                </a:moveTo>
+                <a:lnTo>
+                  <a:pt x="120000" y="0"/>
+                </a:lnTo>
+                <a:lnTo>
+                  <a:pt x="120000" y="120000"/>
+                </a:lnTo>
+                <a:lnTo>
+                  <a:pt x="0" y="120000"/>
+                </a:lnTo>
+                <a:close/>
+              </a:path>
+            </a:pathLst>
+          </a:custGeom>
+        </p:spPr>
+      </p:sp>
+      <p:sp>
+        <p:nvSpPr>
+          <p:cNvPr id="311" name="Google Shape;311;gac501c9852_9_95:notes"/>
+          <p:cNvSpPr txBox="1"/>
+          <p:nvPr>
+            <p:ph idx="1" type="body"/>
+          </p:nvPr>
+        </p:nvSpPr>
+        <p:spPr>
+          <a:xfrm>
+            <a:off x="685800" y="4343400"/>
+            <a:ext cx="5486400" cy="4114800"/>
+          </a:xfrm>
+          <a:prstGeom prst="rect">
+            <a:avLst/>
+          </a:prstGeom>
+        </p:spPr>
+        <p:txBody>
+          <a:bodyPr anchorCtr="0" anchor="t" bIns="91425" lIns="91425" spcFirstLastPara="1" rIns="91425" wrap="square" tIns="91425">
+            <a:noAutofit/>
+          </a:bodyPr>
+          <a:lstStyle/>
+          <a:p>
+            <a:pPr indent="0" lvl="0" marL="0" rtl="0" algn="l">
+              <a:spcBef>
+                <a:spcPts val="0"/>
+              </a:spcBef>
+              <a:spcAft>
+                <a:spcPts val="0"/>
+              </a:spcAft>
+              <a:buNone/>
+            </a:pPr>
+            <a:r>
+              <a:t/>
+            </a:r>
+            <a:endParaRPr/>
+          </a:p>
+        </p:txBody>
+      </p:sp>
+    </p:spTree>
+  </p:cSld>
+  <p:clrMapOvr>
+    <a:masterClrMapping/>
+  </p:clrMapOvr>
+</p:notes>
+</file>
+
+<file path=ppt/notesSlides/notesSlide29.xml><?xml version="1.0" encoding="utf-8"?>
+<p:notes xmlns:a="http://schemas.openxmlformats.org/drawingml/2006/main" xmlns:r="http://schemas.openxmlformats.org/officeDocument/2006/relationships" xmlns:mc="http://schemas.openxmlformats.org/markup-compatibility/2006" xmlns:mv="urn:schemas-microsoft-com:mac:vml" xmlns:p="http://schemas.openxmlformats.org/presentationml/2006/main" xmlns:c="http://schemas.openxmlformats.org/drawingml/2006/chart" xmlns:dgm="http://schemas.openxmlformats.org/drawingml/2006/diagram" xmlns:o="urn:schemas-microsoft-com:office:office" xmlns:v="urn:schemas-microsoft-com:vml" xmlns:pvml="urn:schemas-microsoft-com:office:powerpoint" xmlns:com="http://schemas.openxmlformats.org/drawingml/2006/compatibility" xmlns:p14="http://schemas.microsoft.com/office/powerpoint/2010/main" xmlns:p15="http://schemas.microsoft.com/office/powerpoint/2012/main" xmlns:ahyp="http://schemas.microsoft.com/office/drawing/2018/hyperlinkcolor" showMasterPhAnim="0" showMasterSp="0">
+  <p:cSld>
+    <p:spTree>
+      <p:nvGrpSpPr>
+        <p:cNvPr id="316" name="Shape 316"/>
+        <p:cNvGrpSpPr/>
+        <p:nvPr/>
+      </p:nvGrpSpPr>
+      <p:grpSpPr>
+        <a:xfrm>
+          <a:off x="0" y="0"/>
+          <a:ext cx="0" cy="0"/>
+          <a:chOff x="0" y="0"/>
+          <a:chExt cx="0" cy="0"/>
+        </a:xfrm>
+      </p:grpSpPr>
+      <p:sp>
+        <p:nvSpPr>
+          <p:cNvPr id="317" name="Google Shape;317;gac501c9852_9_101:notes"/>
+          <p:cNvSpPr/>
+          <p:nvPr>
+            <p:ph idx="2" type="sldImg"/>
+          </p:nvPr>
+        </p:nvSpPr>
+        <p:spPr>
+          <a:xfrm>
+            <a:off x="381300" y="685800"/>
+            <a:ext cx="6096000" cy="3429000"/>
+          </a:xfrm>
+          <a:custGeom>
+            <a:rect b="b" l="l" r="r" t="t"/>
+            <a:pathLst>
+              <a:path extrusionOk="0" h="120000" w="120000">
+                <a:moveTo>
+                  <a:pt x="0" y="0"/>
+                </a:moveTo>
+                <a:lnTo>
+                  <a:pt x="120000" y="0"/>
+                </a:lnTo>
+                <a:lnTo>
+                  <a:pt x="120000" y="120000"/>
+                </a:lnTo>
+                <a:lnTo>
+                  <a:pt x="0" y="120000"/>
+                </a:lnTo>
+                <a:close/>
+              </a:path>
+            </a:pathLst>
+          </a:custGeom>
+        </p:spPr>
+      </p:sp>
+      <p:sp>
+        <p:nvSpPr>
+          <p:cNvPr id="318" name="Google Shape;318;gac501c9852_9_101:notes"/>
           <p:cNvSpPr txBox="1"/>
           <p:nvPr>
             <p:ph idx="1" type="body"/>
@@ -1527,7 +2929,7 @@
       </p:grpSpPr>
       <p:sp>
         <p:nvSpPr>
-          <p:cNvPr id="144" name="Google Shape;144;g9daecc240c_0_132:notes"/>
+          <p:cNvPr id="144" name="Google Shape;144;g9daecc240c_1_1:notes"/>
           <p:cNvSpPr/>
           <p:nvPr>
             <p:ph idx="2" type="sldImg"/>
@@ -1562,7 +2964,7 @@
       </p:sp>
       <p:sp>
         <p:nvSpPr>
-          <p:cNvPr id="145" name="Google Shape;145;g9daecc240c_0_132:notes"/>
+          <p:cNvPr id="145" name="Google Shape;145;g9daecc240c_1_1:notes"/>
           <p:cNvSpPr txBox="1"/>
           <p:nvPr>
             <p:ph idx="1" type="body"/>
@@ -1607,12 +3009,12 @@
 </p:notes>
 </file>
 
-<file path=ppt/notesSlides/notesSlide4.xml><?xml version="1.0" encoding="utf-8"?>
+<file path=ppt/notesSlides/notesSlide30.xml><?xml version="1.0" encoding="utf-8"?>
 <p:notes xmlns:a="http://schemas.openxmlformats.org/drawingml/2006/main" xmlns:r="http://schemas.openxmlformats.org/officeDocument/2006/relationships" xmlns:mc="http://schemas.openxmlformats.org/markup-compatibility/2006" xmlns:mv="urn:schemas-microsoft-com:mac:vml" xmlns:p="http://schemas.openxmlformats.org/presentationml/2006/main" xmlns:c="http://schemas.openxmlformats.org/drawingml/2006/chart" xmlns:dgm="http://schemas.openxmlformats.org/drawingml/2006/diagram" xmlns:o="urn:schemas-microsoft-com:office:office" xmlns:v="urn:schemas-microsoft-com:vml" xmlns:pvml="urn:schemas-microsoft-com:office:powerpoint" xmlns:com="http://schemas.openxmlformats.org/drawingml/2006/compatibility" xmlns:p14="http://schemas.microsoft.com/office/powerpoint/2010/main" xmlns:p15="http://schemas.microsoft.com/office/powerpoint/2012/main" xmlns:ahyp="http://schemas.microsoft.com/office/drawing/2018/hyperlinkcolor" showMasterPhAnim="0" showMasterSp="0">
   <p:cSld>
     <p:spTree>
       <p:nvGrpSpPr>
-        <p:cNvPr id="149" name="Shape 149"/>
+        <p:cNvPr id="323" name="Shape 323"/>
         <p:cNvGrpSpPr/>
         <p:nvPr/>
       </p:nvGrpSpPr>
@@ -1626,7 +3028,7 @@
       </p:grpSpPr>
       <p:sp>
         <p:nvSpPr>
-          <p:cNvPr id="150" name="Google Shape;150;g9daecc240c_1_1:notes"/>
+          <p:cNvPr id="324" name="Google Shape;324;ga45002a6e4_0_42:notes"/>
           <p:cNvSpPr/>
           <p:nvPr>
             <p:ph idx="2" type="sldImg"/>
@@ -1661,7 +3063,7 @@
       </p:sp>
       <p:sp>
         <p:nvSpPr>
-          <p:cNvPr id="151" name="Google Shape;151;g9daecc240c_1_1:notes"/>
+          <p:cNvPr id="325" name="Google Shape;325;ga45002a6e4_0_42:notes"/>
           <p:cNvSpPr txBox="1"/>
           <p:nvPr>
             <p:ph idx="1" type="body"/>
@@ -1706,12 +3108,12 @@
 </p:notes>
 </file>
 
-<file path=ppt/notesSlides/notesSlide5.xml><?xml version="1.0" encoding="utf-8"?>
+<file path=ppt/notesSlides/notesSlide31.xml><?xml version="1.0" encoding="utf-8"?>
 <p:notes xmlns:a="http://schemas.openxmlformats.org/drawingml/2006/main" xmlns:r="http://schemas.openxmlformats.org/officeDocument/2006/relationships" xmlns:mc="http://schemas.openxmlformats.org/markup-compatibility/2006" xmlns:mv="urn:schemas-microsoft-com:mac:vml" xmlns:p="http://schemas.openxmlformats.org/presentationml/2006/main" xmlns:c="http://schemas.openxmlformats.org/drawingml/2006/chart" xmlns:dgm="http://schemas.openxmlformats.org/drawingml/2006/diagram" xmlns:o="urn:schemas-microsoft-com:office:office" xmlns:v="urn:schemas-microsoft-com:vml" xmlns:pvml="urn:schemas-microsoft-com:office:powerpoint" xmlns:com="http://schemas.openxmlformats.org/drawingml/2006/compatibility" xmlns:p14="http://schemas.microsoft.com/office/powerpoint/2010/main" xmlns:p15="http://schemas.microsoft.com/office/powerpoint/2012/main" xmlns:ahyp="http://schemas.microsoft.com/office/drawing/2018/hyperlinkcolor" showMasterPhAnim="0" showMasterSp="0">
   <p:cSld>
     <p:spTree>
       <p:nvGrpSpPr>
-        <p:cNvPr id="156" name="Shape 156"/>
+        <p:cNvPr id="329" name="Shape 329"/>
         <p:cNvGrpSpPr/>
         <p:nvPr/>
       </p:nvGrpSpPr>
@@ -1725,7 +3127,7 @@
       </p:grpSpPr>
       <p:sp>
         <p:nvSpPr>
-          <p:cNvPr id="157" name="Google Shape;157;g9dc1ef9b74_0_4:notes"/>
+          <p:cNvPr id="330" name="Google Shape;330;g9f7f68fa3c_0_0:notes"/>
           <p:cNvSpPr/>
           <p:nvPr>
             <p:ph idx="2" type="sldImg"/>
@@ -1760,7 +3162,7 @@
       </p:sp>
       <p:sp>
         <p:nvSpPr>
-          <p:cNvPr id="158" name="Google Shape;158;g9dc1ef9b74_0_4:notes"/>
+          <p:cNvPr id="331" name="Google Shape;331;g9f7f68fa3c_0_0:notes"/>
           <p:cNvSpPr txBox="1"/>
           <p:nvPr>
             <p:ph idx="1" type="body"/>
@@ -1805,12 +3207,12 @@
 </p:notes>
 </file>
 
-<file path=ppt/notesSlides/notesSlide6.xml><?xml version="1.0" encoding="utf-8"?>
+<file path=ppt/notesSlides/notesSlide4.xml><?xml version="1.0" encoding="utf-8"?>
 <p:notes xmlns:a="http://schemas.openxmlformats.org/drawingml/2006/main" xmlns:r="http://schemas.openxmlformats.org/officeDocument/2006/relationships" xmlns:mc="http://schemas.openxmlformats.org/markup-compatibility/2006" xmlns:mv="urn:schemas-microsoft-com:mac:vml" xmlns:p="http://schemas.openxmlformats.org/presentationml/2006/main" xmlns:c="http://schemas.openxmlformats.org/drawingml/2006/chart" xmlns:dgm="http://schemas.openxmlformats.org/drawingml/2006/diagram" xmlns:o="urn:schemas-microsoft-com:office:office" xmlns:v="urn:schemas-microsoft-com:vml" xmlns:pvml="urn:schemas-microsoft-com:office:powerpoint" xmlns:com="http://schemas.openxmlformats.org/drawingml/2006/compatibility" xmlns:p14="http://schemas.microsoft.com/office/powerpoint/2010/main" xmlns:p15="http://schemas.microsoft.com/office/powerpoint/2012/main" xmlns:ahyp="http://schemas.microsoft.com/office/drawing/2018/hyperlinkcolor" showMasterPhAnim="0" showMasterSp="0">
   <p:cSld>
     <p:spTree>
       <p:nvGrpSpPr>
-        <p:cNvPr id="163" name="Shape 163"/>
+        <p:cNvPr id="150" name="Shape 150"/>
         <p:cNvGrpSpPr/>
         <p:nvPr/>
       </p:nvGrpSpPr>
@@ -1824,7 +3226,7 @@
       </p:grpSpPr>
       <p:sp>
         <p:nvSpPr>
-          <p:cNvPr id="164" name="Google Shape;164;g9daecc240c_1_7:notes"/>
+          <p:cNvPr id="151" name="Google Shape;151;g9dc1ef9b74_0_4:notes"/>
           <p:cNvSpPr/>
           <p:nvPr>
             <p:ph idx="2" type="sldImg"/>
@@ -1859,7 +3261,7 @@
       </p:sp>
       <p:sp>
         <p:nvSpPr>
-          <p:cNvPr id="165" name="Google Shape;165;g9daecc240c_1_7:notes"/>
+          <p:cNvPr id="152" name="Google Shape;152;g9dc1ef9b74_0_4:notes"/>
           <p:cNvSpPr txBox="1"/>
           <p:nvPr>
             <p:ph idx="1" type="body"/>
@@ -1904,12 +3306,12 @@
 </p:notes>
 </file>
 
-<file path=ppt/notesSlides/notesSlide7.xml><?xml version="1.0" encoding="utf-8"?>
+<file path=ppt/notesSlides/notesSlide5.xml><?xml version="1.0" encoding="utf-8"?>
 <p:notes xmlns:a="http://schemas.openxmlformats.org/drawingml/2006/main" xmlns:r="http://schemas.openxmlformats.org/officeDocument/2006/relationships" xmlns:mc="http://schemas.openxmlformats.org/markup-compatibility/2006" xmlns:mv="urn:schemas-microsoft-com:mac:vml" xmlns:p="http://schemas.openxmlformats.org/presentationml/2006/main" xmlns:c="http://schemas.openxmlformats.org/drawingml/2006/chart" xmlns:dgm="http://schemas.openxmlformats.org/drawingml/2006/diagram" xmlns:o="urn:schemas-microsoft-com:office:office" xmlns:v="urn:schemas-microsoft-com:vml" xmlns:pvml="urn:schemas-microsoft-com:office:powerpoint" xmlns:com="http://schemas.openxmlformats.org/drawingml/2006/compatibility" xmlns:p14="http://schemas.microsoft.com/office/powerpoint/2010/main" xmlns:p15="http://schemas.microsoft.com/office/powerpoint/2012/main" xmlns:ahyp="http://schemas.microsoft.com/office/drawing/2018/hyperlinkcolor" showMasterPhAnim="0" showMasterSp="0">
   <p:cSld>
     <p:spTree>
       <p:nvGrpSpPr>
-        <p:cNvPr id="170" name="Shape 170"/>
+        <p:cNvPr id="157" name="Shape 157"/>
         <p:cNvGrpSpPr/>
         <p:nvPr/>
       </p:nvGrpSpPr>
@@ -1923,7 +3325,7 @@
       </p:grpSpPr>
       <p:sp>
         <p:nvSpPr>
-          <p:cNvPr id="171" name="Google Shape;171;ga45002a6e4_0_0:notes"/>
+          <p:cNvPr id="158" name="Google Shape;158;gac501c9852_9_51:notes"/>
           <p:cNvSpPr/>
           <p:nvPr>
             <p:ph idx="2" type="sldImg"/>
@@ -1958,7 +3360,7 @@
       </p:sp>
       <p:sp>
         <p:nvSpPr>
-          <p:cNvPr id="172" name="Google Shape;172;ga45002a6e4_0_0:notes"/>
+          <p:cNvPr id="159" name="Google Shape;159;gac501c9852_9_51:notes"/>
           <p:cNvSpPr txBox="1"/>
           <p:nvPr>
             <p:ph idx="1" type="body"/>
@@ -2003,12 +3405,12 @@
 </p:notes>
 </file>
 
-<file path=ppt/notesSlides/notesSlide8.xml><?xml version="1.0" encoding="utf-8"?>
+<file path=ppt/notesSlides/notesSlide6.xml><?xml version="1.0" encoding="utf-8"?>
 <p:notes xmlns:a="http://schemas.openxmlformats.org/drawingml/2006/main" xmlns:r="http://schemas.openxmlformats.org/officeDocument/2006/relationships" xmlns:mc="http://schemas.openxmlformats.org/markup-compatibility/2006" xmlns:mv="urn:schemas-microsoft-com:mac:vml" xmlns:p="http://schemas.openxmlformats.org/presentationml/2006/main" xmlns:c="http://schemas.openxmlformats.org/drawingml/2006/chart" xmlns:dgm="http://schemas.openxmlformats.org/drawingml/2006/diagram" xmlns:o="urn:schemas-microsoft-com:office:office" xmlns:v="urn:schemas-microsoft-com:vml" xmlns:pvml="urn:schemas-microsoft-com:office:powerpoint" xmlns:com="http://schemas.openxmlformats.org/drawingml/2006/compatibility" xmlns:p14="http://schemas.microsoft.com/office/powerpoint/2010/main" xmlns:p15="http://schemas.microsoft.com/office/powerpoint/2012/main" xmlns:ahyp="http://schemas.microsoft.com/office/drawing/2018/hyperlinkcolor" showMasterPhAnim="0" showMasterSp="0">
   <p:cSld>
     <p:spTree>
       <p:nvGrpSpPr>
-        <p:cNvPr id="176" name="Shape 176"/>
+        <p:cNvPr id="162" name="Shape 162"/>
         <p:cNvGrpSpPr/>
         <p:nvPr/>
       </p:nvGrpSpPr>
@@ -2022,7 +3424,7 @@
       </p:grpSpPr>
       <p:sp>
         <p:nvSpPr>
-          <p:cNvPr id="177" name="Google Shape;177;ga45002a6e4_0_10:notes"/>
+          <p:cNvPr id="163" name="Google Shape;163;g9daecc240c_1_7:notes"/>
           <p:cNvSpPr/>
           <p:nvPr>
             <p:ph idx="2" type="sldImg"/>
@@ -2057,7 +3459,7 @@
       </p:sp>
       <p:sp>
         <p:nvSpPr>
-          <p:cNvPr id="178" name="Google Shape;178;ga45002a6e4_0_10:notes"/>
+          <p:cNvPr id="164" name="Google Shape;164;g9daecc240c_1_7:notes"/>
           <p:cNvSpPr txBox="1"/>
           <p:nvPr>
             <p:ph idx="1" type="body"/>
@@ -2102,12 +3504,12 @@
 </p:notes>
 </file>
 
-<file path=ppt/notesSlides/notesSlide9.xml><?xml version="1.0" encoding="utf-8"?>
+<file path=ppt/notesSlides/notesSlide7.xml><?xml version="1.0" encoding="utf-8"?>
 <p:notes xmlns:a="http://schemas.openxmlformats.org/drawingml/2006/main" xmlns:r="http://schemas.openxmlformats.org/officeDocument/2006/relationships" xmlns:mc="http://schemas.openxmlformats.org/markup-compatibility/2006" xmlns:mv="urn:schemas-microsoft-com:mac:vml" xmlns:p="http://schemas.openxmlformats.org/presentationml/2006/main" xmlns:c="http://schemas.openxmlformats.org/drawingml/2006/chart" xmlns:dgm="http://schemas.openxmlformats.org/drawingml/2006/diagram" xmlns:o="urn:schemas-microsoft-com:office:office" xmlns:v="urn:schemas-microsoft-com:vml" xmlns:pvml="urn:schemas-microsoft-com:office:powerpoint" xmlns:com="http://schemas.openxmlformats.org/drawingml/2006/compatibility" xmlns:p14="http://schemas.microsoft.com/office/powerpoint/2010/main" xmlns:p15="http://schemas.microsoft.com/office/powerpoint/2012/main" xmlns:ahyp="http://schemas.microsoft.com/office/drawing/2018/hyperlinkcolor" showMasterPhAnim="0" showMasterSp="0">
   <p:cSld>
     <p:spTree>
       <p:nvGrpSpPr>
-        <p:cNvPr id="183" name="Shape 183"/>
+        <p:cNvPr id="169" name="Shape 169"/>
         <p:cNvGrpSpPr/>
         <p:nvPr/>
       </p:nvGrpSpPr>
@@ -2121,7 +3523,7 @@
       </p:grpSpPr>
       <p:sp>
         <p:nvSpPr>
-          <p:cNvPr id="184" name="Google Shape;184;ga45002a6e4_0_24:notes"/>
+          <p:cNvPr id="170" name="Google Shape;170;ga45002a6e4_0_0:notes"/>
           <p:cNvSpPr/>
           <p:nvPr>
             <p:ph idx="2" type="sldImg"/>
@@ -2156,7 +3558,205 @@
       </p:sp>
       <p:sp>
         <p:nvSpPr>
-          <p:cNvPr id="185" name="Google Shape;185;ga45002a6e4_0_24:notes"/>
+          <p:cNvPr id="171" name="Google Shape;171;ga45002a6e4_0_0:notes"/>
+          <p:cNvSpPr txBox="1"/>
+          <p:nvPr>
+            <p:ph idx="1" type="body"/>
+          </p:nvPr>
+        </p:nvSpPr>
+        <p:spPr>
+          <a:xfrm>
+            <a:off x="685800" y="4343400"/>
+            <a:ext cx="5486400" cy="4114800"/>
+          </a:xfrm>
+          <a:prstGeom prst="rect">
+            <a:avLst/>
+          </a:prstGeom>
+        </p:spPr>
+        <p:txBody>
+          <a:bodyPr anchorCtr="0" anchor="t" bIns="91425" lIns="91425" spcFirstLastPara="1" rIns="91425" wrap="square" tIns="91425">
+            <a:noAutofit/>
+          </a:bodyPr>
+          <a:lstStyle/>
+          <a:p>
+            <a:pPr indent="0" lvl="0" marL="0" rtl="0" algn="l">
+              <a:spcBef>
+                <a:spcPts val="0"/>
+              </a:spcBef>
+              <a:spcAft>
+                <a:spcPts val="0"/>
+              </a:spcAft>
+              <a:buNone/>
+            </a:pPr>
+            <a:r>
+              <a:t/>
+            </a:r>
+            <a:endParaRPr/>
+          </a:p>
+        </p:txBody>
+      </p:sp>
+    </p:spTree>
+  </p:cSld>
+  <p:clrMapOvr>
+    <a:masterClrMapping/>
+  </p:clrMapOvr>
+</p:notes>
+</file>
+
+<file path=ppt/notesSlides/notesSlide8.xml><?xml version="1.0" encoding="utf-8"?>
+<p:notes xmlns:a="http://schemas.openxmlformats.org/drawingml/2006/main" xmlns:r="http://schemas.openxmlformats.org/officeDocument/2006/relationships" xmlns:mc="http://schemas.openxmlformats.org/markup-compatibility/2006" xmlns:mv="urn:schemas-microsoft-com:mac:vml" xmlns:p="http://schemas.openxmlformats.org/presentationml/2006/main" xmlns:c="http://schemas.openxmlformats.org/drawingml/2006/chart" xmlns:dgm="http://schemas.openxmlformats.org/drawingml/2006/diagram" xmlns:o="urn:schemas-microsoft-com:office:office" xmlns:v="urn:schemas-microsoft-com:vml" xmlns:pvml="urn:schemas-microsoft-com:office:powerpoint" xmlns:com="http://schemas.openxmlformats.org/drawingml/2006/compatibility" xmlns:p14="http://schemas.microsoft.com/office/powerpoint/2010/main" xmlns:p15="http://schemas.microsoft.com/office/powerpoint/2012/main" xmlns:ahyp="http://schemas.microsoft.com/office/drawing/2018/hyperlinkcolor" showMasterPhAnim="0" showMasterSp="0">
+  <p:cSld>
+    <p:spTree>
+      <p:nvGrpSpPr>
+        <p:cNvPr id="175" name="Shape 175"/>
+        <p:cNvGrpSpPr/>
+        <p:nvPr/>
+      </p:nvGrpSpPr>
+      <p:grpSpPr>
+        <a:xfrm>
+          <a:off x="0" y="0"/>
+          <a:ext cx="0" cy="0"/>
+          <a:chOff x="0" y="0"/>
+          <a:chExt cx="0" cy="0"/>
+        </a:xfrm>
+      </p:grpSpPr>
+      <p:sp>
+        <p:nvSpPr>
+          <p:cNvPr id="176" name="Google Shape;176;ga45002a6e4_0_10:notes"/>
+          <p:cNvSpPr/>
+          <p:nvPr>
+            <p:ph idx="2" type="sldImg"/>
+          </p:nvPr>
+        </p:nvSpPr>
+        <p:spPr>
+          <a:xfrm>
+            <a:off x="381300" y="685800"/>
+            <a:ext cx="6096000" cy="3429000"/>
+          </a:xfrm>
+          <a:custGeom>
+            <a:rect b="b" l="l" r="r" t="t"/>
+            <a:pathLst>
+              <a:path extrusionOk="0" h="120000" w="120000">
+                <a:moveTo>
+                  <a:pt x="0" y="0"/>
+                </a:moveTo>
+                <a:lnTo>
+                  <a:pt x="120000" y="0"/>
+                </a:lnTo>
+                <a:lnTo>
+                  <a:pt x="120000" y="120000"/>
+                </a:lnTo>
+                <a:lnTo>
+                  <a:pt x="0" y="120000"/>
+                </a:lnTo>
+                <a:close/>
+              </a:path>
+            </a:pathLst>
+          </a:custGeom>
+        </p:spPr>
+      </p:sp>
+      <p:sp>
+        <p:nvSpPr>
+          <p:cNvPr id="177" name="Google Shape;177;ga45002a6e4_0_10:notes"/>
+          <p:cNvSpPr txBox="1"/>
+          <p:nvPr>
+            <p:ph idx="1" type="body"/>
+          </p:nvPr>
+        </p:nvSpPr>
+        <p:spPr>
+          <a:xfrm>
+            <a:off x="685800" y="4343400"/>
+            <a:ext cx="5486400" cy="4114800"/>
+          </a:xfrm>
+          <a:prstGeom prst="rect">
+            <a:avLst/>
+          </a:prstGeom>
+        </p:spPr>
+        <p:txBody>
+          <a:bodyPr anchorCtr="0" anchor="t" bIns="91425" lIns="91425" spcFirstLastPara="1" rIns="91425" wrap="square" tIns="91425">
+            <a:noAutofit/>
+          </a:bodyPr>
+          <a:lstStyle/>
+          <a:p>
+            <a:pPr indent="0" lvl="0" marL="0" rtl="0" algn="l">
+              <a:spcBef>
+                <a:spcPts val="0"/>
+              </a:spcBef>
+              <a:spcAft>
+                <a:spcPts val="0"/>
+              </a:spcAft>
+              <a:buNone/>
+            </a:pPr>
+            <a:r>
+              <a:t/>
+            </a:r>
+            <a:endParaRPr/>
+          </a:p>
+        </p:txBody>
+      </p:sp>
+    </p:spTree>
+  </p:cSld>
+  <p:clrMapOvr>
+    <a:masterClrMapping/>
+  </p:clrMapOvr>
+</p:notes>
+</file>
+
+<file path=ppt/notesSlides/notesSlide9.xml><?xml version="1.0" encoding="utf-8"?>
+<p:notes xmlns:a="http://schemas.openxmlformats.org/drawingml/2006/main" xmlns:r="http://schemas.openxmlformats.org/officeDocument/2006/relationships" xmlns:mc="http://schemas.openxmlformats.org/markup-compatibility/2006" xmlns:mv="urn:schemas-microsoft-com:mac:vml" xmlns:p="http://schemas.openxmlformats.org/presentationml/2006/main" xmlns:c="http://schemas.openxmlformats.org/drawingml/2006/chart" xmlns:dgm="http://schemas.openxmlformats.org/drawingml/2006/diagram" xmlns:o="urn:schemas-microsoft-com:office:office" xmlns:v="urn:schemas-microsoft-com:vml" xmlns:pvml="urn:schemas-microsoft-com:office:powerpoint" xmlns:com="http://schemas.openxmlformats.org/drawingml/2006/compatibility" xmlns:p14="http://schemas.microsoft.com/office/powerpoint/2010/main" xmlns:p15="http://schemas.microsoft.com/office/powerpoint/2012/main" xmlns:ahyp="http://schemas.microsoft.com/office/drawing/2018/hyperlinkcolor" showMasterPhAnim="0" showMasterSp="0">
+  <p:cSld>
+    <p:spTree>
+      <p:nvGrpSpPr>
+        <p:cNvPr id="182" name="Shape 182"/>
+        <p:cNvGrpSpPr/>
+        <p:nvPr/>
+      </p:nvGrpSpPr>
+      <p:grpSpPr>
+        <a:xfrm>
+          <a:off x="0" y="0"/>
+          <a:ext cx="0" cy="0"/>
+          <a:chOff x="0" y="0"/>
+          <a:chExt cx="0" cy="0"/>
+        </a:xfrm>
+      </p:grpSpPr>
+      <p:sp>
+        <p:nvSpPr>
+          <p:cNvPr id="183" name="Google Shape;183;gac501c9852_3_0:notes"/>
+          <p:cNvSpPr/>
+          <p:nvPr>
+            <p:ph idx="2" type="sldImg"/>
+          </p:nvPr>
+        </p:nvSpPr>
+        <p:spPr>
+          <a:xfrm>
+            <a:off x="381300" y="685800"/>
+            <a:ext cx="6096000" cy="3429000"/>
+          </a:xfrm>
+          <a:custGeom>
+            <a:rect b="b" l="l" r="r" t="t"/>
+            <a:pathLst>
+              <a:path extrusionOk="0" h="120000" w="120000">
+                <a:moveTo>
+                  <a:pt x="0" y="0"/>
+                </a:moveTo>
+                <a:lnTo>
+                  <a:pt x="120000" y="0"/>
+                </a:lnTo>
+                <a:lnTo>
+                  <a:pt x="120000" y="120000"/>
+                </a:lnTo>
+                <a:lnTo>
+                  <a:pt x="0" y="120000"/>
+                </a:lnTo>
+                <a:close/>
+              </a:path>
+            </a:pathLst>
+          </a:custGeom>
+        </p:spPr>
+      </p:sp>
+      <p:sp>
+        <p:nvSpPr>
+          <p:cNvPr id="184" name="Google Shape;184;gac501c9852_3_0:notes"/>
           <p:cNvSpPr txBox="1"/>
           <p:nvPr>
             <p:ph idx="1" type="body"/>
@@ -10538,7 +12138,7 @@
   <p:cSld>
     <p:spTree>
       <p:nvGrpSpPr>
-        <p:cNvPr id="193" name="Shape 193"/>
+        <p:cNvPr id="191" name="Shape 191"/>
         <p:cNvGrpSpPr/>
         <p:nvPr/>
       </p:nvGrpSpPr>
@@ -10552,7 +12152,7 @@
       </p:grpSpPr>
       <p:sp>
         <p:nvSpPr>
-          <p:cNvPr id="194" name="Google Shape;194;p22"/>
+          <p:cNvPr id="192" name="Google Shape;192;p22"/>
           <p:cNvSpPr txBox="1"/>
           <p:nvPr>
             <p:ph type="title"/>
@@ -10584,6 +12184,311 @@
             </a:pPr>
             <a:r>
               <a:rPr lang="en-GB"/>
+              <a:t>Warnsdorff's</a:t>
+            </a:r>
+            <a:r>
+              <a:rPr lang="en-GB"/>
+              <a:t> Algorithm</a:t>
+            </a:r>
+            <a:endParaRPr/>
+          </a:p>
+        </p:txBody>
+      </p:sp>
+      <p:sp>
+        <p:nvSpPr>
+          <p:cNvPr id="193" name="Google Shape;193;p22"/>
+          <p:cNvSpPr txBox="1"/>
+          <p:nvPr>
+            <p:ph idx="1" type="body"/>
+          </p:nvPr>
+        </p:nvSpPr>
+        <p:spPr>
+          <a:xfrm>
+            <a:off x="1297500" y="1567550"/>
+            <a:ext cx="7038900" cy="2911200"/>
+          </a:xfrm>
+          <a:prstGeom prst="rect">
+            <a:avLst/>
+          </a:prstGeom>
+        </p:spPr>
+        <p:txBody>
+          <a:bodyPr anchorCtr="0" anchor="t" bIns="91425" lIns="91425" spcFirstLastPara="1" rIns="91425" wrap="square" tIns="91425">
+            <a:noAutofit/>
+          </a:bodyPr>
+          <a:lstStyle/>
+          <a:p>
+            <a:pPr indent="-311150" lvl="0" marL="457200" rtl="0" algn="l">
+              <a:lnSpc>
+                <a:spcPct val="150000"/>
+              </a:lnSpc>
+              <a:spcBef>
+                <a:spcPts val="0"/>
+              </a:spcBef>
+              <a:spcAft>
+                <a:spcPts val="0"/>
+              </a:spcAft>
+              <a:buSzPts val="1300"/>
+              <a:buChar char="●"/>
+            </a:pPr>
+            <a:r>
+              <a:rPr lang="en-GB"/>
+              <a:t>Always visiting the Square </a:t>
+            </a:r>
+            <a:r>
+              <a:rPr lang="en-GB"/>
+              <a:t>which has least Accessibility.</a:t>
+            </a:r>
+            <a:endParaRPr/>
+          </a:p>
+          <a:p>
+            <a:pPr indent="-311150" lvl="0" marL="457200" rtl="0" algn="l">
+              <a:lnSpc>
+                <a:spcPct val="150000"/>
+              </a:lnSpc>
+              <a:spcBef>
+                <a:spcPts val="0"/>
+              </a:spcBef>
+              <a:spcAft>
+                <a:spcPts val="0"/>
+              </a:spcAft>
+              <a:buSzPts val="1300"/>
+              <a:buChar char="●"/>
+            </a:pPr>
+            <a:r>
+              <a:rPr lang="en-GB"/>
+              <a:t>Algorithm</a:t>
+            </a:r>
+            <a:endParaRPr/>
+          </a:p>
+          <a:p>
+            <a:pPr indent="-298450" lvl="1" marL="914400" rtl="0" algn="l">
+              <a:lnSpc>
+                <a:spcPct val="150000"/>
+              </a:lnSpc>
+              <a:spcBef>
+                <a:spcPts val="0"/>
+              </a:spcBef>
+              <a:spcAft>
+                <a:spcPts val="0"/>
+              </a:spcAft>
+              <a:buSzPts val="1100"/>
+              <a:buChar char="○"/>
+            </a:pPr>
+            <a:r>
+              <a:rPr lang="en-GB"/>
+              <a:t>set P as any random start Square.</a:t>
+            </a:r>
+            <a:endParaRPr/>
+          </a:p>
+          <a:p>
+            <a:pPr indent="-298450" lvl="1" marL="914400" rtl="0" algn="l">
+              <a:lnSpc>
+                <a:spcPct val="150000"/>
+              </a:lnSpc>
+              <a:spcBef>
+                <a:spcPts val="0"/>
+              </a:spcBef>
+              <a:spcAft>
+                <a:spcPts val="0"/>
+              </a:spcAft>
+              <a:buSzPts val="1100"/>
+              <a:buChar char="○"/>
+            </a:pPr>
+            <a:r>
+              <a:rPr lang="en-GB"/>
+              <a:t>mark P with number '1'</a:t>
+            </a:r>
+            <a:endParaRPr/>
+          </a:p>
+          <a:p>
+            <a:pPr indent="-298450" lvl="1" marL="914400" rtl="0" algn="l">
+              <a:lnSpc>
+                <a:spcPct val="150000"/>
+              </a:lnSpc>
+              <a:spcBef>
+                <a:spcPts val="0"/>
+              </a:spcBef>
+              <a:spcAft>
+                <a:spcPts val="0"/>
+              </a:spcAft>
+              <a:buSzPts val="1100"/>
+              <a:buChar char="○"/>
+            </a:pPr>
+            <a:r>
+              <a:rPr lang="en-GB"/>
+              <a:t>for each move number 2 to (n*m):</a:t>
+            </a:r>
+            <a:endParaRPr/>
+          </a:p>
+          <a:p>
+            <a:pPr indent="-298450" lvl="2" marL="1371600" rtl="0" algn="l">
+              <a:lnSpc>
+                <a:spcPct val="150000"/>
+              </a:lnSpc>
+              <a:spcBef>
+                <a:spcPts val="0"/>
+              </a:spcBef>
+              <a:spcAft>
+                <a:spcPts val="0"/>
+              </a:spcAft>
+              <a:buSzPts val="1100"/>
+              <a:buChar char="■"/>
+            </a:pPr>
+            <a:r>
+              <a:rPr lang="en-GB"/>
+              <a:t>Let S be set of points accessible from P.</a:t>
+            </a:r>
+            <a:endParaRPr/>
+          </a:p>
+          <a:p>
+            <a:pPr indent="-298450" lvl="2" marL="1371600" rtl="0" algn="l">
+              <a:lnSpc>
+                <a:spcPct val="150000"/>
+              </a:lnSpc>
+              <a:spcBef>
+                <a:spcPts val="0"/>
+              </a:spcBef>
+              <a:spcAft>
+                <a:spcPts val="0"/>
+              </a:spcAft>
+              <a:buSzPts val="1100"/>
+              <a:buChar char="■"/>
+            </a:pPr>
+            <a:r>
+              <a:rPr lang="en-GB"/>
+              <a:t>set P with point of least accessibility.</a:t>
+            </a:r>
+            <a:endParaRPr/>
+          </a:p>
+          <a:p>
+            <a:pPr indent="-298450" lvl="2" marL="1371600" rtl="0" algn="l">
+              <a:lnSpc>
+                <a:spcPct val="150000"/>
+              </a:lnSpc>
+              <a:spcBef>
+                <a:spcPts val="0"/>
+              </a:spcBef>
+              <a:spcAft>
+                <a:spcPts val="0"/>
+              </a:spcAft>
+              <a:buSzPts val="1100"/>
+              <a:buChar char="■"/>
+            </a:pPr>
+            <a:r>
+              <a:rPr lang="en-GB"/>
+              <a:t>mark P with current move number.</a:t>
+            </a:r>
+            <a:endParaRPr/>
+          </a:p>
+          <a:p>
+            <a:pPr indent="-311150" lvl="0" marL="457200" rtl="0" algn="l">
+              <a:lnSpc>
+                <a:spcPct val="150000"/>
+              </a:lnSpc>
+              <a:spcBef>
+                <a:spcPts val="0"/>
+              </a:spcBef>
+              <a:spcAft>
+                <a:spcPts val="0"/>
+              </a:spcAft>
+              <a:buSzPts val="1300"/>
+              <a:buChar char="●"/>
+            </a:pPr>
+            <a:r>
+              <a:rPr lang="en-GB"/>
+              <a:t>The marking will return us the order of knights move.</a:t>
+            </a:r>
+            <a:endParaRPr/>
+          </a:p>
+        </p:txBody>
+      </p:sp>
+      <p:pic>
+        <p:nvPicPr>
+          <p:cNvPr id="194" name="Google Shape;194;p22"/>
+          <p:cNvPicPr preferRelativeResize="0"/>
+          <p:nvPr/>
+        </p:nvPicPr>
+        <p:blipFill>
+          <a:blip r:embed="rId3">
+            <a:alphaModFix/>
+          </a:blip>
+          <a:stretch>
+            <a:fillRect/>
+          </a:stretch>
+        </p:blipFill>
+        <p:spPr>
+          <a:xfrm>
+            <a:off x="6661423" y="1726750"/>
+            <a:ext cx="2063550" cy="2048750"/>
+          </a:xfrm>
+          <a:prstGeom prst="rect">
+            <a:avLst/>
+          </a:prstGeom>
+          <a:noFill/>
+          <a:ln>
+            <a:noFill/>
+          </a:ln>
+        </p:spPr>
+      </p:pic>
+    </p:spTree>
+  </p:cSld>
+  <p:clrMapOvr>
+    <a:masterClrMapping/>
+  </p:clrMapOvr>
+</p:sld>
+</file>
+
+<file path=ppt/slides/slide11.xml><?xml version="1.0" encoding="utf-8"?>
+<p:sld xmlns:a="http://schemas.openxmlformats.org/drawingml/2006/main" xmlns:r="http://schemas.openxmlformats.org/officeDocument/2006/relationships" xmlns:mc="http://schemas.openxmlformats.org/markup-compatibility/2006" xmlns:mv="urn:schemas-microsoft-com:mac:vml" xmlns:p="http://schemas.openxmlformats.org/presentationml/2006/main" xmlns:c="http://schemas.openxmlformats.org/drawingml/2006/chart" xmlns:dgm="http://schemas.openxmlformats.org/drawingml/2006/diagram" xmlns:o="urn:schemas-microsoft-com:office:office" xmlns:v="urn:schemas-microsoft-com:vml" xmlns:pvml="urn:schemas-microsoft-com:office:powerpoint" xmlns:com="http://schemas.openxmlformats.org/drawingml/2006/compatibility" xmlns:p14="http://schemas.microsoft.com/office/powerpoint/2010/main" xmlns:p15="http://schemas.microsoft.com/office/powerpoint/2012/main" xmlns:ahyp="http://schemas.microsoft.com/office/drawing/2018/hyperlinkcolor">
+  <p:cSld>
+    <p:spTree>
+      <p:nvGrpSpPr>
+        <p:cNvPr id="198" name="Shape 198"/>
+        <p:cNvGrpSpPr/>
+        <p:nvPr/>
+      </p:nvGrpSpPr>
+      <p:grpSpPr>
+        <a:xfrm>
+          <a:off x="0" y="0"/>
+          <a:ext cx="0" cy="0"/>
+          <a:chOff x="0" y="0"/>
+          <a:chExt cx="0" cy="0"/>
+        </a:xfrm>
+      </p:grpSpPr>
+      <p:sp>
+        <p:nvSpPr>
+          <p:cNvPr id="199" name="Google Shape;199;p23"/>
+          <p:cNvSpPr txBox="1"/>
+          <p:nvPr>
+            <p:ph type="title"/>
+          </p:nvPr>
+        </p:nvSpPr>
+        <p:spPr>
+          <a:xfrm>
+            <a:off x="1297500" y="393750"/>
+            <a:ext cx="7038900" cy="914100"/>
+          </a:xfrm>
+          <a:prstGeom prst="rect">
+            <a:avLst/>
+          </a:prstGeom>
+        </p:spPr>
+        <p:txBody>
+          <a:bodyPr anchorCtr="0" anchor="t" bIns="91425" lIns="91425" spcFirstLastPara="1" rIns="91425" wrap="square" tIns="91425">
+            <a:noAutofit/>
+          </a:bodyPr>
+          <a:lstStyle/>
+          <a:p>
+            <a:pPr indent="0" lvl="0" marL="0" rtl="0" algn="l">
+              <a:spcBef>
+                <a:spcPts val="0"/>
+              </a:spcBef>
+              <a:spcAft>
+                <a:spcPts val="0"/>
+              </a:spcAft>
+              <a:buNone/>
+            </a:pPr>
+            <a:r>
+              <a:rPr lang="en-GB"/>
               <a:t>Visualization</a:t>
             </a:r>
             <a:endParaRPr/>
@@ -10592,7 +12497,7 @@
       </p:sp>
       <p:sp>
         <p:nvSpPr>
-          <p:cNvPr id="195" name="Google Shape;195;p22"/>
+          <p:cNvPr id="200" name="Google Shape;200;p23"/>
           <p:cNvSpPr txBox="1"/>
           <p:nvPr>
             <p:ph idx="1" type="body"/>
@@ -10687,7 +12592,7 @@
       </p:sp>
       <p:graphicFrame>
         <p:nvGraphicFramePr>
-          <p:cNvPr id="196" name="Google Shape;196;p22"/>
+          <p:cNvPr id="201" name="Google Shape;201;p23"/>
           <p:cNvGraphicFramePr/>
           <p:nvPr/>
         </p:nvGraphicFramePr>
@@ -10700,7 +12605,7 @@
             <a:tbl>
               <a:tblPr>
                 <a:noFill/>
-                <a:tableStyleId>{9FBCE253-265D-4BD5-8537-FF7AFD94CE36}</a:tableStyleId>
+                <a:tableStyleId>{341BA043-B431-4E9F-B5AC-FBEA6884109F}</a:tableStyleId>
               </a:tblPr>
               <a:tblGrid>
                 <a:gridCol w="523975"/>
@@ -12183,12 +14088,12 @@
 </p:sld>
 </file>
 
-<file path=ppt/slides/slide11.xml><?xml version="1.0" encoding="utf-8"?>
+<file path=ppt/slides/slide12.xml><?xml version="1.0" encoding="utf-8"?>
 <p:sld xmlns:a="http://schemas.openxmlformats.org/drawingml/2006/main" xmlns:r="http://schemas.openxmlformats.org/officeDocument/2006/relationships" xmlns:mc="http://schemas.openxmlformats.org/markup-compatibility/2006" xmlns:mv="urn:schemas-microsoft-com:mac:vml" xmlns:p="http://schemas.openxmlformats.org/presentationml/2006/main" xmlns:c="http://schemas.openxmlformats.org/drawingml/2006/chart" xmlns:dgm="http://schemas.openxmlformats.org/drawingml/2006/diagram" xmlns:o="urn:schemas-microsoft-com:office:office" xmlns:v="urn:schemas-microsoft-com:vml" xmlns:pvml="urn:schemas-microsoft-com:office:powerpoint" xmlns:com="http://schemas.openxmlformats.org/drawingml/2006/compatibility" xmlns:p14="http://schemas.microsoft.com/office/powerpoint/2010/main" xmlns:p15="http://schemas.microsoft.com/office/powerpoint/2012/main" xmlns:ahyp="http://schemas.microsoft.com/office/drawing/2018/hyperlinkcolor">
   <p:cSld>
     <p:spTree>
       <p:nvGrpSpPr>
-        <p:cNvPr id="200" name="Shape 200"/>
+        <p:cNvPr id="205" name="Shape 205"/>
         <p:cNvGrpSpPr/>
         <p:nvPr/>
       </p:nvGrpSpPr>
@@ -12202,7 +14107,297 @@
       </p:grpSpPr>
       <p:sp>
         <p:nvSpPr>
-          <p:cNvPr id="201" name="Google Shape;201;p23"/>
+          <p:cNvPr id="206" name="Google Shape;206;p24"/>
+          <p:cNvSpPr txBox="1"/>
+          <p:nvPr>
+            <p:ph type="title"/>
+          </p:nvPr>
+        </p:nvSpPr>
+        <p:spPr>
+          <a:xfrm>
+            <a:off x="823850" y="2053000"/>
+            <a:ext cx="4587000" cy="1148700"/>
+          </a:xfrm>
+          <a:prstGeom prst="rect">
+            <a:avLst/>
+          </a:prstGeom>
+        </p:spPr>
+        <p:txBody>
+          <a:bodyPr anchorCtr="0" anchor="ctr" bIns="91425" lIns="91425" spcFirstLastPara="1" rIns="91425" wrap="square" tIns="91425">
+            <a:noAutofit/>
+          </a:bodyPr>
+          <a:lstStyle/>
+          <a:p>
+            <a:pPr indent="0" lvl="0" marL="0" rtl="0" algn="l">
+              <a:spcBef>
+                <a:spcPts val="0"/>
+              </a:spcBef>
+              <a:spcAft>
+                <a:spcPts val="0"/>
+              </a:spcAft>
+              <a:buNone/>
+            </a:pPr>
+            <a:r>
+              <a:rPr lang="en-GB"/>
+              <a:t>Breaking Ties</a:t>
+            </a:r>
+            <a:endParaRPr/>
+          </a:p>
+        </p:txBody>
+      </p:sp>
+    </p:spTree>
+  </p:cSld>
+  <p:clrMapOvr>
+    <a:masterClrMapping/>
+  </p:clrMapOvr>
+</p:sld>
+</file>
+
+<file path=ppt/slides/slide13.xml><?xml version="1.0" encoding="utf-8"?>
+<p:sld xmlns:a="http://schemas.openxmlformats.org/drawingml/2006/main" xmlns:r="http://schemas.openxmlformats.org/officeDocument/2006/relationships" xmlns:mc="http://schemas.openxmlformats.org/markup-compatibility/2006" xmlns:mv="urn:schemas-microsoft-com:mac:vml" xmlns:p="http://schemas.openxmlformats.org/presentationml/2006/main" xmlns:c="http://schemas.openxmlformats.org/drawingml/2006/chart" xmlns:dgm="http://schemas.openxmlformats.org/drawingml/2006/diagram" xmlns:o="urn:schemas-microsoft-com:office:office" xmlns:v="urn:schemas-microsoft-com:vml" xmlns:pvml="urn:schemas-microsoft-com:office:powerpoint" xmlns:com="http://schemas.openxmlformats.org/drawingml/2006/compatibility" xmlns:p14="http://schemas.microsoft.com/office/powerpoint/2010/main" xmlns:p15="http://schemas.microsoft.com/office/powerpoint/2012/main" xmlns:ahyp="http://schemas.microsoft.com/office/drawing/2018/hyperlinkcolor">
+  <p:cSld>
+    <p:spTree>
+      <p:nvGrpSpPr>
+        <p:cNvPr id="210" name="Shape 210"/>
+        <p:cNvGrpSpPr/>
+        <p:nvPr/>
+      </p:nvGrpSpPr>
+      <p:grpSpPr>
+        <a:xfrm>
+          <a:off x="0" y="0"/>
+          <a:ext cx="0" cy="0"/>
+          <a:chOff x="0" y="0"/>
+          <a:chExt cx="0" cy="0"/>
+        </a:xfrm>
+      </p:grpSpPr>
+      <p:sp>
+        <p:nvSpPr>
+          <p:cNvPr id="211" name="Google Shape;211;p25"/>
+          <p:cNvSpPr txBox="1"/>
+          <p:nvPr>
+            <p:ph type="title"/>
+          </p:nvPr>
+        </p:nvSpPr>
+        <p:spPr>
+          <a:xfrm>
+            <a:off x="1297500" y="393750"/>
+            <a:ext cx="7038900" cy="914100"/>
+          </a:xfrm>
+          <a:prstGeom prst="rect">
+            <a:avLst/>
+          </a:prstGeom>
+        </p:spPr>
+        <p:txBody>
+          <a:bodyPr anchorCtr="0" anchor="t" bIns="91425" lIns="91425" spcFirstLastPara="1" rIns="91425" wrap="square" tIns="91425">
+            <a:noAutofit/>
+          </a:bodyPr>
+          <a:lstStyle/>
+          <a:p>
+            <a:pPr indent="0" lvl="0" marL="0" rtl="0" algn="l">
+              <a:spcBef>
+                <a:spcPts val="0"/>
+              </a:spcBef>
+              <a:spcAft>
+                <a:spcPts val="0"/>
+              </a:spcAft>
+              <a:buNone/>
+            </a:pPr>
+            <a:r>
+              <a:rPr lang="en-GB"/>
+              <a:t>Ties in Warnsdorff</a:t>
+            </a:r>
+            <a:endParaRPr/>
+          </a:p>
+        </p:txBody>
+      </p:sp>
+      <p:sp>
+        <p:nvSpPr>
+          <p:cNvPr id="212" name="Google Shape;212;p25"/>
+          <p:cNvSpPr txBox="1"/>
+          <p:nvPr>
+            <p:ph idx="1" type="body"/>
+          </p:nvPr>
+        </p:nvSpPr>
+        <p:spPr>
+          <a:xfrm>
+            <a:off x="1297500" y="1462700"/>
+            <a:ext cx="4844400" cy="2911200"/>
+          </a:xfrm>
+          <a:prstGeom prst="rect">
+            <a:avLst/>
+          </a:prstGeom>
+        </p:spPr>
+        <p:txBody>
+          <a:bodyPr anchorCtr="0" anchor="t" bIns="91425" lIns="91425" spcFirstLastPara="1" rIns="91425" wrap="square" tIns="91425">
+            <a:noAutofit/>
+          </a:bodyPr>
+          <a:lstStyle/>
+          <a:p>
+            <a:pPr indent="-311150" lvl="0" marL="457200" rtl="0" algn="l">
+              <a:lnSpc>
+                <a:spcPct val="115000"/>
+              </a:lnSpc>
+              <a:spcBef>
+                <a:spcPts val="0"/>
+              </a:spcBef>
+              <a:spcAft>
+                <a:spcPts val="0"/>
+              </a:spcAft>
+              <a:buSzPts val="1300"/>
+              <a:buChar char="●"/>
+            </a:pPr>
+            <a:r>
+              <a:rPr lang="en-GB"/>
+              <a:t>Arnd Roth's proposition</a:t>
+            </a:r>
+            <a:endParaRPr/>
+          </a:p>
+          <a:p>
+            <a:pPr indent="-298450" lvl="1" marL="914400" rtl="0" algn="l">
+              <a:lnSpc>
+                <a:spcPct val="115000"/>
+              </a:lnSpc>
+              <a:spcBef>
+                <a:spcPts val="0"/>
+              </a:spcBef>
+              <a:spcAft>
+                <a:spcPts val="0"/>
+              </a:spcAft>
+              <a:buSzPts val="1100"/>
+              <a:buChar char="○"/>
+            </a:pPr>
+            <a:r>
+              <a:rPr lang="en-GB"/>
+              <a:t>The proposition is to break the ties by choosing the successor with the largest euclidean distance from the center of the board.</a:t>
+            </a:r>
+            <a:endParaRPr/>
+          </a:p>
+          <a:p>
+            <a:pPr indent="-311150" lvl="0" marL="457200" rtl="0" algn="l">
+              <a:lnSpc>
+                <a:spcPct val="115000"/>
+              </a:lnSpc>
+              <a:spcBef>
+                <a:spcPts val="0"/>
+              </a:spcBef>
+              <a:spcAft>
+                <a:spcPts val="0"/>
+              </a:spcAft>
+              <a:buSzPts val="1300"/>
+              <a:buChar char="●"/>
+            </a:pPr>
+            <a:r>
+              <a:rPr lang="en-GB"/>
+              <a:t>Ira Pohl's proposition</a:t>
+            </a:r>
+            <a:endParaRPr/>
+          </a:p>
+          <a:p>
+            <a:pPr indent="-298450" lvl="1" marL="914400" rtl="0" algn="l">
+              <a:lnSpc>
+                <a:spcPct val="115000"/>
+              </a:lnSpc>
+              <a:spcBef>
+                <a:spcPts val="0"/>
+              </a:spcBef>
+              <a:spcAft>
+                <a:spcPts val="0"/>
+              </a:spcAft>
+              <a:buSzPts val="1100"/>
+              <a:buChar char="○"/>
+            </a:pPr>
+            <a:r>
+              <a:rPr lang="en-GB"/>
+              <a:t>Applying Warnsdorff's rule second time.</a:t>
+            </a:r>
+            <a:endParaRPr/>
+          </a:p>
+          <a:p>
+            <a:pPr indent="-298450" lvl="1" marL="914400" rtl="0" algn="l">
+              <a:lnSpc>
+                <a:spcPct val="115000"/>
+              </a:lnSpc>
+              <a:spcBef>
+                <a:spcPts val="0"/>
+              </a:spcBef>
+              <a:spcAft>
+                <a:spcPts val="0"/>
+              </a:spcAft>
+              <a:buSzPts val="1100"/>
+              <a:buChar char="○"/>
+            </a:pPr>
+            <a:r>
+              <a:rPr lang="en-GB"/>
+              <a:t>Sum of the Degrees of all </a:t>
+            </a:r>
+            <a:r>
+              <a:rPr lang="en-GB"/>
+              <a:t>u</a:t>
+            </a:r>
+            <a:r>
+              <a:rPr lang="en-GB"/>
+              <a:t>nvisited neighbors, of the successors that tied, and choose the square whose sum is minimal.</a:t>
+            </a:r>
+            <a:endParaRPr/>
+          </a:p>
+        </p:txBody>
+      </p:sp>
+      <p:pic>
+        <p:nvPicPr>
+          <p:cNvPr id="213" name="Google Shape;213;p25"/>
+          <p:cNvPicPr preferRelativeResize="0"/>
+          <p:nvPr/>
+        </p:nvPicPr>
+        <p:blipFill>
+          <a:blip r:embed="rId3">
+            <a:alphaModFix/>
+          </a:blip>
+          <a:stretch>
+            <a:fillRect/>
+          </a:stretch>
+        </p:blipFill>
+        <p:spPr>
+          <a:xfrm>
+            <a:off x="6479261" y="1307847"/>
+            <a:ext cx="2532386" cy="2178000"/>
+          </a:xfrm>
+          <a:prstGeom prst="rect">
+            <a:avLst/>
+          </a:prstGeom>
+          <a:noFill/>
+          <a:ln>
+            <a:noFill/>
+          </a:ln>
+        </p:spPr>
+      </p:pic>
+    </p:spTree>
+  </p:cSld>
+  <p:clrMapOvr>
+    <a:masterClrMapping/>
+  </p:clrMapOvr>
+</p:sld>
+</file>
+
+<file path=ppt/slides/slide14.xml><?xml version="1.0" encoding="utf-8"?>
+<p:sld xmlns:a="http://schemas.openxmlformats.org/drawingml/2006/main" xmlns:r="http://schemas.openxmlformats.org/officeDocument/2006/relationships" xmlns:mc="http://schemas.openxmlformats.org/markup-compatibility/2006" xmlns:mv="urn:schemas-microsoft-com:mac:vml" xmlns:p="http://schemas.openxmlformats.org/presentationml/2006/main" xmlns:c="http://schemas.openxmlformats.org/drawingml/2006/chart" xmlns:dgm="http://schemas.openxmlformats.org/drawingml/2006/diagram" xmlns:o="urn:schemas-microsoft-com:office:office" xmlns:v="urn:schemas-microsoft-com:vml" xmlns:pvml="urn:schemas-microsoft-com:office:powerpoint" xmlns:com="http://schemas.openxmlformats.org/drawingml/2006/compatibility" xmlns:p14="http://schemas.microsoft.com/office/powerpoint/2010/main" xmlns:p15="http://schemas.microsoft.com/office/powerpoint/2012/main" xmlns:ahyp="http://schemas.microsoft.com/office/drawing/2018/hyperlinkcolor">
+  <p:cSld>
+    <p:spTree>
+      <p:nvGrpSpPr>
+        <p:cNvPr id="217" name="Shape 217"/>
+        <p:cNvGrpSpPr/>
+        <p:nvPr/>
+      </p:nvGrpSpPr>
+      <p:grpSpPr>
+        <a:xfrm>
+          <a:off x="0" y="0"/>
+          <a:ext cx="0" cy="0"/>
+          <a:chOff x="0" y="0"/>
+          <a:chExt cx="0" cy="0"/>
+        </a:xfrm>
+      </p:grpSpPr>
+      <p:sp>
+        <p:nvSpPr>
+          <p:cNvPr id="218" name="Google Shape;218;p26"/>
           <p:cNvSpPr txBox="1"/>
           <p:nvPr>
             <p:ph idx="1" type="body"/>
@@ -12386,7 +14581,7 @@
       </p:sp>
       <p:sp>
         <p:nvSpPr>
-          <p:cNvPr id="202" name="Google Shape;202;p23"/>
+          <p:cNvPr id="219" name="Google Shape;219;p26"/>
           <p:cNvSpPr txBox="1"/>
           <p:nvPr>
             <p:ph type="title"/>
@@ -12432,12 +14627,12 @@
 </p:sld>
 </file>
 
-<file path=ppt/slides/slide12.xml><?xml version="1.0" encoding="utf-8"?>
+<file path=ppt/slides/slide15.xml><?xml version="1.0" encoding="utf-8"?>
 <p:sld xmlns:a="http://schemas.openxmlformats.org/drawingml/2006/main" xmlns:r="http://schemas.openxmlformats.org/officeDocument/2006/relationships" xmlns:mc="http://schemas.openxmlformats.org/markup-compatibility/2006" xmlns:mv="urn:schemas-microsoft-com:mac:vml" xmlns:p="http://schemas.openxmlformats.org/presentationml/2006/main" xmlns:c="http://schemas.openxmlformats.org/drawingml/2006/chart" xmlns:dgm="http://schemas.openxmlformats.org/drawingml/2006/diagram" xmlns:o="urn:schemas-microsoft-com:office:office" xmlns:v="urn:schemas-microsoft-com:vml" xmlns:pvml="urn:schemas-microsoft-com:office:powerpoint" xmlns:com="http://schemas.openxmlformats.org/drawingml/2006/compatibility" xmlns:p14="http://schemas.microsoft.com/office/powerpoint/2010/main" xmlns:p15="http://schemas.microsoft.com/office/powerpoint/2012/main" xmlns:ahyp="http://schemas.microsoft.com/office/drawing/2018/hyperlinkcolor">
   <p:cSld>
     <p:spTree>
       <p:nvGrpSpPr>
-        <p:cNvPr id="206" name="Shape 206"/>
+        <p:cNvPr id="223" name="Shape 223"/>
         <p:cNvGrpSpPr/>
         <p:nvPr/>
       </p:nvGrpSpPr>
@@ -12451,7 +14646,7 @@
       </p:grpSpPr>
       <p:sp>
         <p:nvSpPr>
-          <p:cNvPr id="207" name="Google Shape;207;p24"/>
+          <p:cNvPr id="224" name="Google Shape;224;p27"/>
           <p:cNvSpPr txBox="1"/>
           <p:nvPr>
             <p:ph type="title"/>
@@ -12473,6 +14668,9 @@
           <a:lstStyle/>
           <a:p>
             <a:pPr indent="-311150" lvl="0" marL="457200" rtl="0" algn="l">
+              <a:lnSpc>
+                <a:spcPct val="200000"/>
+              </a:lnSpc>
               <a:spcBef>
                 <a:spcPts val="0"/>
               </a:spcBef>
@@ -12489,22 +14687,10 @@
             <a:endParaRPr sz="1300"/>
           </a:p>
           <a:p>
-            <a:pPr indent="0" lvl="0" marL="457200" rtl="0" algn="l">
-              <a:spcBef>
-                <a:spcPts val="0"/>
-              </a:spcBef>
-              <a:spcAft>
-                <a:spcPts val="0"/>
-              </a:spcAft>
-              <a:buNone/>
-            </a:pPr>
-            <a:r>
-              <a:t/>
-            </a:r>
-            <a:endParaRPr sz="1300"/>
-          </a:p>
-          <a:p>
-            <a:pPr indent="-311150" lvl="0" marL="457200" rtl="0" algn="l">
+            <a:pPr indent="-311150" lvl="1" marL="914400" rtl="0" algn="l">
+              <a:lnSpc>
+                <a:spcPct val="200000"/>
+              </a:lnSpc>
               <a:spcBef>
                 <a:spcPts val="0"/>
               </a:spcBef>
@@ -12512,15 +14698,15 @@
                 <a:spcPts val="0"/>
               </a:spcAft>
               <a:buSzPts val="1300"/>
-              <a:buChar char="●"/>
+              <a:buChar char="○"/>
             </a:pPr>
             <a:r>
               <a:rPr lang="en-GB" sz="1300"/>
-              <a:t>Time taken &lt; </a:t>
+              <a:t>Time taken = 0.015625 </a:t>
             </a:r>
             <a:r>
               <a:rPr lang="en-GB" sz="1300"/>
-              <a:t>1 sec</a:t>
+              <a:t>sec</a:t>
             </a:r>
             <a:r>
               <a:rPr lang="en-GB" sz="1300"/>
@@ -12529,7 +14715,50 @@
             <a:endParaRPr sz="1300"/>
           </a:p>
           <a:p>
+            <a:pPr indent="-311150" lvl="0" marL="457200" rtl="0" algn="l">
+              <a:lnSpc>
+                <a:spcPct val="200000"/>
+              </a:lnSpc>
+              <a:spcBef>
+                <a:spcPts val="0"/>
+              </a:spcBef>
+              <a:spcAft>
+                <a:spcPts val="0"/>
+              </a:spcAft>
+              <a:buSzPts val="1300"/>
+              <a:buChar char="●"/>
+            </a:pPr>
+            <a:r>
+              <a:rPr lang="en-GB" sz="1300"/>
+              <a:t>Output for 100*100.</a:t>
+            </a:r>
+            <a:endParaRPr sz="1300"/>
+          </a:p>
+          <a:p>
+            <a:pPr indent="-311150" lvl="1" marL="914400" rtl="0" algn="l">
+              <a:lnSpc>
+                <a:spcPct val="200000"/>
+              </a:lnSpc>
+              <a:spcBef>
+                <a:spcPts val="0"/>
+              </a:spcBef>
+              <a:spcAft>
+                <a:spcPts val="0"/>
+              </a:spcAft>
+              <a:buSzPts val="1300"/>
+              <a:buChar char="○"/>
+            </a:pPr>
+            <a:r>
+              <a:rPr lang="en-GB" sz="1300"/>
+              <a:t>Time taken = 0.71875 sec.</a:t>
+            </a:r>
+            <a:endParaRPr sz="1300"/>
+          </a:p>
+          <a:p>
             <a:pPr indent="0" lvl="0" marL="0" rtl="0" algn="l">
+              <a:lnSpc>
+                <a:spcPct val="200000"/>
+              </a:lnSpc>
               <a:spcBef>
                 <a:spcPts val="0"/>
               </a:spcBef>
@@ -12547,7 +14776,7 @@
       </p:sp>
       <p:pic>
         <p:nvPicPr>
-          <p:cNvPr id="208" name="Google Shape;208;p24"/>
+          <p:cNvPr id="225" name="Google Shape;225;p27"/>
           <p:cNvPicPr preferRelativeResize="0"/>
           <p:nvPr/>
         </p:nvPicPr>
@@ -12573,6 +14802,34 @@
           </a:ln>
         </p:spPr>
       </p:pic>
+      <p:pic>
+        <p:nvPicPr>
+          <p:cNvPr id="226" name="Google Shape;226;p27"/>
+          <p:cNvPicPr preferRelativeResize="0"/>
+          <p:nvPr/>
+        </p:nvPicPr>
+        <p:blipFill>
+          <a:blip r:embed="rId4">
+            <a:alphaModFix/>
+          </a:blip>
+          <a:stretch>
+            <a:fillRect/>
+          </a:stretch>
+        </p:blipFill>
+        <p:spPr>
+          <a:xfrm>
+            <a:off x="5558525" y="3706400"/>
+            <a:ext cx="752475" cy="123825"/>
+          </a:xfrm>
+          <a:prstGeom prst="rect">
+            <a:avLst/>
+          </a:prstGeom>
+          <a:noFill/>
+          <a:ln>
+            <a:noFill/>
+          </a:ln>
+        </p:spPr>
+      </p:pic>
     </p:spTree>
   </p:cSld>
   <p:clrMapOvr>
@@ -12581,12 +14838,12 @@
 </p:sld>
 </file>
 
-<file path=ppt/slides/slide13.xml><?xml version="1.0" encoding="utf-8"?>
+<file path=ppt/slides/slide16.xml><?xml version="1.0" encoding="utf-8"?>
 <p:sld xmlns:a="http://schemas.openxmlformats.org/drawingml/2006/main" xmlns:r="http://schemas.openxmlformats.org/officeDocument/2006/relationships" xmlns:mc="http://schemas.openxmlformats.org/markup-compatibility/2006" xmlns:mv="urn:schemas-microsoft-com:mac:vml" xmlns:p="http://schemas.openxmlformats.org/presentationml/2006/main" xmlns:c="http://schemas.openxmlformats.org/drawingml/2006/chart" xmlns:dgm="http://schemas.openxmlformats.org/drawingml/2006/diagram" xmlns:o="urn:schemas-microsoft-com:office:office" xmlns:v="urn:schemas-microsoft-com:vml" xmlns:pvml="urn:schemas-microsoft-com:office:powerpoint" xmlns:com="http://schemas.openxmlformats.org/drawingml/2006/compatibility" xmlns:p14="http://schemas.microsoft.com/office/powerpoint/2010/main" xmlns:p15="http://schemas.microsoft.com/office/powerpoint/2012/main" xmlns:ahyp="http://schemas.microsoft.com/office/drawing/2018/hyperlinkcolor">
   <p:cSld>
     <p:spTree>
       <p:nvGrpSpPr>
-        <p:cNvPr id="212" name="Shape 212"/>
+        <p:cNvPr id="230" name="Shape 230"/>
         <p:cNvGrpSpPr/>
         <p:nvPr/>
       </p:nvGrpSpPr>
@@ -12600,7 +14857,72 @@
       </p:grpSpPr>
       <p:sp>
         <p:nvSpPr>
-          <p:cNvPr id="213" name="Google Shape;213;p25"/>
+          <p:cNvPr id="231" name="Google Shape;231;p28"/>
+          <p:cNvSpPr txBox="1"/>
+          <p:nvPr>
+            <p:ph type="title"/>
+          </p:nvPr>
+        </p:nvSpPr>
+        <p:spPr>
+          <a:xfrm>
+            <a:off x="823850" y="2053000"/>
+            <a:ext cx="4587000" cy="1148700"/>
+          </a:xfrm>
+          <a:prstGeom prst="rect">
+            <a:avLst/>
+          </a:prstGeom>
+        </p:spPr>
+        <p:txBody>
+          <a:bodyPr anchorCtr="0" anchor="ctr" bIns="91425" lIns="91425" spcFirstLastPara="1" rIns="91425" wrap="square" tIns="91425">
+            <a:noAutofit/>
+          </a:bodyPr>
+          <a:lstStyle/>
+          <a:p>
+            <a:pPr indent="0" lvl="0" marL="0" rtl="0" algn="l">
+              <a:spcBef>
+                <a:spcPts val="0"/>
+              </a:spcBef>
+              <a:spcAft>
+                <a:spcPts val="0"/>
+              </a:spcAft>
+              <a:buNone/>
+            </a:pPr>
+            <a:r>
+              <a:rPr lang="en-GB"/>
+              <a:t>Neural Networks</a:t>
+            </a:r>
+            <a:endParaRPr/>
+          </a:p>
+        </p:txBody>
+      </p:sp>
+    </p:spTree>
+  </p:cSld>
+  <p:clrMapOvr>
+    <a:masterClrMapping/>
+  </p:clrMapOvr>
+</p:sld>
+</file>
+
+<file path=ppt/slides/slide17.xml><?xml version="1.0" encoding="utf-8"?>
+<p:sld xmlns:a="http://schemas.openxmlformats.org/drawingml/2006/main" xmlns:r="http://schemas.openxmlformats.org/officeDocument/2006/relationships" xmlns:mc="http://schemas.openxmlformats.org/markup-compatibility/2006" xmlns:mv="urn:schemas-microsoft-com:mac:vml" xmlns:p="http://schemas.openxmlformats.org/presentationml/2006/main" xmlns:c="http://schemas.openxmlformats.org/drawingml/2006/chart" xmlns:dgm="http://schemas.openxmlformats.org/drawingml/2006/diagram" xmlns:o="urn:schemas-microsoft-com:office:office" xmlns:v="urn:schemas-microsoft-com:vml" xmlns:pvml="urn:schemas-microsoft-com:office:powerpoint" xmlns:com="http://schemas.openxmlformats.org/drawingml/2006/compatibility" xmlns:p14="http://schemas.microsoft.com/office/powerpoint/2010/main" xmlns:p15="http://schemas.microsoft.com/office/powerpoint/2012/main" xmlns:ahyp="http://schemas.microsoft.com/office/drawing/2018/hyperlinkcolor">
+  <p:cSld>
+    <p:spTree>
+      <p:nvGrpSpPr>
+        <p:cNvPr id="235" name="Shape 235"/>
+        <p:cNvGrpSpPr/>
+        <p:nvPr/>
+      </p:nvGrpSpPr>
+      <p:grpSpPr>
+        <a:xfrm>
+          <a:off x="0" y="0"/>
+          <a:ext cx="0" cy="0"/>
+          <a:chOff x="0" y="0"/>
+          <a:chExt cx="0" cy="0"/>
+        </a:xfrm>
+      </p:grpSpPr>
+      <p:sp>
+        <p:nvSpPr>
+          <p:cNvPr id="236" name="Google Shape;236;p29"/>
           <p:cNvSpPr txBox="1"/>
           <p:nvPr>
             <p:ph type="title"/>
@@ -12632,7 +14954,7 @@
             </a:pPr>
             <a:r>
               <a:rPr lang="en-GB"/>
-              <a:t>References</a:t>
+              <a:t>Neural Networks.</a:t>
             </a:r>
             <a:endParaRPr/>
           </a:p>
@@ -12640,7 +14962,7 @@
       </p:sp>
       <p:sp>
         <p:nvSpPr>
-          <p:cNvPr id="214" name="Google Shape;214;p25"/>
+          <p:cNvPr id="237" name="Google Shape;237;p29"/>
           <p:cNvSpPr txBox="1"/>
           <p:nvPr>
             <p:ph idx="1" type="body"/>
@@ -12649,7 +14971,7 @@
         <p:spPr>
           <a:xfrm>
             <a:off x="1297500" y="1567550"/>
-            <a:ext cx="7038900" cy="2911200"/>
+            <a:ext cx="5364000" cy="1004100"/>
           </a:xfrm>
           <a:prstGeom prst="rect">
             <a:avLst/>
@@ -12661,82 +14983,131 @@
           </a:bodyPr>
           <a:lstStyle/>
           <a:p>
-            <a:pPr indent="0" lvl="0" marL="0" rtl="0" algn="l">
-              <a:spcBef>
-                <a:spcPts val="0"/>
-              </a:spcBef>
-              <a:spcAft>
-                <a:spcPts val="0"/>
-              </a:spcAft>
-              <a:buNone/>
+            <a:pPr indent="-311150" lvl="0" marL="457200" rtl="0" algn="l">
+              <a:lnSpc>
+                <a:spcPct val="150000"/>
+              </a:lnSpc>
+              <a:spcBef>
+                <a:spcPts val="0"/>
+              </a:spcBef>
+              <a:spcAft>
+                <a:spcPts val="0"/>
+              </a:spcAft>
+              <a:buSzPts val="1300"/>
+              <a:buChar char="●"/>
             </a:pPr>
             <a:r>
               <a:rPr lang="en-GB"/>
-              <a:t>1] </a:t>
-            </a:r>
-            <a:r>
-              <a:rPr lang="en-GB" u="sng">
-                <a:solidFill>
-                  <a:schemeClr val="hlink"/>
-                </a:solidFill>
-                <a:hlinkClick r:id="rId3"/>
-              </a:rPr>
-              <a:t>SAM GANZFRIED</a:t>
+              <a:t>Each legal move of the Knight is represented as a Neuron.</a:t>
             </a:r>
             <a:endParaRPr/>
           </a:p>
           <a:p>
-            <a:pPr indent="0" lvl="0" marL="0" rtl="0" algn="l">
-              <a:spcBef>
-                <a:spcPts val="1600"/>
-              </a:spcBef>
-              <a:spcAft>
-                <a:spcPts val="0"/>
-              </a:spcAft>
-              <a:buNone/>
+            <a:pPr indent="-311150" lvl="0" marL="457200" rtl="0" algn="l">
+              <a:lnSpc>
+                <a:spcPct val="150000"/>
+              </a:lnSpc>
+              <a:spcBef>
+                <a:spcPts val="0"/>
+              </a:spcBef>
+              <a:spcAft>
+                <a:spcPts val="0"/>
+              </a:spcAft>
+              <a:buSzPts val="1300"/>
+              <a:buChar char="●"/>
             </a:pPr>
             <a:r>
               <a:rPr lang="en-GB"/>
-              <a:t>2] </a:t>
+              <a:t>Neuron is active (1) if it is part of the </a:t>
             </a:r>
             <a:r>
-              <a:rPr lang="en-GB" u="sng">
-                <a:solidFill>
-                  <a:schemeClr val="hlink"/>
-                </a:solidFill>
-                <a:hlinkClick r:id="rId4"/>
-              </a:rPr>
-              <a:t>https://www.slac.stanford.edu/pubs/slacpubs/0250/slac-pub-0261.pdf </a:t>
+              <a:rPr lang="en-GB"/>
+              <a:t>solution, inactive (0) if it is not</a:t>
+            </a:r>
+            <a:r>
+              <a:rPr lang="en-GB"/>
+              <a:t> a part of the solution.</a:t>
             </a:r>
             <a:endParaRPr/>
           </a:p>
           <a:p>
-            <a:pPr indent="0" lvl="0" marL="0" rtl="0" algn="l">
-              <a:spcBef>
-                <a:spcPts val="1600"/>
-              </a:spcBef>
-              <a:spcAft>
-                <a:spcPts val="1600"/>
-              </a:spcAft>
-              <a:buNone/>
+            <a:pPr indent="-311150" lvl="0" marL="457200" rtl="0" algn="l">
+              <a:lnSpc>
+                <a:spcPct val="150000"/>
+              </a:lnSpc>
+              <a:spcBef>
+                <a:spcPts val="0"/>
+              </a:spcBef>
+              <a:spcAft>
+                <a:spcPts val="0"/>
+              </a:spcAft>
+              <a:buSzPts val="1300"/>
+              <a:buChar char="●"/>
             </a:pPr>
             <a:r>
               <a:rPr lang="en-GB"/>
-              <a:t>3] </a:t>
-            </a:r>
-            <a:r>
-              <a:rPr lang="en-GB" u="sng">
-                <a:solidFill>
-                  <a:schemeClr val="hlink"/>
-                </a:solidFill>
-                <a:hlinkClick r:id="rId5"/>
-              </a:rPr>
-              <a:t>http://www.cs.kent.edu/~dragan/ST-Spring2016/Knights%20Tour%20Graphs.pdf</a:t>
+              <a:t>Transition Rules:</a:t>
             </a:r>
             <a:endParaRPr/>
           </a:p>
         </p:txBody>
       </p:sp>
+      <p:pic>
+        <p:nvPicPr>
+          <p:cNvPr id="238" name="Google Shape;238;p29"/>
+          <p:cNvPicPr preferRelativeResize="0"/>
+          <p:nvPr/>
+        </p:nvPicPr>
+        <p:blipFill>
+          <a:blip r:embed="rId3">
+            <a:alphaModFix/>
+          </a:blip>
+          <a:stretch>
+            <a:fillRect/>
+          </a:stretch>
+        </p:blipFill>
+        <p:spPr>
+          <a:xfrm>
+            <a:off x="6661423" y="1726750"/>
+            <a:ext cx="2063550" cy="2048750"/>
+          </a:xfrm>
+          <a:prstGeom prst="rect">
+            <a:avLst/>
+          </a:prstGeom>
+          <a:noFill/>
+          <a:ln>
+            <a:noFill/>
+          </a:ln>
+        </p:spPr>
+      </p:pic>
+      <p:pic>
+        <p:nvPicPr>
+          <p:cNvPr id="239" name="Google Shape;239;p29"/>
+          <p:cNvPicPr preferRelativeResize="0"/>
+          <p:nvPr/>
+        </p:nvPicPr>
+        <p:blipFill>
+          <a:blip r:embed="rId4">
+            <a:alphaModFix/>
+          </a:blip>
+          <a:stretch>
+            <a:fillRect/>
+          </a:stretch>
+        </p:blipFill>
+        <p:spPr>
+          <a:xfrm>
+            <a:off x="1879238" y="2789500"/>
+            <a:ext cx="4200525" cy="1962150"/>
+          </a:xfrm>
+          <a:prstGeom prst="rect">
+            <a:avLst/>
+          </a:prstGeom>
+          <a:noFill/>
+          <a:ln>
+            <a:noFill/>
+          </a:ln>
+        </p:spPr>
+      </p:pic>
     </p:spTree>
   </p:cSld>
   <p:clrMapOvr>
@@ -12745,12 +15116,12 @@
 </p:sld>
 </file>
 
-<file path=ppt/slides/slide14.xml><?xml version="1.0" encoding="utf-8"?>
+<file path=ppt/slides/slide18.xml><?xml version="1.0" encoding="utf-8"?>
 <p:sld xmlns:a="http://schemas.openxmlformats.org/drawingml/2006/main" xmlns:r="http://schemas.openxmlformats.org/officeDocument/2006/relationships" xmlns:mc="http://schemas.openxmlformats.org/markup-compatibility/2006" xmlns:mv="urn:schemas-microsoft-com:mac:vml" xmlns:p="http://schemas.openxmlformats.org/presentationml/2006/main" xmlns:c="http://schemas.openxmlformats.org/drawingml/2006/chart" xmlns:dgm="http://schemas.openxmlformats.org/drawingml/2006/diagram" xmlns:o="urn:schemas-microsoft-com:office:office" xmlns:v="urn:schemas-microsoft-com:vml" xmlns:pvml="urn:schemas-microsoft-com:office:powerpoint" xmlns:com="http://schemas.openxmlformats.org/drawingml/2006/compatibility" xmlns:p14="http://schemas.microsoft.com/office/powerpoint/2010/main" xmlns:p15="http://schemas.microsoft.com/office/powerpoint/2012/main" xmlns:ahyp="http://schemas.microsoft.com/office/drawing/2018/hyperlinkcolor">
   <p:cSld>
     <p:spTree>
       <p:nvGrpSpPr>
-        <p:cNvPr id="218" name="Shape 218"/>
+        <p:cNvPr id="243" name="Shape 243"/>
         <p:cNvGrpSpPr/>
         <p:nvPr/>
       </p:nvGrpSpPr>
@@ -12764,7 +15135,7 @@
       </p:grpSpPr>
       <p:sp>
         <p:nvSpPr>
-          <p:cNvPr id="219" name="Google Shape;219;p26"/>
+          <p:cNvPr id="244" name="Google Shape;244;p30"/>
           <p:cNvSpPr txBox="1"/>
           <p:nvPr>
             <p:ph type="title"/>
@@ -12772,8 +15143,8 @@
         </p:nvSpPr>
         <p:spPr>
           <a:xfrm>
-            <a:off x="1297500" y="393750"/>
-            <a:ext cx="7038900" cy="914100"/>
+            <a:off x="1297500" y="649000"/>
+            <a:ext cx="3567600" cy="914100"/>
           </a:xfrm>
           <a:prstGeom prst="rect">
             <a:avLst/>
@@ -12796,7 +15167,7 @@
             </a:pPr>
             <a:r>
               <a:rPr lang="en-GB"/>
-              <a:t>Future Work </a:t>
+              <a:t>Transition Rules.</a:t>
             </a:r>
             <a:endParaRPr/>
           </a:p>
@@ -12804,7 +15175,7 @@
       </p:sp>
       <p:sp>
         <p:nvSpPr>
-          <p:cNvPr id="220" name="Google Shape;220;p26"/>
+          <p:cNvPr id="245" name="Google Shape;245;p30"/>
           <p:cNvSpPr txBox="1"/>
           <p:nvPr>
             <p:ph idx="1" type="body"/>
@@ -12812,8 +15183,8 @@
         </p:nvSpPr>
         <p:spPr>
           <a:xfrm>
-            <a:off x="1297500" y="1567550"/>
-            <a:ext cx="7038900" cy="2911200"/>
+            <a:off x="921000" y="2210450"/>
+            <a:ext cx="7791900" cy="2608200"/>
           </a:xfrm>
           <a:prstGeom prst="rect">
             <a:avLst/>
@@ -12825,95 +15196,95 @@
           </a:bodyPr>
           <a:lstStyle/>
           <a:p>
-            <a:pPr indent="0" lvl="0" marL="0" rtl="0" algn="l">
-              <a:spcBef>
-                <a:spcPts val="0"/>
-              </a:spcBef>
-              <a:spcAft>
-                <a:spcPts val="0"/>
-              </a:spcAft>
-              <a:buNone/>
+            <a:pPr indent="-330200" lvl="0" marL="457200" rtl="0" algn="l">
+              <a:lnSpc>
+                <a:spcPct val="200000"/>
+              </a:lnSpc>
+              <a:spcBef>
+                <a:spcPts val="0"/>
+              </a:spcBef>
+              <a:spcAft>
+                <a:spcPts val="0"/>
+              </a:spcAft>
+              <a:buSzPts val="1600"/>
+              <a:buChar char="●"/>
             </a:pPr>
             <a:r>
-              <a:rPr lang="en-GB"/>
-              <a:t>1] Ties in A</a:t>
+              <a:rPr lang="en-GB" sz="1600"/>
+              <a:t>Stable state is the one where the neuron has exactly two adjacent neurons.</a:t>
             </a:r>
-            <a:r>
-              <a:rPr lang="en-GB"/>
-              <a:t>ccessibility </a:t>
-            </a:r>
-            <a:r>
-              <a:rPr lang="en-GB"/>
-              <a:t> </a:t>
-            </a:r>
-            <a:endParaRPr/>
+            <a:endParaRPr sz="1600"/>
           </a:p>
           <a:p>
-            <a:pPr indent="0" lvl="0" marL="0" rtl="0" algn="l">
-              <a:spcBef>
-                <a:spcPts val="1600"/>
-              </a:spcBef>
-              <a:spcAft>
-                <a:spcPts val="0"/>
-              </a:spcAft>
-              <a:buNone/>
+            <a:pPr indent="-330200" lvl="0" marL="457200" rtl="0" algn="l">
+              <a:lnSpc>
+                <a:spcPct val="200000"/>
+              </a:lnSpc>
+              <a:spcBef>
+                <a:spcPts val="0"/>
+              </a:spcBef>
+              <a:spcAft>
+                <a:spcPts val="0"/>
+              </a:spcAft>
+              <a:buSzPts val="1600"/>
+              <a:buChar char="●"/>
             </a:pPr>
             <a:r>
-              <a:rPr lang="en-GB"/>
-              <a:t>2</a:t>
+              <a:rPr lang="en-GB" sz="1600"/>
+              <a:t>Initially the state of each neuron is set to 0.</a:t>
             </a:r>
-            <a:r>
-              <a:rPr lang="en-GB"/>
-              <a:t>] Divide and Conquer algorithm for </a:t>
-            </a:r>
-            <a:r>
-              <a:rPr lang="en-GB"/>
-              <a:t>knight's tour</a:t>
-            </a:r>
-            <a:endParaRPr/>
+            <a:endParaRPr sz="1600"/>
           </a:p>
           <a:p>
-            <a:pPr indent="0" lvl="0" marL="0" rtl="0" algn="l">
-              <a:spcBef>
-                <a:spcPts val="1600"/>
-              </a:spcBef>
-              <a:spcAft>
-                <a:spcPts val="0"/>
-              </a:spcAft>
-              <a:buNone/>
+            <a:pPr indent="-330200" lvl="0" marL="457200" rtl="0" algn="l">
+              <a:lnSpc>
+                <a:spcPct val="200000"/>
+              </a:lnSpc>
+              <a:spcBef>
+                <a:spcPts val="0"/>
+              </a:spcBef>
+              <a:spcAft>
+                <a:spcPts val="0"/>
+              </a:spcAft>
+              <a:buSzPts val="1600"/>
+              <a:buChar char="●"/>
             </a:pPr>
             <a:r>
-              <a:rPr lang="en-GB"/>
-              <a:t>3]  Neural network solution for </a:t>
+              <a:rPr lang="en-GB" sz="1600"/>
+              <a:t>Output of each Neuron is set as 0/1 randomly.</a:t>
             </a:r>
-            <a:r>
-              <a:rPr lang="en-GB"/>
-              <a:t>knight's tour</a:t>
-            </a:r>
-            <a:endParaRPr/>
-          </a:p>
-          <a:p>
-            <a:pPr indent="0" lvl="0" marL="0" rtl="0" algn="l">
-              <a:spcBef>
-                <a:spcPts val="1600"/>
-              </a:spcBef>
-              <a:spcAft>
-                <a:spcPts val="1600"/>
-              </a:spcAft>
-              <a:buNone/>
-            </a:pPr>
-            <a:r>
-              <a:rPr lang="en-GB"/>
-              <a:t>4] M</a:t>
-            </a:r>
-            <a:r>
-              <a:rPr lang="en-GB"/>
-              <a:t>agic knight's tour</a:t>
-            </a:r>
-            <a:endParaRPr/>
+            <a:endParaRPr sz="1600"/>
           </a:p>
         </p:txBody>
       </p:sp>
+      <p:pic>
+        <p:nvPicPr>
+          <p:cNvPr id="246" name="Google Shape;246;p30"/>
+          <p:cNvPicPr preferRelativeResize="0"/>
+          <p:nvPr/>
+        </p:nvPicPr>
+        <p:blipFill>
+          <a:blip r:embed="rId3">
+            <a:alphaModFix/>
+          </a:blip>
+          <a:stretch>
+            <a:fillRect/>
+          </a:stretch>
+        </p:blipFill>
+        <p:spPr>
+          <a:xfrm>
+            <a:off x="5312796" y="393750"/>
+            <a:ext cx="3049751" cy="1424600"/>
+          </a:xfrm>
+          <a:prstGeom prst="rect">
+            <a:avLst/>
+          </a:prstGeom>
+          <a:noFill/>
+          <a:ln>
+            <a:noFill/>
+          </a:ln>
+        </p:spPr>
+      </p:pic>
     </p:spTree>
   </p:cSld>
   <p:clrMapOvr>
@@ -12922,12 +15293,12 @@
 </p:sld>
 </file>
 
-<file path=ppt/slides/slide15.xml><?xml version="1.0" encoding="utf-8"?>
+<file path=ppt/slides/slide19.xml><?xml version="1.0" encoding="utf-8"?>
 <p:sld xmlns:a="http://schemas.openxmlformats.org/drawingml/2006/main" xmlns:r="http://schemas.openxmlformats.org/officeDocument/2006/relationships" xmlns:mc="http://schemas.openxmlformats.org/markup-compatibility/2006" xmlns:mv="urn:schemas-microsoft-com:mac:vml" xmlns:p="http://schemas.openxmlformats.org/presentationml/2006/main" xmlns:c="http://schemas.openxmlformats.org/drawingml/2006/chart" xmlns:dgm="http://schemas.openxmlformats.org/drawingml/2006/diagram" xmlns:o="urn:schemas-microsoft-com:office:office" xmlns:v="urn:schemas-microsoft-com:vml" xmlns:pvml="urn:schemas-microsoft-com:office:powerpoint" xmlns:com="http://schemas.openxmlformats.org/drawingml/2006/compatibility" xmlns:p14="http://schemas.microsoft.com/office/powerpoint/2010/main" xmlns:p15="http://schemas.microsoft.com/office/powerpoint/2012/main" xmlns:ahyp="http://schemas.microsoft.com/office/drawing/2018/hyperlinkcolor">
   <p:cSld>
     <p:spTree>
       <p:nvGrpSpPr>
-        <p:cNvPr id="224" name="Shape 224"/>
+        <p:cNvPr id="250" name="Shape 250"/>
         <p:cNvGrpSpPr/>
         <p:nvPr/>
       </p:nvGrpSpPr>
@@ -12939,30 +15310,88 @@
           <a:chExt cx="0" cy="0"/>
         </a:xfrm>
       </p:grpSpPr>
-      <p:sp>
-        <p:nvSpPr>
-          <p:cNvPr id="225" name="Google Shape;225;p27"/>
-          <p:cNvSpPr txBox="1"/>
-          <p:nvPr>
-            <p:ph type="title"/>
-          </p:nvPr>
-        </p:nvSpPr>
+      <p:pic>
+        <p:nvPicPr>
+          <p:cNvPr id="251" name="Google Shape;251;p31"/>
+          <p:cNvPicPr preferRelativeResize="0"/>
+          <p:nvPr/>
+        </p:nvPicPr>
+        <p:blipFill>
+          <a:blip r:embed="rId3">
+            <a:alphaModFix/>
+          </a:blip>
+          <a:stretch>
+            <a:fillRect/>
+          </a:stretch>
+        </p:blipFill>
         <p:spPr>
           <a:xfrm>
-            <a:off x="2278500" y="1997400"/>
-            <a:ext cx="4587000" cy="1148700"/>
+            <a:off x="1106324" y="1248025"/>
+            <a:ext cx="2778350" cy="2647450"/>
           </a:xfrm>
           <a:prstGeom prst="rect">
             <a:avLst/>
           </a:prstGeom>
+          <a:noFill/>
+          <a:ln>
+            <a:noFill/>
+          </a:ln>
+        </p:spPr>
+      </p:pic>
+      <p:pic>
+        <p:nvPicPr>
+          <p:cNvPr id="252" name="Google Shape;252;p31"/>
+          <p:cNvPicPr preferRelativeResize="0"/>
+          <p:nvPr/>
+        </p:nvPicPr>
+        <p:blipFill>
+          <a:blip r:embed="rId4">
+            <a:alphaModFix/>
+          </a:blip>
+          <a:stretch>
+            <a:fillRect/>
+          </a:stretch>
+        </p:blipFill>
+        <p:spPr>
+          <a:xfrm>
+            <a:off x="5348850" y="1210650"/>
+            <a:ext cx="2778350" cy="2647459"/>
+          </a:xfrm>
+          <a:prstGeom prst="rect">
+            <a:avLst/>
+          </a:prstGeom>
+          <a:noFill/>
+          <a:ln>
+            <a:noFill/>
+          </a:ln>
+        </p:spPr>
+      </p:pic>
+      <p:sp>
+        <p:nvSpPr>
+          <p:cNvPr id="253" name="Google Shape;253;p31"/>
+          <p:cNvSpPr txBox="1"/>
+          <p:nvPr/>
+        </p:nvSpPr>
+        <p:spPr>
+          <a:xfrm>
+            <a:off x="5234700" y="563850"/>
+            <a:ext cx="3274500" cy="646800"/>
+          </a:xfrm>
+          <a:prstGeom prst="rect">
+            <a:avLst/>
+          </a:prstGeom>
+          <a:noFill/>
+          <a:ln>
+            <a:noFill/>
+          </a:ln>
         </p:spPr>
         <p:txBody>
-          <a:bodyPr anchorCtr="0" anchor="ctr" bIns="91425" lIns="91425" spcFirstLastPara="1" rIns="91425" wrap="square" tIns="91425">
+          <a:bodyPr anchorCtr="0" anchor="t" bIns="91425" lIns="91425" spcFirstLastPara="1" rIns="91425" wrap="square" tIns="91425">
             <a:noAutofit/>
           </a:bodyPr>
           <a:lstStyle/>
           <a:p>
-            <a:pPr indent="457200" lvl="0" marL="1371600" rtl="0" algn="l">
+            <a:pPr indent="0" lvl="0" marL="0" rtl="0" algn="l">
               <a:spcBef>
                 <a:spcPts val="0"/>
               </a:spcBef>
@@ -12972,8 +15401,217 @@
               <a:buNone/>
             </a:pPr>
             <a:r>
-              <a:rPr lang="en-GB"/>
-              <a:t>Q &amp; A</a:t>
+              <a:rPr lang="en-GB">
+                <a:solidFill>
+                  <a:schemeClr val="lt1"/>
+                </a:solidFill>
+                <a:latin typeface="Lato"/>
+                <a:ea typeface="Lato"/>
+                <a:cs typeface="Lato"/>
+                <a:sym typeface="Lato"/>
+              </a:rPr>
+              <a:t>Can you spot the four independent circuits?</a:t>
+            </a:r>
+            <a:endParaRPr>
+              <a:solidFill>
+                <a:schemeClr val="lt1"/>
+              </a:solidFill>
+              <a:latin typeface="Lato"/>
+              <a:ea typeface="Lato"/>
+              <a:cs typeface="Lato"/>
+              <a:sym typeface="Lato"/>
+            </a:endParaRPr>
+          </a:p>
+        </p:txBody>
+      </p:sp>
+      <p:sp>
+        <p:nvSpPr>
+          <p:cNvPr id="254" name="Google Shape;254;p31"/>
+          <p:cNvSpPr txBox="1"/>
+          <p:nvPr/>
+        </p:nvSpPr>
+        <p:spPr>
+          <a:xfrm>
+            <a:off x="5348850" y="3963675"/>
+            <a:ext cx="3000000" cy="1145400"/>
+          </a:xfrm>
+          <a:prstGeom prst="rect">
+            <a:avLst/>
+          </a:prstGeom>
+          <a:noFill/>
+          <a:ln>
+            <a:noFill/>
+          </a:ln>
+        </p:spPr>
+        <p:txBody>
+          <a:bodyPr anchorCtr="0" anchor="t" bIns="91425" lIns="91425" spcFirstLastPara="1" rIns="91425" wrap="square" tIns="91425">
+            <a:noAutofit/>
+          </a:bodyPr>
+          <a:lstStyle/>
+          <a:p>
+            <a:pPr indent="0" lvl="0" marL="0" rtl="0" algn="l">
+              <a:lnSpc>
+                <a:spcPct val="100000"/>
+              </a:lnSpc>
+              <a:spcBef>
+                <a:spcPts val="0"/>
+              </a:spcBef>
+              <a:spcAft>
+                <a:spcPts val="1600"/>
+              </a:spcAft>
+              <a:buNone/>
+            </a:pPr>
+            <a:r>
+              <a:rPr lang="en-GB" sz="1600">
+                <a:solidFill>
+                  <a:schemeClr val="lt1"/>
+                </a:solidFill>
+                <a:latin typeface="Lato"/>
+                <a:ea typeface="Lato"/>
+                <a:cs typeface="Lato"/>
+                <a:sym typeface="Lato"/>
+              </a:rPr>
+              <a:t>Parberry obtained knight tour out of 40,000 trials for n = 26. Probability vanishes as n grows larger. </a:t>
+            </a:r>
+            <a:endParaRPr/>
+          </a:p>
+        </p:txBody>
+      </p:sp>
+      <p:sp>
+        <p:nvSpPr>
+          <p:cNvPr id="255" name="Google Shape;255;p31"/>
+          <p:cNvSpPr txBox="1"/>
+          <p:nvPr/>
+        </p:nvSpPr>
+        <p:spPr>
+          <a:xfrm>
+            <a:off x="1106325" y="563850"/>
+            <a:ext cx="3274500" cy="646800"/>
+          </a:xfrm>
+          <a:prstGeom prst="rect">
+            <a:avLst/>
+          </a:prstGeom>
+          <a:noFill/>
+          <a:ln>
+            <a:noFill/>
+          </a:ln>
+        </p:spPr>
+        <p:txBody>
+          <a:bodyPr anchorCtr="0" anchor="t" bIns="91425" lIns="91425" spcFirstLastPara="1" rIns="91425" wrap="square" tIns="91425">
+            <a:noAutofit/>
+          </a:bodyPr>
+          <a:lstStyle/>
+          <a:p>
+            <a:pPr indent="0" lvl="0" marL="0" rtl="0" algn="l">
+              <a:spcBef>
+                <a:spcPts val="0"/>
+              </a:spcBef>
+              <a:spcAft>
+                <a:spcPts val="0"/>
+              </a:spcAft>
+              <a:buNone/>
+            </a:pPr>
+            <a:r>
+              <a:rPr lang="en-GB">
+                <a:solidFill>
+                  <a:schemeClr val="lt1"/>
+                </a:solidFill>
+                <a:latin typeface="Lato"/>
+                <a:ea typeface="Lato"/>
+                <a:cs typeface="Lato"/>
+                <a:sym typeface="Lato"/>
+              </a:rPr>
+              <a:t>Simple Knight Tour</a:t>
+            </a:r>
+            <a:endParaRPr>
+              <a:solidFill>
+                <a:schemeClr val="lt1"/>
+              </a:solidFill>
+              <a:latin typeface="Lato"/>
+              <a:ea typeface="Lato"/>
+              <a:cs typeface="Lato"/>
+              <a:sym typeface="Lato"/>
+            </a:endParaRPr>
+          </a:p>
+        </p:txBody>
+      </p:sp>
+      <p:sp>
+        <p:nvSpPr>
+          <p:cNvPr id="256" name="Google Shape;256;p31"/>
+          <p:cNvSpPr txBox="1"/>
+          <p:nvPr/>
+        </p:nvSpPr>
+        <p:spPr>
+          <a:xfrm>
+            <a:off x="1106325" y="3932850"/>
+            <a:ext cx="3000000" cy="1176300"/>
+          </a:xfrm>
+          <a:prstGeom prst="rect">
+            <a:avLst/>
+          </a:prstGeom>
+          <a:noFill/>
+          <a:ln>
+            <a:noFill/>
+          </a:ln>
+        </p:spPr>
+        <p:txBody>
+          <a:bodyPr anchorCtr="0" anchor="t" bIns="91425" lIns="91425" spcFirstLastPara="1" rIns="91425" wrap="square" tIns="91425">
+            <a:noAutofit/>
+          </a:bodyPr>
+          <a:lstStyle/>
+          <a:p>
+            <a:pPr indent="0" lvl="0" marL="0" rtl="0" algn="l">
+              <a:spcBef>
+                <a:spcPts val="0"/>
+              </a:spcBef>
+              <a:spcAft>
+                <a:spcPts val="0"/>
+              </a:spcAft>
+              <a:buNone/>
+            </a:pPr>
+            <a:r>
+              <a:rPr lang="en-GB" sz="1600">
+                <a:solidFill>
+                  <a:schemeClr val="lt1"/>
+                </a:solidFill>
+                <a:latin typeface="Lato"/>
+                <a:ea typeface="Lato"/>
+                <a:cs typeface="Lato"/>
+                <a:sym typeface="Lato"/>
+              </a:rPr>
+              <a:t>n &lt; 20. </a:t>
+            </a:r>
+            <a:endParaRPr sz="1600">
+              <a:solidFill>
+                <a:schemeClr val="lt1"/>
+              </a:solidFill>
+              <a:latin typeface="Lato"/>
+              <a:ea typeface="Lato"/>
+              <a:cs typeface="Lato"/>
+              <a:sym typeface="Lato"/>
+            </a:endParaRPr>
+          </a:p>
+          <a:p>
+            <a:pPr indent="0" lvl="0" marL="0" rtl="0" algn="l">
+              <a:spcBef>
+                <a:spcPts val="1600"/>
+              </a:spcBef>
+              <a:spcAft>
+                <a:spcPts val="1600"/>
+              </a:spcAft>
+              <a:buNone/>
+            </a:pPr>
+            <a:r>
+              <a:rPr lang="en-GB" sz="1600">
+                <a:solidFill>
+                  <a:schemeClr val="lt1"/>
+                </a:solidFill>
+                <a:latin typeface="Lato"/>
+                <a:ea typeface="Lato"/>
+                <a:cs typeface="Lato"/>
+                <a:sym typeface="Lato"/>
+              </a:rPr>
+              <a:t>Iterations required &lt;= 100. </a:t>
             </a:r>
             <a:endParaRPr/>
           </a:p>
@@ -13038,7 +15676,7 @@
             </a:pPr>
             <a:r>
               <a:rPr lang="en-GB"/>
-              <a:t>Outline</a:t>
+              <a:t>What is ‘Knight’s Tour?</a:t>
             </a:r>
             <a:endParaRPr/>
           </a:p>
@@ -13054,7 +15692,7 @@
         </p:nvSpPr>
         <p:spPr>
           <a:xfrm>
-            <a:off x="1297500" y="1357500"/>
+            <a:off x="1297500" y="1307850"/>
             <a:ext cx="7038900" cy="2911200"/>
           </a:xfrm>
           <a:prstGeom prst="rect">
@@ -13068,6 +15706,9 @@
           <a:lstStyle/>
           <a:p>
             <a:pPr indent="-311150" lvl="0" marL="457200" rtl="0" algn="l">
+              <a:lnSpc>
+                <a:spcPct val="200000"/>
+              </a:lnSpc>
               <a:spcBef>
                 <a:spcPts val="0"/>
               </a:spcBef>
@@ -13079,12 +15720,23 @@
             </a:pPr>
             <a:r>
               <a:rPr lang="en-GB"/>
-              <a:t>What is Knight's Tour.</a:t>
+              <a:t>Hamiltonian Tour of a Chess </a:t>
+            </a:r>
+            <a:r>
+              <a:rPr lang="en-GB"/>
+              <a:t>k</a:t>
+            </a:r>
+            <a:r>
+              <a:rPr lang="en-GB"/>
+              <a:t>night.</a:t>
             </a:r>
             <a:endParaRPr/>
           </a:p>
           <a:p>
             <a:pPr indent="-311150" lvl="0" marL="457200" rtl="0" algn="l">
+              <a:lnSpc>
+                <a:spcPct val="200000"/>
+              </a:lnSpc>
               <a:spcBef>
                 <a:spcPts val="0"/>
               </a:spcBef>
@@ -13096,12 +15748,15 @@
             </a:pPr>
             <a:r>
               <a:rPr lang="en-GB"/>
-              <a:t>Knights Graph.</a:t>
+              <a:t>Start on a Random Square.</a:t>
             </a:r>
             <a:endParaRPr/>
           </a:p>
           <a:p>
             <a:pPr indent="-311150" lvl="0" marL="457200" rtl="0" algn="l">
+              <a:lnSpc>
+                <a:spcPct val="200000"/>
+              </a:lnSpc>
               <a:spcBef>
                 <a:spcPts val="0"/>
               </a:spcBef>
@@ -13113,63 +15768,15 @@
             </a:pPr>
             <a:r>
               <a:rPr lang="en-GB"/>
-              <a:t>BackTracking</a:t>
+              <a:t>Visit each square exactly once.</a:t>
             </a:r>
             <a:endParaRPr/>
           </a:p>
           <a:p>
-            <a:pPr indent="-311150" lvl="1" marL="914400" rtl="0" algn="l">
-              <a:spcBef>
-                <a:spcPts val="0"/>
-              </a:spcBef>
-              <a:spcAft>
-                <a:spcPts val="0"/>
-              </a:spcAft>
-              <a:buSzPts val="1300"/>
-              <a:buChar char="○"/>
-            </a:pPr>
-            <a:r>
-              <a:rPr lang="en-GB" sz="1300"/>
-              <a:t>Algorithm</a:t>
-            </a:r>
-            <a:endParaRPr sz="1300"/>
-          </a:p>
-          <a:p>
-            <a:pPr indent="-311150" lvl="1" marL="914400" rtl="0" algn="l">
-              <a:spcBef>
-                <a:spcPts val="0"/>
-              </a:spcBef>
-              <a:spcAft>
-                <a:spcPts val="0"/>
-              </a:spcAft>
-              <a:buSzPts val="1300"/>
-              <a:buChar char="○"/>
-            </a:pPr>
-            <a:r>
-              <a:rPr lang="en-GB" sz="1300"/>
-              <a:t>Complexity Analysis</a:t>
-            </a:r>
-            <a:endParaRPr sz="1300"/>
-          </a:p>
-          <a:p>
-            <a:pPr indent="-311150" lvl="1" marL="914400" rtl="0" algn="l">
-              <a:spcBef>
-                <a:spcPts val="0"/>
-              </a:spcBef>
-              <a:spcAft>
-                <a:spcPts val="0"/>
-              </a:spcAft>
-              <a:buSzPts val="1300"/>
-              <a:buChar char="○"/>
-            </a:pPr>
-            <a:r>
-              <a:rPr lang="en-GB" sz="1300"/>
-              <a:t>Example</a:t>
-            </a:r>
-            <a:endParaRPr sz="1300"/>
-          </a:p>
-          <a:p>
             <a:pPr indent="-311150" lvl="0" marL="457200" rtl="0" algn="l">
+              <a:lnSpc>
+                <a:spcPct val="200000"/>
+              </a:lnSpc>
               <a:spcBef>
                 <a:spcPts val="0"/>
               </a:spcBef>
@@ -13181,80 +15788,15 @@
             </a:pPr>
             <a:r>
               <a:rPr lang="en-GB"/>
-              <a:t>Heuristics (Warnsdorff's Rule)</a:t>
+              <a:t>Tour can be Open/ Closed just like Hamiltonian.</a:t>
             </a:r>
             <a:endParaRPr/>
           </a:p>
           <a:p>
-            <a:pPr indent="-311150" lvl="1" marL="914400" rtl="0" algn="l">
-              <a:spcBef>
-                <a:spcPts val="0"/>
-              </a:spcBef>
-              <a:spcAft>
-                <a:spcPts val="0"/>
-              </a:spcAft>
-              <a:buSzPts val="1300"/>
-              <a:buChar char="○"/>
-            </a:pPr>
-            <a:r>
-              <a:rPr lang="en-GB" sz="1300"/>
-              <a:t>Algorithm</a:t>
-            </a:r>
-            <a:endParaRPr sz="1300"/>
-          </a:p>
-          <a:p>
-            <a:pPr indent="-311150" lvl="1" marL="914400" rtl="0" algn="l">
-              <a:spcBef>
-                <a:spcPts val="0"/>
-              </a:spcBef>
-              <a:spcAft>
-                <a:spcPts val="0"/>
-              </a:spcAft>
-              <a:buSzPts val="1300"/>
-              <a:buChar char="○"/>
-            </a:pPr>
-            <a:r>
-              <a:rPr lang="en-GB" sz="1300"/>
-              <a:t>Visualization</a:t>
-            </a:r>
-            <a:endParaRPr sz="1300"/>
-          </a:p>
-          <a:p>
-            <a:pPr indent="-311150" lvl="1" marL="914400" rtl="0" algn="l">
-              <a:spcBef>
-                <a:spcPts val="0"/>
-              </a:spcBef>
-              <a:spcAft>
-                <a:spcPts val="0"/>
-              </a:spcAft>
-              <a:buSzPts val="1300"/>
-              <a:buChar char="○"/>
-            </a:pPr>
-            <a:r>
-              <a:rPr lang="en-GB" sz="1300"/>
-              <a:t>Complexity Analysis</a:t>
-            </a:r>
-            <a:endParaRPr sz="1300"/>
-          </a:p>
-          <a:p>
-            <a:pPr indent="-311150" lvl="1" marL="914400" rtl="0" algn="l">
-              <a:spcBef>
-                <a:spcPts val="0"/>
-              </a:spcBef>
-              <a:spcAft>
-                <a:spcPts val="0"/>
-              </a:spcAft>
-              <a:buSzPts val="1300"/>
-              <a:buChar char="○"/>
-            </a:pPr>
-            <a:r>
-              <a:rPr lang="en-GB" sz="1300"/>
-              <a:t>Example</a:t>
-            </a:r>
-            <a:endParaRPr sz="1300"/>
-          </a:p>
-          <a:p>
             <a:pPr indent="-311150" lvl="0" marL="457200" rtl="0" algn="l">
+              <a:lnSpc>
+                <a:spcPct val="200000"/>
+              </a:lnSpc>
               <a:spcBef>
                 <a:spcPts val="0"/>
               </a:spcBef>
@@ -13266,7 +15808,1440 @@
             </a:pPr>
             <a:r>
               <a:rPr lang="en-GB"/>
-              <a:t>References</a:t>
+              <a:t>Variations of knight's tour problem.</a:t>
+            </a:r>
+            <a:endParaRPr/>
+          </a:p>
+          <a:p>
+            <a:pPr indent="-298450" lvl="1" marL="914400" rtl="0" algn="l">
+              <a:lnSpc>
+                <a:spcPct val="200000"/>
+              </a:lnSpc>
+              <a:spcBef>
+                <a:spcPts val="0"/>
+              </a:spcBef>
+              <a:spcAft>
+                <a:spcPts val="0"/>
+              </a:spcAft>
+              <a:buSzPts val="1100"/>
+              <a:buChar char="○"/>
+            </a:pPr>
+            <a:r>
+              <a:rPr lang="en-GB"/>
+              <a:t>Tour on a n*m Board.</a:t>
+            </a:r>
+            <a:endParaRPr/>
+          </a:p>
+          <a:p>
+            <a:pPr indent="-298450" lvl="1" marL="914400" rtl="0" algn="l">
+              <a:lnSpc>
+                <a:spcPct val="200000"/>
+              </a:lnSpc>
+              <a:spcBef>
+                <a:spcPts val="0"/>
+              </a:spcBef>
+              <a:spcAft>
+                <a:spcPts val="0"/>
+              </a:spcAft>
+              <a:buSzPts val="1100"/>
+              <a:buChar char="○"/>
+            </a:pPr>
+            <a:r>
+              <a:rPr lang="en-GB"/>
+              <a:t>Irregular Board possibly with holes.</a:t>
+            </a:r>
+            <a:endParaRPr/>
+          </a:p>
+        </p:txBody>
+      </p:sp>
+    </p:spTree>
+  </p:cSld>
+  <p:clrMapOvr>
+    <a:masterClrMapping/>
+  </p:clrMapOvr>
+</p:sld>
+</file>
+
+<file path=ppt/slides/slide20.xml><?xml version="1.0" encoding="utf-8"?>
+<p:sld xmlns:a="http://schemas.openxmlformats.org/drawingml/2006/main" xmlns:r="http://schemas.openxmlformats.org/officeDocument/2006/relationships" xmlns:mc="http://schemas.openxmlformats.org/markup-compatibility/2006" xmlns:mv="urn:schemas-microsoft-com:mac:vml" xmlns:p="http://schemas.openxmlformats.org/presentationml/2006/main" xmlns:c="http://schemas.openxmlformats.org/drawingml/2006/chart" xmlns:dgm="http://schemas.openxmlformats.org/drawingml/2006/diagram" xmlns:o="urn:schemas-microsoft-com:office:office" xmlns:v="urn:schemas-microsoft-com:vml" xmlns:pvml="urn:schemas-microsoft-com:office:powerpoint" xmlns:com="http://schemas.openxmlformats.org/drawingml/2006/compatibility" xmlns:p14="http://schemas.microsoft.com/office/powerpoint/2010/main" xmlns:p15="http://schemas.microsoft.com/office/powerpoint/2012/main" xmlns:ahyp="http://schemas.microsoft.com/office/drawing/2018/hyperlinkcolor">
+  <p:cSld>
+    <p:spTree>
+      <p:nvGrpSpPr>
+        <p:cNvPr id="260" name="Shape 260"/>
+        <p:cNvGrpSpPr/>
+        <p:nvPr/>
+      </p:nvGrpSpPr>
+      <p:grpSpPr>
+        <a:xfrm>
+          <a:off x="0" y="0"/>
+          <a:ext cx="0" cy="0"/>
+          <a:chOff x="0" y="0"/>
+          <a:chExt cx="0" cy="0"/>
+        </a:xfrm>
+      </p:grpSpPr>
+      <p:pic>
+        <p:nvPicPr>
+          <p:cNvPr id="261" name="Google Shape;261;p32"/>
+          <p:cNvPicPr preferRelativeResize="0"/>
+          <p:nvPr/>
+        </p:nvPicPr>
+        <p:blipFill>
+          <a:blip r:embed="rId3">
+            <a:alphaModFix/>
+          </a:blip>
+          <a:stretch>
+            <a:fillRect/>
+          </a:stretch>
+        </p:blipFill>
+        <p:spPr>
+          <a:xfrm>
+            <a:off x="725925" y="855450"/>
+            <a:ext cx="3417725" cy="3797225"/>
+          </a:xfrm>
+          <a:prstGeom prst="rect">
+            <a:avLst/>
+          </a:prstGeom>
+          <a:noFill/>
+          <a:ln>
+            <a:noFill/>
+          </a:ln>
+        </p:spPr>
+      </p:pic>
+      <p:pic>
+        <p:nvPicPr>
+          <p:cNvPr id="262" name="Google Shape;262;p32"/>
+          <p:cNvPicPr preferRelativeResize="0"/>
+          <p:nvPr/>
+        </p:nvPicPr>
+        <p:blipFill>
+          <a:blip r:embed="rId4">
+            <a:alphaModFix/>
+          </a:blip>
+          <a:stretch>
+            <a:fillRect/>
+          </a:stretch>
+        </p:blipFill>
+        <p:spPr>
+          <a:xfrm>
+            <a:off x="4740851" y="855450"/>
+            <a:ext cx="3667875" cy="3797225"/>
+          </a:xfrm>
+          <a:prstGeom prst="rect">
+            <a:avLst/>
+          </a:prstGeom>
+          <a:noFill/>
+          <a:ln>
+            <a:noFill/>
+          </a:ln>
+        </p:spPr>
+      </p:pic>
+    </p:spTree>
+  </p:cSld>
+  <p:clrMapOvr>
+    <a:masterClrMapping/>
+  </p:clrMapOvr>
+</p:sld>
+</file>
+
+<file path=ppt/slides/slide21.xml><?xml version="1.0" encoding="utf-8"?>
+<p:sld xmlns:a="http://schemas.openxmlformats.org/drawingml/2006/main" xmlns:r="http://schemas.openxmlformats.org/officeDocument/2006/relationships" xmlns:mc="http://schemas.openxmlformats.org/markup-compatibility/2006" xmlns:mv="urn:schemas-microsoft-com:mac:vml" xmlns:p="http://schemas.openxmlformats.org/presentationml/2006/main" xmlns:c="http://schemas.openxmlformats.org/drawingml/2006/chart" xmlns:dgm="http://schemas.openxmlformats.org/drawingml/2006/diagram" xmlns:o="urn:schemas-microsoft-com:office:office" xmlns:v="urn:schemas-microsoft-com:vml" xmlns:pvml="urn:schemas-microsoft-com:office:powerpoint" xmlns:com="http://schemas.openxmlformats.org/drawingml/2006/compatibility" xmlns:p14="http://schemas.microsoft.com/office/powerpoint/2010/main" xmlns:p15="http://schemas.microsoft.com/office/powerpoint/2012/main" xmlns:ahyp="http://schemas.microsoft.com/office/drawing/2018/hyperlinkcolor">
+  <p:cSld>
+    <p:spTree>
+      <p:nvGrpSpPr>
+        <p:cNvPr id="266" name="Shape 266"/>
+        <p:cNvGrpSpPr/>
+        <p:nvPr/>
+      </p:nvGrpSpPr>
+      <p:grpSpPr>
+        <a:xfrm>
+          <a:off x="0" y="0"/>
+          <a:ext cx="0" cy="0"/>
+          <a:chOff x="0" y="0"/>
+          <a:chExt cx="0" cy="0"/>
+        </a:xfrm>
+      </p:grpSpPr>
+      <p:sp>
+        <p:nvSpPr>
+          <p:cNvPr id="267" name="Google Shape;267;p33"/>
+          <p:cNvSpPr txBox="1"/>
+          <p:nvPr>
+            <p:ph type="title"/>
+          </p:nvPr>
+        </p:nvSpPr>
+        <p:spPr>
+          <a:xfrm>
+            <a:off x="823850" y="2053000"/>
+            <a:ext cx="4587000" cy="1148700"/>
+          </a:xfrm>
+          <a:prstGeom prst="rect">
+            <a:avLst/>
+          </a:prstGeom>
+        </p:spPr>
+        <p:txBody>
+          <a:bodyPr anchorCtr="0" anchor="ctr" bIns="91425" lIns="91425" spcFirstLastPara="1" rIns="91425" wrap="square" tIns="91425">
+            <a:noAutofit/>
+          </a:bodyPr>
+          <a:lstStyle/>
+          <a:p>
+            <a:pPr indent="0" lvl="0" marL="0" rtl="0" algn="l">
+              <a:spcBef>
+                <a:spcPts val="0"/>
+              </a:spcBef>
+              <a:spcAft>
+                <a:spcPts val="0"/>
+              </a:spcAft>
+              <a:buNone/>
+            </a:pPr>
+            <a:r>
+              <a:rPr lang="en-GB"/>
+              <a:t>General Knight Tour</a:t>
+            </a:r>
+            <a:endParaRPr/>
+          </a:p>
+        </p:txBody>
+      </p:sp>
+    </p:spTree>
+  </p:cSld>
+  <p:clrMapOvr>
+    <a:masterClrMapping/>
+  </p:clrMapOvr>
+</p:sld>
+</file>
+
+<file path=ppt/slides/slide22.xml><?xml version="1.0" encoding="utf-8"?>
+<p:sld xmlns:a="http://schemas.openxmlformats.org/drawingml/2006/main" xmlns:r="http://schemas.openxmlformats.org/officeDocument/2006/relationships" xmlns:mc="http://schemas.openxmlformats.org/markup-compatibility/2006" xmlns:mv="urn:schemas-microsoft-com:mac:vml" xmlns:p="http://schemas.openxmlformats.org/presentationml/2006/main" xmlns:c="http://schemas.openxmlformats.org/drawingml/2006/chart" xmlns:dgm="http://schemas.openxmlformats.org/drawingml/2006/diagram" xmlns:o="urn:schemas-microsoft-com:office:office" xmlns:v="urn:schemas-microsoft-com:vml" xmlns:pvml="urn:schemas-microsoft-com:office:powerpoint" xmlns:com="http://schemas.openxmlformats.org/drawingml/2006/compatibility" xmlns:p14="http://schemas.microsoft.com/office/powerpoint/2010/main" xmlns:p15="http://schemas.microsoft.com/office/powerpoint/2012/main" xmlns:ahyp="http://schemas.microsoft.com/office/drawing/2018/hyperlinkcolor">
+  <p:cSld>
+    <p:spTree>
+      <p:nvGrpSpPr>
+        <p:cNvPr id="271" name="Shape 271"/>
+        <p:cNvGrpSpPr/>
+        <p:nvPr/>
+      </p:nvGrpSpPr>
+      <p:grpSpPr>
+        <a:xfrm>
+          <a:off x="0" y="0"/>
+          <a:ext cx="0" cy="0"/>
+          <a:chOff x="0" y="0"/>
+          <a:chExt cx="0" cy="0"/>
+        </a:xfrm>
+      </p:grpSpPr>
+      <p:sp>
+        <p:nvSpPr>
+          <p:cNvPr id="272" name="Google Shape;272;p34"/>
+          <p:cNvSpPr txBox="1"/>
+          <p:nvPr>
+            <p:ph type="title"/>
+          </p:nvPr>
+        </p:nvSpPr>
+        <p:spPr>
+          <a:xfrm>
+            <a:off x="1297500" y="393750"/>
+            <a:ext cx="7038900" cy="914100"/>
+          </a:xfrm>
+          <a:prstGeom prst="rect">
+            <a:avLst/>
+          </a:prstGeom>
+        </p:spPr>
+        <p:txBody>
+          <a:bodyPr anchorCtr="0" anchor="t" bIns="91425" lIns="91425" spcFirstLastPara="1" rIns="91425" wrap="square" tIns="91425">
+            <a:noAutofit/>
+          </a:bodyPr>
+          <a:lstStyle/>
+          <a:p>
+            <a:pPr indent="0" lvl="0" marL="0" rtl="0" algn="ctr">
+              <a:spcBef>
+                <a:spcPts val="0"/>
+              </a:spcBef>
+              <a:spcAft>
+                <a:spcPts val="0"/>
+              </a:spcAft>
+              <a:buNone/>
+            </a:pPr>
+            <a:r>
+              <a:rPr lang="en-GB"/>
+              <a:t>Board of Width 3</a:t>
+            </a:r>
+            <a:endParaRPr/>
+          </a:p>
+          <a:p>
+            <a:pPr indent="0" lvl="0" marL="0" rtl="0" algn="l">
+              <a:spcBef>
+                <a:spcPts val="0"/>
+              </a:spcBef>
+              <a:spcAft>
+                <a:spcPts val="0"/>
+              </a:spcAft>
+              <a:buNone/>
+            </a:pPr>
+            <a:r>
+              <a:t/>
+            </a:r>
+            <a:endParaRPr/>
+          </a:p>
+        </p:txBody>
+      </p:sp>
+      <p:sp>
+        <p:nvSpPr>
+          <p:cNvPr id="273" name="Google Shape;273;p34"/>
+          <p:cNvSpPr txBox="1"/>
+          <p:nvPr>
+            <p:ph idx="1" type="body"/>
+          </p:nvPr>
+        </p:nvSpPr>
+        <p:spPr>
+          <a:xfrm>
+            <a:off x="1297500" y="1567550"/>
+            <a:ext cx="7038900" cy="2911200"/>
+          </a:xfrm>
+          <a:prstGeom prst="rect">
+            <a:avLst/>
+          </a:prstGeom>
+        </p:spPr>
+        <p:txBody>
+          <a:bodyPr anchorCtr="0" anchor="t" bIns="91425" lIns="91425" spcFirstLastPara="1" rIns="91425" wrap="square" tIns="91425">
+            <a:noAutofit/>
+          </a:bodyPr>
+          <a:lstStyle/>
+          <a:p>
+            <a:pPr indent="0" lvl="0" marL="0" rtl="0" algn="ctr">
+              <a:spcBef>
+                <a:spcPts val="0"/>
+              </a:spcBef>
+              <a:spcAft>
+                <a:spcPts val="0"/>
+              </a:spcAft>
+              <a:buNone/>
+            </a:pPr>
+            <a:r>
+              <a:rPr lang="en-GB" sz="1700"/>
+              <a:t>There exists a tour on a 3 × m board unless m = 3, 5, 6. m </a:t>
+            </a:r>
+            <a:r>
+              <a:rPr lang="en-GB" sz="1800"/>
+              <a:t>≥3</a:t>
+            </a:r>
+            <a:endParaRPr sz="1800"/>
+          </a:p>
+          <a:p>
+            <a:pPr indent="0" lvl="0" marL="0" rtl="0" algn="ctr">
+              <a:spcBef>
+                <a:spcPts val="1600"/>
+              </a:spcBef>
+              <a:spcAft>
+                <a:spcPts val="0"/>
+              </a:spcAft>
+              <a:buNone/>
+            </a:pPr>
+            <a:r>
+              <a:t/>
+            </a:r>
+            <a:endParaRPr sz="1800"/>
+          </a:p>
+          <a:p>
+            <a:pPr indent="0" lvl="0" marL="0" rtl="0" algn="ctr">
+              <a:spcBef>
+                <a:spcPts val="1600"/>
+              </a:spcBef>
+              <a:spcAft>
+                <a:spcPts val="1600"/>
+              </a:spcAft>
+              <a:buNone/>
+            </a:pPr>
+            <a:r>
+              <a:rPr lang="en-GB" sz="1800"/>
+              <a:t>Tour on 3x3 ,3x5,3x6 does not exist can be proved easily .</a:t>
+            </a:r>
+            <a:endParaRPr sz="1800"/>
+          </a:p>
+        </p:txBody>
+      </p:sp>
+    </p:spTree>
+  </p:cSld>
+  <p:clrMapOvr>
+    <a:masterClrMapping/>
+  </p:clrMapOvr>
+</p:sld>
+</file>
+
+<file path=ppt/slides/slide23.xml><?xml version="1.0" encoding="utf-8"?>
+<p:sld xmlns:a="http://schemas.openxmlformats.org/drawingml/2006/main" xmlns:r="http://schemas.openxmlformats.org/officeDocument/2006/relationships" xmlns:mc="http://schemas.openxmlformats.org/markup-compatibility/2006" xmlns:mv="urn:schemas-microsoft-com:mac:vml" xmlns:p="http://schemas.openxmlformats.org/presentationml/2006/main" xmlns:c="http://schemas.openxmlformats.org/drawingml/2006/chart" xmlns:dgm="http://schemas.openxmlformats.org/drawingml/2006/diagram" xmlns:o="urn:schemas-microsoft-com:office:office" xmlns:v="urn:schemas-microsoft-com:vml" xmlns:pvml="urn:schemas-microsoft-com:office:powerpoint" xmlns:com="http://schemas.openxmlformats.org/drawingml/2006/compatibility" xmlns:p14="http://schemas.microsoft.com/office/powerpoint/2010/main" xmlns:p15="http://schemas.microsoft.com/office/powerpoint/2012/main" xmlns:ahyp="http://schemas.microsoft.com/office/drawing/2018/hyperlinkcolor">
+  <p:cSld>
+    <p:spTree>
+      <p:nvGrpSpPr>
+        <p:cNvPr id="277" name="Shape 277"/>
+        <p:cNvGrpSpPr/>
+        <p:nvPr/>
+      </p:nvGrpSpPr>
+      <p:grpSpPr>
+        <a:xfrm>
+          <a:off x="0" y="0"/>
+          <a:ext cx="0" cy="0"/>
+          <a:chOff x="0" y="0"/>
+          <a:chExt cx="0" cy="0"/>
+        </a:xfrm>
+      </p:grpSpPr>
+      <p:sp>
+        <p:nvSpPr>
+          <p:cNvPr id="278" name="Google Shape;278;p35"/>
+          <p:cNvSpPr txBox="1"/>
+          <p:nvPr>
+            <p:ph type="title"/>
+          </p:nvPr>
+        </p:nvSpPr>
+        <p:spPr>
+          <a:xfrm>
+            <a:off x="1297500" y="393750"/>
+            <a:ext cx="7038900" cy="914100"/>
+          </a:xfrm>
+          <a:prstGeom prst="rect">
+            <a:avLst/>
+          </a:prstGeom>
+        </p:spPr>
+        <p:txBody>
+          <a:bodyPr anchorCtr="0" anchor="t" bIns="91425" lIns="91425" spcFirstLastPara="1" rIns="91425" wrap="square" tIns="91425">
+            <a:noAutofit/>
+          </a:bodyPr>
+          <a:lstStyle/>
+          <a:p>
+            <a:pPr indent="0" lvl="0" marL="0" rtl="0" algn="ctr">
+              <a:spcBef>
+                <a:spcPts val="0"/>
+              </a:spcBef>
+              <a:spcAft>
+                <a:spcPts val="0"/>
+              </a:spcAft>
+              <a:buNone/>
+            </a:pPr>
+            <a:r>
+              <a:rPr lang="en-GB"/>
+              <a:t>Board of Width 3</a:t>
+            </a:r>
+            <a:endParaRPr/>
+          </a:p>
+          <a:p>
+            <a:pPr indent="0" lvl="0" marL="0" rtl="0" algn="l">
+              <a:spcBef>
+                <a:spcPts val="0"/>
+              </a:spcBef>
+              <a:spcAft>
+                <a:spcPts val="0"/>
+              </a:spcAft>
+              <a:buNone/>
+            </a:pPr>
+            <a:r>
+              <a:t/>
+            </a:r>
+            <a:endParaRPr/>
+          </a:p>
+        </p:txBody>
+      </p:sp>
+      <p:pic>
+        <p:nvPicPr>
+          <p:cNvPr id="279" name="Google Shape;279;p35"/>
+          <p:cNvPicPr preferRelativeResize="0"/>
+          <p:nvPr/>
+        </p:nvPicPr>
+        <p:blipFill>
+          <a:blip r:embed="rId3">
+            <a:alphaModFix/>
+          </a:blip>
+          <a:stretch>
+            <a:fillRect/>
+          </a:stretch>
+        </p:blipFill>
+        <p:spPr>
+          <a:xfrm>
+            <a:off x="1685550" y="1293575"/>
+            <a:ext cx="1590675" cy="1447800"/>
+          </a:xfrm>
+          <a:prstGeom prst="rect">
+            <a:avLst/>
+          </a:prstGeom>
+          <a:noFill/>
+          <a:ln>
+            <a:noFill/>
+          </a:ln>
+        </p:spPr>
+      </p:pic>
+      <p:pic>
+        <p:nvPicPr>
+          <p:cNvPr id="280" name="Google Shape;280;p35"/>
+          <p:cNvPicPr preferRelativeResize="0"/>
+          <p:nvPr/>
+        </p:nvPicPr>
+        <p:blipFill>
+          <a:blip r:embed="rId4">
+            <a:alphaModFix/>
+          </a:blip>
+          <a:stretch>
+            <a:fillRect/>
+          </a:stretch>
+        </p:blipFill>
+        <p:spPr>
+          <a:xfrm>
+            <a:off x="5345375" y="1279275"/>
+            <a:ext cx="2667000" cy="1476375"/>
+          </a:xfrm>
+          <a:prstGeom prst="rect">
+            <a:avLst/>
+          </a:prstGeom>
+          <a:noFill/>
+          <a:ln>
+            <a:noFill/>
+          </a:ln>
+        </p:spPr>
+      </p:pic>
+      <p:pic>
+        <p:nvPicPr>
+          <p:cNvPr id="281" name="Google Shape;281;p35"/>
+          <p:cNvPicPr preferRelativeResize="0"/>
+          <p:nvPr/>
+        </p:nvPicPr>
+        <p:blipFill>
+          <a:blip r:embed="rId5">
+            <a:alphaModFix/>
+          </a:blip>
+          <a:stretch>
+            <a:fillRect/>
+          </a:stretch>
+        </p:blipFill>
+        <p:spPr>
+          <a:xfrm>
+            <a:off x="5345375" y="3031138"/>
+            <a:ext cx="3600450" cy="1543050"/>
+          </a:xfrm>
+          <a:prstGeom prst="rect">
+            <a:avLst/>
+          </a:prstGeom>
+          <a:noFill/>
+          <a:ln>
+            <a:noFill/>
+          </a:ln>
+        </p:spPr>
+      </p:pic>
+      <p:pic>
+        <p:nvPicPr>
+          <p:cNvPr id="282" name="Google Shape;282;p35"/>
+          <p:cNvPicPr preferRelativeResize="0"/>
+          <p:nvPr/>
+        </p:nvPicPr>
+        <p:blipFill>
+          <a:blip r:embed="rId6">
+            <a:alphaModFix/>
+          </a:blip>
+          <a:stretch>
+            <a:fillRect/>
+          </a:stretch>
+        </p:blipFill>
+        <p:spPr>
+          <a:xfrm>
+            <a:off x="221625" y="3329725"/>
+            <a:ext cx="4019550" cy="1543050"/>
+          </a:xfrm>
+          <a:prstGeom prst="rect">
+            <a:avLst/>
+          </a:prstGeom>
+          <a:noFill/>
+          <a:ln>
+            <a:noFill/>
+          </a:ln>
+        </p:spPr>
+      </p:pic>
+    </p:spTree>
+  </p:cSld>
+  <p:clrMapOvr>
+    <a:masterClrMapping/>
+  </p:clrMapOvr>
+</p:sld>
+</file>
+
+<file path=ppt/slides/slide24.xml><?xml version="1.0" encoding="utf-8"?>
+<p:sld xmlns:a="http://schemas.openxmlformats.org/drawingml/2006/main" xmlns:r="http://schemas.openxmlformats.org/officeDocument/2006/relationships" xmlns:mc="http://schemas.openxmlformats.org/markup-compatibility/2006" xmlns:mv="urn:schemas-microsoft-com:mac:vml" xmlns:p="http://schemas.openxmlformats.org/presentationml/2006/main" xmlns:c="http://schemas.openxmlformats.org/drawingml/2006/chart" xmlns:dgm="http://schemas.openxmlformats.org/drawingml/2006/diagram" xmlns:o="urn:schemas-microsoft-com:office:office" xmlns:v="urn:schemas-microsoft-com:vml" xmlns:pvml="urn:schemas-microsoft-com:office:powerpoint" xmlns:com="http://schemas.openxmlformats.org/drawingml/2006/compatibility" xmlns:p14="http://schemas.microsoft.com/office/powerpoint/2010/main" xmlns:p15="http://schemas.microsoft.com/office/powerpoint/2012/main" xmlns:ahyp="http://schemas.microsoft.com/office/drawing/2018/hyperlinkcolor">
+  <p:cSld>
+    <p:spTree>
+      <p:nvGrpSpPr>
+        <p:cNvPr id="286" name="Shape 286"/>
+        <p:cNvGrpSpPr/>
+        <p:nvPr/>
+      </p:nvGrpSpPr>
+      <p:grpSpPr>
+        <a:xfrm>
+          <a:off x="0" y="0"/>
+          <a:ext cx="0" cy="0"/>
+          <a:chOff x="0" y="0"/>
+          <a:chExt cx="0" cy="0"/>
+        </a:xfrm>
+      </p:grpSpPr>
+      <p:sp>
+        <p:nvSpPr>
+          <p:cNvPr id="287" name="Google Shape;287;p36"/>
+          <p:cNvSpPr txBox="1"/>
+          <p:nvPr>
+            <p:ph type="title"/>
+          </p:nvPr>
+        </p:nvSpPr>
+        <p:spPr>
+          <a:xfrm>
+            <a:off x="1297500" y="393750"/>
+            <a:ext cx="7038900" cy="914100"/>
+          </a:xfrm>
+          <a:prstGeom prst="rect">
+            <a:avLst/>
+          </a:prstGeom>
+        </p:spPr>
+        <p:txBody>
+          <a:bodyPr anchorCtr="0" anchor="t" bIns="91425" lIns="91425" spcFirstLastPara="1" rIns="91425" wrap="square" tIns="91425">
+            <a:noAutofit/>
+          </a:bodyPr>
+          <a:lstStyle/>
+          <a:p>
+            <a:pPr indent="0" lvl="0" marL="0" rtl="0" algn="ctr">
+              <a:spcBef>
+                <a:spcPts val="0"/>
+              </a:spcBef>
+              <a:spcAft>
+                <a:spcPts val="0"/>
+              </a:spcAft>
+              <a:buNone/>
+            </a:pPr>
+            <a:r>
+              <a:rPr lang="en-GB"/>
+              <a:t>Board of Width 3</a:t>
+            </a:r>
+            <a:endParaRPr/>
+          </a:p>
+        </p:txBody>
+      </p:sp>
+      <p:pic>
+        <p:nvPicPr>
+          <p:cNvPr id="288" name="Google Shape;288;p36"/>
+          <p:cNvPicPr preferRelativeResize="0"/>
+          <p:nvPr/>
+        </p:nvPicPr>
+        <p:blipFill>
+          <a:blip r:embed="rId3">
+            <a:alphaModFix/>
+          </a:blip>
+          <a:stretch>
+            <a:fillRect/>
+          </a:stretch>
+        </p:blipFill>
+        <p:spPr>
+          <a:xfrm>
+            <a:off x="2133600" y="3260475"/>
+            <a:ext cx="4876800" cy="1352550"/>
+          </a:xfrm>
+          <a:prstGeom prst="rect">
+            <a:avLst/>
+          </a:prstGeom>
+          <a:noFill/>
+          <a:ln>
+            <a:noFill/>
+          </a:ln>
+        </p:spPr>
+      </p:pic>
+      <p:sp>
+        <p:nvSpPr>
+          <p:cNvPr id="289" name="Google Shape;289;p36"/>
+          <p:cNvSpPr txBox="1"/>
+          <p:nvPr/>
+        </p:nvSpPr>
+        <p:spPr>
+          <a:xfrm>
+            <a:off x="1246300" y="1127625"/>
+            <a:ext cx="6360000" cy="1958400"/>
+          </a:xfrm>
+          <a:prstGeom prst="rect">
+            <a:avLst/>
+          </a:prstGeom>
+          <a:noFill/>
+          <a:ln>
+            <a:noFill/>
+          </a:ln>
+        </p:spPr>
+        <p:txBody>
+          <a:bodyPr anchorCtr="0" anchor="t" bIns="91425" lIns="91425" spcFirstLastPara="1" rIns="91425" wrap="square" tIns="91425">
+            <a:noAutofit/>
+          </a:bodyPr>
+          <a:lstStyle/>
+          <a:p>
+            <a:pPr indent="0" lvl="0" marL="0" rtl="0" algn="ctr">
+              <a:lnSpc>
+                <a:spcPct val="115000"/>
+              </a:lnSpc>
+              <a:spcBef>
+                <a:spcPts val="0"/>
+              </a:spcBef>
+              <a:spcAft>
+                <a:spcPts val="1600"/>
+              </a:spcAft>
+              <a:buNone/>
+            </a:pPr>
+            <a:r>
+              <a:rPr lang="en-GB" sz="1700">
+                <a:solidFill>
+                  <a:schemeClr val="lt1"/>
+                </a:solidFill>
+                <a:latin typeface="Lato"/>
+                <a:ea typeface="Lato"/>
+                <a:cs typeface="Lato"/>
+                <a:sym typeface="Lato"/>
+              </a:rPr>
+              <a:t>On four tours mentioned in previous slide end in the square , from which you can jump on top left square of next board . </a:t>
+            </a:r>
+            <a:endParaRPr>
+              <a:latin typeface="Lato"/>
+              <a:ea typeface="Lato"/>
+              <a:cs typeface="Lato"/>
+              <a:sym typeface="Lato"/>
+            </a:endParaRPr>
+          </a:p>
+        </p:txBody>
+      </p:sp>
+    </p:spTree>
+  </p:cSld>
+  <p:clrMapOvr>
+    <a:masterClrMapping/>
+  </p:clrMapOvr>
+</p:sld>
+</file>
+
+<file path=ppt/slides/slide25.xml><?xml version="1.0" encoding="utf-8"?>
+<p:sld xmlns:a="http://schemas.openxmlformats.org/drawingml/2006/main" xmlns:r="http://schemas.openxmlformats.org/officeDocument/2006/relationships" xmlns:mc="http://schemas.openxmlformats.org/markup-compatibility/2006" xmlns:mv="urn:schemas-microsoft-com:mac:vml" xmlns:p="http://schemas.openxmlformats.org/presentationml/2006/main" xmlns:c="http://schemas.openxmlformats.org/drawingml/2006/chart" xmlns:dgm="http://schemas.openxmlformats.org/drawingml/2006/diagram" xmlns:o="urn:schemas-microsoft-com:office:office" xmlns:v="urn:schemas-microsoft-com:vml" xmlns:pvml="urn:schemas-microsoft-com:office:powerpoint" xmlns:com="http://schemas.openxmlformats.org/drawingml/2006/compatibility" xmlns:p14="http://schemas.microsoft.com/office/powerpoint/2010/main" xmlns:p15="http://schemas.microsoft.com/office/powerpoint/2012/main" xmlns:ahyp="http://schemas.microsoft.com/office/drawing/2018/hyperlinkcolor">
+  <p:cSld>
+    <p:spTree>
+      <p:nvGrpSpPr>
+        <p:cNvPr id="293" name="Shape 293"/>
+        <p:cNvGrpSpPr/>
+        <p:nvPr/>
+      </p:nvGrpSpPr>
+      <p:grpSpPr>
+        <a:xfrm>
+          <a:off x="0" y="0"/>
+          <a:ext cx="0" cy="0"/>
+          <a:chOff x="0" y="0"/>
+          <a:chExt cx="0" cy="0"/>
+        </a:xfrm>
+      </p:grpSpPr>
+      <p:sp>
+        <p:nvSpPr>
+          <p:cNvPr id="294" name="Google Shape;294;p37"/>
+          <p:cNvSpPr txBox="1"/>
+          <p:nvPr>
+            <p:ph type="title"/>
+          </p:nvPr>
+        </p:nvSpPr>
+        <p:spPr>
+          <a:xfrm>
+            <a:off x="1297500" y="393750"/>
+            <a:ext cx="7038900" cy="914100"/>
+          </a:xfrm>
+          <a:prstGeom prst="rect">
+            <a:avLst/>
+          </a:prstGeom>
+        </p:spPr>
+        <p:txBody>
+          <a:bodyPr anchorCtr="0" anchor="t" bIns="91425" lIns="91425" spcFirstLastPara="1" rIns="91425" wrap="square" tIns="91425">
+            <a:noAutofit/>
+          </a:bodyPr>
+          <a:lstStyle/>
+          <a:p>
+            <a:pPr indent="0" lvl="0" marL="0" rtl="0" algn="ctr">
+              <a:spcBef>
+                <a:spcPts val="0"/>
+              </a:spcBef>
+              <a:spcAft>
+                <a:spcPts val="0"/>
+              </a:spcAft>
+              <a:buNone/>
+            </a:pPr>
+            <a:r>
+              <a:rPr lang="en-GB"/>
+              <a:t>Board of Width 3</a:t>
+            </a:r>
+            <a:endParaRPr/>
+          </a:p>
+        </p:txBody>
+      </p:sp>
+      <p:sp>
+        <p:nvSpPr>
+          <p:cNvPr id="295" name="Google Shape;295;p37"/>
+          <p:cNvSpPr txBox="1"/>
+          <p:nvPr/>
+        </p:nvSpPr>
+        <p:spPr>
+          <a:xfrm>
+            <a:off x="1097934" y="1127625"/>
+            <a:ext cx="7092000" cy="3699300"/>
+          </a:xfrm>
+          <a:prstGeom prst="rect">
+            <a:avLst/>
+          </a:prstGeom>
+          <a:noFill/>
+          <a:ln>
+            <a:noFill/>
+          </a:ln>
+        </p:spPr>
+        <p:txBody>
+          <a:bodyPr anchorCtr="0" anchor="t" bIns="91425" lIns="91425" spcFirstLastPara="1" rIns="91425" wrap="square" tIns="91425">
+            <a:noAutofit/>
+          </a:bodyPr>
+          <a:lstStyle/>
+          <a:p>
+            <a:pPr indent="-304800" lvl="0" marL="457200" rtl="0" algn="l">
+              <a:lnSpc>
+                <a:spcPct val="200000"/>
+              </a:lnSpc>
+              <a:spcBef>
+                <a:spcPts val="0"/>
+              </a:spcBef>
+              <a:spcAft>
+                <a:spcPts val="0"/>
+              </a:spcAft>
+              <a:buClr>
+                <a:schemeClr val="lt1"/>
+              </a:buClr>
+              <a:buSzPts val="1200"/>
+              <a:buFont typeface="Lato"/>
+              <a:buChar char="●"/>
+            </a:pPr>
+            <a:r>
+              <a:rPr lang="en-GB" sz="1200">
+                <a:solidFill>
+                  <a:schemeClr val="lt1"/>
+                </a:solidFill>
+                <a:latin typeface="Lato"/>
+                <a:ea typeface="Lato"/>
+                <a:cs typeface="Lato"/>
+                <a:sym typeface="Lato"/>
+              </a:rPr>
+              <a:t>11 = 7+ 4</a:t>
+            </a:r>
+            <a:endParaRPr sz="1200">
+              <a:solidFill>
+                <a:schemeClr val="lt1"/>
+              </a:solidFill>
+              <a:latin typeface="Lato"/>
+              <a:ea typeface="Lato"/>
+              <a:cs typeface="Lato"/>
+              <a:sym typeface="Lato"/>
+            </a:endParaRPr>
+          </a:p>
+          <a:p>
+            <a:pPr indent="-304800" lvl="0" marL="457200" rtl="0" algn="l">
+              <a:lnSpc>
+                <a:spcPct val="200000"/>
+              </a:lnSpc>
+              <a:spcBef>
+                <a:spcPts val="0"/>
+              </a:spcBef>
+              <a:spcAft>
+                <a:spcPts val="0"/>
+              </a:spcAft>
+              <a:buClr>
+                <a:schemeClr val="lt1"/>
+              </a:buClr>
+              <a:buSzPts val="1200"/>
+              <a:buFont typeface="Lato"/>
+              <a:buChar char="●"/>
+            </a:pPr>
+            <a:r>
+              <a:rPr lang="en-GB" sz="1200">
+                <a:solidFill>
+                  <a:schemeClr val="lt1"/>
+                </a:solidFill>
+                <a:latin typeface="Lato"/>
+                <a:ea typeface="Lato"/>
+                <a:cs typeface="Lato"/>
+                <a:sym typeface="Lato"/>
+              </a:rPr>
+              <a:t>12  = 4 + 4 +4</a:t>
+            </a:r>
+            <a:endParaRPr sz="1200">
+              <a:solidFill>
+                <a:schemeClr val="lt1"/>
+              </a:solidFill>
+              <a:latin typeface="Lato"/>
+              <a:ea typeface="Lato"/>
+              <a:cs typeface="Lato"/>
+              <a:sym typeface="Lato"/>
+            </a:endParaRPr>
+          </a:p>
+          <a:p>
+            <a:pPr indent="-304800" lvl="0" marL="457200" rtl="0" algn="l">
+              <a:lnSpc>
+                <a:spcPct val="200000"/>
+              </a:lnSpc>
+              <a:spcBef>
+                <a:spcPts val="0"/>
+              </a:spcBef>
+              <a:spcAft>
+                <a:spcPts val="0"/>
+              </a:spcAft>
+              <a:buClr>
+                <a:schemeClr val="lt1"/>
+              </a:buClr>
+              <a:buSzPts val="1200"/>
+              <a:buFont typeface="Lato"/>
+              <a:buChar char="●"/>
+            </a:pPr>
+            <a:r>
+              <a:rPr lang="en-GB" sz="1200">
+                <a:solidFill>
+                  <a:schemeClr val="lt1"/>
+                </a:solidFill>
+                <a:latin typeface="Lato"/>
+                <a:ea typeface="Lato"/>
+                <a:cs typeface="Lato"/>
+                <a:sym typeface="Lato"/>
+              </a:rPr>
+              <a:t>13 = 9 + 4</a:t>
+            </a:r>
+            <a:endParaRPr sz="1200">
+              <a:solidFill>
+                <a:schemeClr val="lt1"/>
+              </a:solidFill>
+              <a:latin typeface="Lato"/>
+              <a:ea typeface="Lato"/>
+              <a:cs typeface="Lato"/>
+              <a:sym typeface="Lato"/>
+            </a:endParaRPr>
+          </a:p>
+          <a:p>
+            <a:pPr indent="-304800" lvl="0" marL="457200" rtl="0" algn="l">
+              <a:lnSpc>
+                <a:spcPct val="200000"/>
+              </a:lnSpc>
+              <a:spcBef>
+                <a:spcPts val="0"/>
+              </a:spcBef>
+              <a:spcAft>
+                <a:spcPts val="0"/>
+              </a:spcAft>
+              <a:buClr>
+                <a:schemeClr val="lt1"/>
+              </a:buClr>
+              <a:buSzPts val="1200"/>
+              <a:buFont typeface="Lato"/>
+              <a:buChar char="●"/>
+            </a:pPr>
+            <a:r>
+              <a:rPr lang="en-GB" sz="1200">
+                <a:solidFill>
+                  <a:schemeClr val="lt1"/>
+                </a:solidFill>
+                <a:latin typeface="Lato"/>
+                <a:ea typeface="Lato"/>
+                <a:cs typeface="Lato"/>
+                <a:sym typeface="Lato"/>
+              </a:rPr>
+              <a:t>14 = 10 + 4</a:t>
+            </a:r>
+            <a:endParaRPr sz="1200">
+              <a:solidFill>
+                <a:schemeClr val="lt1"/>
+              </a:solidFill>
+              <a:latin typeface="Lato"/>
+              <a:ea typeface="Lato"/>
+              <a:cs typeface="Lato"/>
+              <a:sym typeface="Lato"/>
+            </a:endParaRPr>
+          </a:p>
+          <a:p>
+            <a:pPr indent="-304800" lvl="0" marL="457200" rtl="0" algn="l">
+              <a:lnSpc>
+                <a:spcPct val="200000"/>
+              </a:lnSpc>
+              <a:spcBef>
+                <a:spcPts val="0"/>
+              </a:spcBef>
+              <a:spcAft>
+                <a:spcPts val="0"/>
+              </a:spcAft>
+              <a:buClr>
+                <a:schemeClr val="lt1"/>
+              </a:buClr>
+              <a:buSzPts val="1200"/>
+              <a:buFont typeface="Lato"/>
+              <a:buChar char="●"/>
+            </a:pPr>
+            <a:r>
+              <a:rPr lang="en-GB" sz="1200">
+                <a:solidFill>
+                  <a:schemeClr val="lt1"/>
+                </a:solidFill>
+                <a:latin typeface="Lato"/>
+                <a:ea typeface="Lato"/>
+                <a:cs typeface="Lato"/>
+                <a:sym typeface="Lato"/>
+              </a:rPr>
+              <a:t>15 = 4 + 4 + 7 </a:t>
+            </a:r>
+            <a:endParaRPr sz="1200">
+              <a:solidFill>
+                <a:schemeClr val="lt1"/>
+              </a:solidFill>
+              <a:latin typeface="Lato"/>
+              <a:ea typeface="Lato"/>
+              <a:cs typeface="Lato"/>
+              <a:sym typeface="Lato"/>
+            </a:endParaRPr>
+          </a:p>
+          <a:p>
+            <a:pPr indent="-304800" lvl="0" marL="457200" rtl="0" algn="l">
+              <a:lnSpc>
+                <a:spcPct val="200000"/>
+              </a:lnSpc>
+              <a:spcBef>
+                <a:spcPts val="0"/>
+              </a:spcBef>
+              <a:spcAft>
+                <a:spcPts val="0"/>
+              </a:spcAft>
+              <a:buClr>
+                <a:schemeClr val="lt1"/>
+              </a:buClr>
+              <a:buSzPts val="1200"/>
+              <a:buFont typeface="Lato"/>
+              <a:buChar char="●"/>
+            </a:pPr>
+            <a:r>
+              <a:rPr lang="en-GB" sz="1200">
+                <a:solidFill>
+                  <a:schemeClr val="lt1"/>
+                </a:solidFill>
+                <a:latin typeface="Lato"/>
+                <a:ea typeface="Lato"/>
+                <a:cs typeface="Lato"/>
+                <a:sym typeface="Lato"/>
+              </a:rPr>
+              <a:t>16 = 4 + 4 + 4 + 4</a:t>
+            </a:r>
+            <a:endParaRPr sz="1200">
+              <a:solidFill>
+                <a:schemeClr val="lt1"/>
+              </a:solidFill>
+              <a:latin typeface="Lato"/>
+              <a:ea typeface="Lato"/>
+              <a:cs typeface="Lato"/>
+              <a:sym typeface="Lato"/>
+            </a:endParaRPr>
+          </a:p>
+          <a:p>
+            <a:pPr indent="-304800" lvl="0" marL="457200" rtl="0" algn="l">
+              <a:lnSpc>
+                <a:spcPct val="200000"/>
+              </a:lnSpc>
+              <a:spcBef>
+                <a:spcPts val="0"/>
+              </a:spcBef>
+              <a:spcAft>
+                <a:spcPts val="0"/>
+              </a:spcAft>
+              <a:buClr>
+                <a:schemeClr val="lt1"/>
+              </a:buClr>
+              <a:buSzPts val="1200"/>
+              <a:buFont typeface="Lato"/>
+              <a:buChar char="●"/>
+            </a:pPr>
+            <a:r>
+              <a:rPr lang="en-GB" sz="1200">
+                <a:solidFill>
+                  <a:schemeClr val="lt1"/>
+                </a:solidFill>
+                <a:latin typeface="Lato"/>
+                <a:ea typeface="Lato"/>
+                <a:cs typeface="Lato"/>
+                <a:sym typeface="Lato"/>
+              </a:rPr>
+              <a:t>17 = 10 + 7</a:t>
+            </a:r>
+            <a:endParaRPr sz="1200">
+              <a:solidFill>
+                <a:schemeClr val="lt1"/>
+              </a:solidFill>
+              <a:latin typeface="Lato"/>
+              <a:ea typeface="Lato"/>
+              <a:cs typeface="Lato"/>
+              <a:sym typeface="Lato"/>
+            </a:endParaRPr>
+          </a:p>
+          <a:p>
+            <a:pPr indent="-304800" lvl="0" marL="457200" rtl="0" algn="l">
+              <a:lnSpc>
+                <a:spcPct val="200000"/>
+              </a:lnSpc>
+              <a:spcBef>
+                <a:spcPts val="0"/>
+              </a:spcBef>
+              <a:spcAft>
+                <a:spcPts val="0"/>
+              </a:spcAft>
+              <a:buClr>
+                <a:schemeClr val="lt1"/>
+              </a:buClr>
+              <a:buSzPts val="1200"/>
+              <a:buFont typeface="Lato"/>
+              <a:buChar char="●"/>
+            </a:pPr>
+            <a:r>
+              <a:rPr lang="en-GB" sz="1200">
+                <a:solidFill>
+                  <a:schemeClr val="lt1"/>
+                </a:solidFill>
+                <a:latin typeface="Lato"/>
+                <a:ea typeface="Lato"/>
+                <a:cs typeface="Lato"/>
+                <a:sym typeface="Lato"/>
+              </a:rPr>
+              <a:t>18 = 9 + 9</a:t>
+            </a:r>
+            <a:endParaRPr sz="1200">
+              <a:solidFill>
+                <a:schemeClr val="lt1"/>
+              </a:solidFill>
+              <a:latin typeface="Lato"/>
+              <a:ea typeface="Lato"/>
+              <a:cs typeface="Lato"/>
+              <a:sym typeface="Lato"/>
+            </a:endParaRPr>
+          </a:p>
+          <a:p>
+            <a:pPr indent="-304800" lvl="0" marL="457200" rtl="0" algn="l">
+              <a:lnSpc>
+                <a:spcPct val="200000"/>
+              </a:lnSpc>
+              <a:spcBef>
+                <a:spcPts val="0"/>
+              </a:spcBef>
+              <a:spcAft>
+                <a:spcPts val="0"/>
+              </a:spcAft>
+              <a:buClr>
+                <a:schemeClr val="lt1"/>
+              </a:buClr>
+              <a:buSzPts val="1200"/>
+              <a:buFont typeface="Lato"/>
+              <a:buChar char="●"/>
+            </a:pPr>
+            <a:r>
+              <a:rPr lang="en-GB" sz="1200">
+                <a:solidFill>
+                  <a:schemeClr val="lt1"/>
+                </a:solidFill>
+                <a:latin typeface="Lato"/>
+                <a:ea typeface="Lato"/>
+                <a:cs typeface="Lato"/>
+                <a:sym typeface="Lato"/>
+              </a:rPr>
+              <a:t>19 = 7 + 4 + 4 + 4 </a:t>
+            </a:r>
+            <a:endParaRPr sz="1200">
+              <a:solidFill>
+                <a:schemeClr val="lt1"/>
+              </a:solidFill>
+              <a:latin typeface="Lato"/>
+              <a:ea typeface="Lato"/>
+              <a:cs typeface="Lato"/>
+              <a:sym typeface="Lato"/>
+            </a:endParaRPr>
+          </a:p>
+          <a:p>
+            <a:pPr indent="-304800" lvl="0" marL="457200" rtl="0" algn="l">
+              <a:lnSpc>
+                <a:spcPct val="200000"/>
+              </a:lnSpc>
+              <a:spcBef>
+                <a:spcPts val="0"/>
+              </a:spcBef>
+              <a:spcAft>
+                <a:spcPts val="0"/>
+              </a:spcAft>
+              <a:buClr>
+                <a:schemeClr val="lt1"/>
+              </a:buClr>
+              <a:buSzPts val="1200"/>
+              <a:buFont typeface="Lato"/>
+              <a:buChar char="●"/>
+            </a:pPr>
+            <a:r>
+              <a:rPr lang="en-GB" sz="1200">
+                <a:solidFill>
+                  <a:schemeClr val="lt1"/>
+                </a:solidFill>
+                <a:latin typeface="Lato"/>
+                <a:ea typeface="Lato"/>
+                <a:cs typeface="Lato"/>
+                <a:sym typeface="Lato"/>
+              </a:rPr>
+              <a:t>10(n+1) + k  = (n*10)  + (10 + k )  ; 10+k can be replaced from above . </a:t>
+            </a:r>
+            <a:endParaRPr sz="1200">
+              <a:solidFill>
+                <a:schemeClr val="lt1"/>
+              </a:solidFill>
+              <a:latin typeface="Lato"/>
+              <a:ea typeface="Lato"/>
+              <a:cs typeface="Lato"/>
+              <a:sym typeface="Lato"/>
+            </a:endParaRPr>
+          </a:p>
+          <a:p>
+            <a:pPr indent="0" lvl="0" marL="914400" rtl="0" algn="l">
+              <a:lnSpc>
+                <a:spcPct val="200000"/>
+              </a:lnSpc>
+              <a:spcBef>
+                <a:spcPts val="1600"/>
+              </a:spcBef>
+              <a:spcAft>
+                <a:spcPts val="1600"/>
+              </a:spcAft>
+              <a:buNone/>
+            </a:pPr>
+            <a:r>
+              <a:t/>
+            </a:r>
+            <a:endParaRPr sz="1100">
+              <a:solidFill>
+                <a:schemeClr val="lt1"/>
+              </a:solidFill>
+              <a:latin typeface="Lato"/>
+              <a:ea typeface="Lato"/>
+              <a:cs typeface="Lato"/>
+              <a:sym typeface="Lato"/>
+            </a:endParaRPr>
+          </a:p>
+        </p:txBody>
+      </p:sp>
+    </p:spTree>
+  </p:cSld>
+  <p:clrMapOvr>
+    <a:masterClrMapping/>
+  </p:clrMapOvr>
+</p:sld>
+</file>
+
+<file path=ppt/slides/slide26.xml><?xml version="1.0" encoding="utf-8"?>
+<p:sld xmlns:a="http://schemas.openxmlformats.org/drawingml/2006/main" xmlns:r="http://schemas.openxmlformats.org/officeDocument/2006/relationships" xmlns:mc="http://schemas.openxmlformats.org/markup-compatibility/2006" xmlns:mv="urn:schemas-microsoft-com:mac:vml" xmlns:p="http://schemas.openxmlformats.org/presentationml/2006/main" xmlns:c="http://schemas.openxmlformats.org/drawingml/2006/chart" xmlns:dgm="http://schemas.openxmlformats.org/drawingml/2006/diagram" xmlns:o="urn:schemas-microsoft-com:office:office" xmlns:v="urn:schemas-microsoft-com:vml" xmlns:pvml="urn:schemas-microsoft-com:office:powerpoint" xmlns:com="http://schemas.openxmlformats.org/drawingml/2006/compatibility" xmlns:p14="http://schemas.microsoft.com/office/powerpoint/2010/main" xmlns:p15="http://schemas.microsoft.com/office/powerpoint/2012/main" xmlns:ahyp="http://schemas.microsoft.com/office/drawing/2018/hyperlinkcolor">
+  <p:cSld>
+    <p:spTree>
+      <p:nvGrpSpPr>
+        <p:cNvPr id="299" name="Shape 299"/>
+        <p:cNvGrpSpPr/>
+        <p:nvPr/>
+      </p:nvGrpSpPr>
+      <p:grpSpPr>
+        <a:xfrm>
+          <a:off x="0" y="0"/>
+          <a:ext cx="0" cy="0"/>
+          <a:chOff x="0" y="0"/>
+          <a:chExt cx="0" cy="0"/>
+        </a:xfrm>
+      </p:grpSpPr>
+      <p:sp>
+        <p:nvSpPr>
+          <p:cNvPr id="300" name="Google Shape;300;p38"/>
+          <p:cNvSpPr txBox="1"/>
+          <p:nvPr>
+            <p:ph idx="1" type="body"/>
+          </p:nvPr>
+        </p:nvSpPr>
+        <p:spPr>
+          <a:xfrm>
+            <a:off x="1138300" y="1255250"/>
+            <a:ext cx="7038900" cy="2911200"/>
+          </a:xfrm>
+          <a:prstGeom prst="rect">
+            <a:avLst/>
+          </a:prstGeom>
+        </p:spPr>
+        <p:txBody>
+          <a:bodyPr anchorCtr="0" anchor="ctr" bIns="91425" lIns="91425" spcFirstLastPara="1" rIns="91425" wrap="square" tIns="91425">
+            <a:noAutofit/>
+          </a:bodyPr>
+          <a:lstStyle/>
+          <a:p>
+            <a:pPr indent="0" lvl="0" marL="914400" rtl="0" algn="l">
+              <a:lnSpc>
+                <a:spcPct val="200000"/>
+              </a:lnSpc>
+              <a:spcBef>
+                <a:spcPts val="0"/>
+              </a:spcBef>
+              <a:spcAft>
+                <a:spcPts val="0"/>
+              </a:spcAft>
+              <a:buNone/>
+            </a:pPr>
+            <a:r>
+              <a:rPr lang="en-GB" sz="1800"/>
+              <a:t>The grey squares can be toured on a 4 × m board for m ≥ 5.</a:t>
+            </a:r>
+            <a:endParaRPr sz="1800"/>
+          </a:p>
+          <a:p>
+            <a:pPr indent="0" lvl="0" marL="914400" rtl="0" algn="l">
+              <a:lnSpc>
+                <a:spcPct val="200000"/>
+              </a:lnSpc>
+              <a:spcBef>
+                <a:spcPts val="1600"/>
+              </a:spcBef>
+              <a:spcAft>
+                <a:spcPts val="1600"/>
+              </a:spcAft>
+              <a:buNone/>
+            </a:pPr>
+            <a:r>
+              <a:t/>
+            </a:r>
+            <a:endParaRPr sz="1600"/>
+          </a:p>
+        </p:txBody>
+      </p:sp>
+      <p:sp>
+        <p:nvSpPr>
+          <p:cNvPr id="301" name="Google Shape;301;p38"/>
+          <p:cNvSpPr txBox="1"/>
+          <p:nvPr>
+            <p:ph type="title"/>
+          </p:nvPr>
+        </p:nvSpPr>
+        <p:spPr>
+          <a:xfrm>
+            <a:off x="1218400" y="413550"/>
+            <a:ext cx="7038900" cy="914100"/>
+          </a:xfrm>
+          <a:prstGeom prst="rect">
+            <a:avLst/>
+          </a:prstGeom>
+        </p:spPr>
+        <p:txBody>
+          <a:bodyPr anchorCtr="0" anchor="t" bIns="91425" lIns="91425" spcFirstLastPara="1" rIns="91425" wrap="square" tIns="91425">
+            <a:noAutofit/>
+          </a:bodyPr>
+          <a:lstStyle/>
+          <a:p>
+            <a:pPr indent="0" lvl="0" marL="0" rtl="0" algn="ctr">
+              <a:spcBef>
+                <a:spcPts val="0"/>
+              </a:spcBef>
+              <a:spcAft>
+                <a:spcPts val="0"/>
+              </a:spcAft>
+              <a:buNone/>
+            </a:pPr>
+            <a:r>
+              <a:rPr lang="en-GB"/>
+              <a:t>Board of Width 4</a:t>
+            </a:r>
+            <a:endParaRPr/>
+          </a:p>
+        </p:txBody>
+      </p:sp>
+    </p:spTree>
+  </p:cSld>
+  <p:clrMapOvr>
+    <a:masterClrMapping/>
+  </p:clrMapOvr>
+</p:sld>
+</file>
+
+<file path=ppt/slides/slide27.xml><?xml version="1.0" encoding="utf-8"?>
+<p:sld xmlns:a="http://schemas.openxmlformats.org/drawingml/2006/main" xmlns:r="http://schemas.openxmlformats.org/officeDocument/2006/relationships" xmlns:mc="http://schemas.openxmlformats.org/markup-compatibility/2006" xmlns:mv="urn:schemas-microsoft-com:mac:vml" xmlns:p="http://schemas.openxmlformats.org/presentationml/2006/main" xmlns:c="http://schemas.openxmlformats.org/drawingml/2006/chart" xmlns:dgm="http://schemas.openxmlformats.org/drawingml/2006/diagram" xmlns:o="urn:schemas-microsoft-com:office:office" xmlns:v="urn:schemas-microsoft-com:vml" xmlns:pvml="urn:schemas-microsoft-com:office:powerpoint" xmlns:com="http://schemas.openxmlformats.org/drawingml/2006/compatibility" xmlns:p14="http://schemas.microsoft.com/office/powerpoint/2010/main" xmlns:p15="http://schemas.microsoft.com/office/powerpoint/2012/main" xmlns:ahyp="http://schemas.microsoft.com/office/drawing/2018/hyperlinkcolor">
+  <p:cSld>
+    <p:spTree>
+      <p:nvGrpSpPr>
+        <p:cNvPr id="305" name="Shape 305"/>
+        <p:cNvGrpSpPr/>
+        <p:nvPr/>
+      </p:nvGrpSpPr>
+      <p:grpSpPr>
+        <a:xfrm>
+          <a:off x="0" y="0"/>
+          <a:ext cx="0" cy="0"/>
+          <a:chOff x="0" y="0"/>
+          <a:chExt cx="0" cy="0"/>
+        </a:xfrm>
+      </p:grpSpPr>
+      <p:sp>
+        <p:nvSpPr>
+          <p:cNvPr id="306" name="Google Shape;306;p39"/>
+          <p:cNvSpPr txBox="1"/>
+          <p:nvPr>
+            <p:ph type="title"/>
+          </p:nvPr>
+        </p:nvSpPr>
+        <p:spPr>
+          <a:xfrm>
+            <a:off x="1297500" y="393750"/>
+            <a:ext cx="7038900" cy="914100"/>
+          </a:xfrm>
+          <a:prstGeom prst="rect">
+            <a:avLst/>
+          </a:prstGeom>
+        </p:spPr>
+        <p:txBody>
+          <a:bodyPr anchorCtr="0" anchor="t" bIns="91425" lIns="91425" spcFirstLastPara="1" rIns="91425" wrap="square" tIns="91425">
+            <a:noAutofit/>
+          </a:bodyPr>
+          <a:lstStyle/>
+          <a:p>
+            <a:pPr indent="0" lvl="0" marL="0" rtl="0" algn="ctr">
+              <a:spcBef>
+                <a:spcPts val="0"/>
+              </a:spcBef>
+              <a:spcAft>
+                <a:spcPts val="0"/>
+              </a:spcAft>
+              <a:buNone/>
+            </a:pPr>
+            <a:r>
+              <a:rPr lang="en-GB"/>
+              <a:t>Board of Width 4</a:t>
+            </a:r>
+            <a:endParaRPr/>
+          </a:p>
+        </p:txBody>
+      </p:sp>
+      <p:sp>
+        <p:nvSpPr>
+          <p:cNvPr id="307" name="Google Shape;307;p39"/>
+          <p:cNvSpPr txBox="1"/>
+          <p:nvPr>
+            <p:ph idx="1" type="body"/>
+          </p:nvPr>
+        </p:nvSpPr>
+        <p:spPr>
+          <a:xfrm>
+            <a:off x="603375" y="1567550"/>
+            <a:ext cx="3610500" cy="2911200"/>
+          </a:xfrm>
+          <a:prstGeom prst="rect">
+            <a:avLst/>
+          </a:prstGeom>
+        </p:spPr>
+        <p:txBody>
+          <a:bodyPr anchorCtr="0" anchor="t" bIns="91425" lIns="91425" spcFirstLastPara="1" rIns="91425" wrap="square" tIns="91425">
+            <a:noAutofit/>
+          </a:bodyPr>
+          <a:lstStyle/>
+          <a:p>
+            <a:pPr indent="-311150" lvl="0" marL="457200" rtl="0" algn="l">
+              <a:spcBef>
+                <a:spcPts val="0"/>
+              </a:spcBef>
+              <a:spcAft>
+                <a:spcPts val="0"/>
+              </a:spcAft>
+              <a:buSzPts val="1300"/>
+              <a:buChar char="●"/>
+            </a:pPr>
+            <a:r>
+              <a:rPr lang="en-GB"/>
+              <a:t>Divide the board into colour white and grey .</a:t>
             </a:r>
             <a:endParaRPr/>
           </a:p>
@@ -13283,7 +17258,7 @@
             </a:pPr>
             <a:r>
               <a:rPr lang="en-GB"/>
-              <a:t>Future Work</a:t>
+              <a:t>Make first two in first column grey and next 2 as white or vise versa .</a:t>
             </a:r>
             <a:endParaRPr/>
           </a:p>
@@ -13300,12 +17275,340 @@
             </a:pPr>
             <a:r>
               <a:rPr lang="en-GB"/>
-              <a:t>Q&amp;A</a:t>
+              <a:t>Then keep alternating on next columns.</a:t>
             </a:r>
             <a:endParaRPr/>
           </a:p>
         </p:txBody>
       </p:sp>
+      <p:pic>
+        <p:nvPicPr>
+          <p:cNvPr id="308" name="Google Shape;308;p39"/>
+          <p:cNvPicPr preferRelativeResize="0"/>
+          <p:nvPr/>
+        </p:nvPicPr>
+        <p:blipFill>
+          <a:blip r:embed="rId3">
+            <a:alphaModFix/>
+          </a:blip>
+          <a:stretch>
+            <a:fillRect/>
+          </a:stretch>
+        </p:blipFill>
+        <p:spPr>
+          <a:xfrm>
+            <a:off x="5497950" y="2251550"/>
+            <a:ext cx="2838450" cy="1447800"/>
+          </a:xfrm>
+          <a:prstGeom prst="rect">
+            <a:avLst/>
+          </a:prstGeom>
+          <a:noFill/>
+          <a:ln>
+            <a:noFill/>
+          </a:ln>
+        </p:spPr>
+      </p:pic>
+    </p:spTree>
+  </p:cSld>
+  <p:clrMapOvr>
+    <a:masterClrMapping/>
+  </p:clrMapOvr>
+</p:sld>
+</file>
+
+<file path=ppt/slides/slide28.xml><?xml version="1.0" encoding="utf-8"?>
+<p:sld xmlns:a="http://schemas.openxmlformats.org/drawingml/2006/main" xmlns:r="http://schemas.openxmlformats.org/officeDocument/2006/relationships" xmlns:mc="http://schemas.openxmlformats.org/markup-compatibility/2006" xmlns:mv="urn:schemas-microsoft-com:mac:vml" xmlns:p="http://schemas.openxmlformats.org/presentationml/2006/main" xmlns:c="http://schemas.openxmlformats.org/drawingml/2006/chart" xmlns:dgm="http://schemas.openxmlformats.org/drawingml/2006/diagram" xmlns:o="urn:schemas-microsoft-com:office:office" xmlns:v="urn:schemas-microsoft-com:vml" xmlns:pvml="urn:schemas-microsoft-com:office:powerpoint" xmlns:com="http://schemas.openxmlformats.org/drawingml/2006/compatibility" xmlns:p14="http://schemas.microsoft.com/office/powerpoint/2010/main" xmlns:p15="http://schemas.microsoft.com/office/powerpoint/2012/main" xmlns:ahyp="http://schemas.microsoft.com/office/drawing/2018/hyperlinkcolor">
+  <p:cSld>
+    <p:spTree>
+      <p:nvGrpSpPr>
+        <p:cNvPr id="312" name="Shape 312"/>
+        <p:cNvGrpSpPr/>
+        <p:nvPr/>
+      </p:nvGrpSpPr>
+      <p:grpSpPr>
+        <a:xfrm>
+          <a:off x="0" y="0"/>
+          <a:ext cx="0" cy="0"/>
+          <a:chOff x="0" y="0"/>
+          <a:chExt cx="0" cy="0"/>
+        </a:xfrm>
+      </p:grpSpPr>
+      <p:sp>
+        <p:nvSpPr>
+          <p:cNvPr id="313" name="Google Shape;313;p40"/>
+          <p:cNvSpPr txBox="1"/>
+          <p:nvPr>
+            <p:ph type="title"/>
+          </p:nvPr>
+        </p:nvSpPr>
+        <p:spPr>
+          <a:xfrm>
+            <a:off x="1297500" y="393750"/>
+            <a:ext cx="7038900" cy="914100"/>
+          </a:xfrm>
+          <a:prstGeom prst="rect">
+            <a:avLst/>
+          </a:prstGeom>
+        </p:spPr>
+        <p:txBody>
+          <a:bodyPr anchorCtr="0" anchor="t" bIns="91425" lIns="91425" spcFirstLastPara="1" rIns="91425" wrap="square" tIns="91425">
+            <a:noAutofit/>
+          </a:bodyPr>
+          <a:lstStyle/>
+          <a:p>
+            <a:pPr indent="0" lvl="0" marL="0" rtl="0" algn="ctr">
+              <a:spcBef>
+                <a:spcPts val="0"/>
+              </a:spcBef>
+              <a:spcAft>
+                <a:spcPts val="0"/>
+              </a:spcAft>
+              <a:buNone/>
+            </a:pPr>
+            <a:r>
+              <a:rPr lang="en-GB"/>
+              <a:t>Board of Width 4</a:t>
+            </a:r>
+            <a:endParaRPr/>
+          </a:p>
+          <a:p>
+            <a:pPr indent="0" lvl="0" marL="0" rtl="0" algn="l">
+              <a:spcBef>
+                <a:spcPts val="0"/>
+              </a:spcBef>
+              <a:spcAft>
+                <a:spcPts val="0"/>
+              </a:spcAft>
+              <a:buNone/>
+            </a:pPr>
+            <a:r>
+              <a:t/>
+            </a:r>
+            <a:endParaRPr/>
+          </a:p>
+        </p:txBody>
+      </p:sp>
+      <p:sp>
+        <p:nvSpPr>
+          <p:cNvPr id="314" name="Google Shape;314;p40"/>
+          <p:cNvSpPr txBox="1"/>
+          <p:nvPr>
+            <p:ph idx="1" type="body"/>
+          </p:nvPr>
+        </p:nvSpPr>
+        <p:spPr>
+          <a:xfrm>
+            <a:off x="100650" y="1701300"/>
+            <a:ext cx="3470100" cy="3313500"/>
+          </a:xfrm>
+          <a:prstGeom prst="rect">
+            <a:avLst/>
+          </a:prstGeom>
+        </p:spPr>
+        <p:txBody>
+          <a:bodyPr anchorCtr="0" anchor="t" bIns="91425" lIns="91425" spcFirstLastPara="1" rIns="91425" wrap="square" tIns="91425">
+            <a:noAutofit/>
+          </a:bodyPr>
+          <a:lstStyle/>
+          <a:p>
+            <a:pPr indent="-311150" lvl="0" marL="457200" rtl="0" algn="l">
+              <a:spcBef>
+                <a:spcPts val="0"/>
+              </a:spcBef>
+              <a:spcAft>
+                <a:spcPts val="0"/>
+              </a:spcAft>
+              <a:buSzPts val="1300"/>
+              <a:buChar char="●"/>
+            </a:pPr>
+            <a:r>
+              <a:rPr lang="en-GB"/>
+              <a:t>Tour on Grey squares .</a:t>
+            </a:r>
+            <a:endParaRPr/>
+          </a:p>
+        </p:txBody>
+      </p:sp>
+      <p:pic>
+        <p:nvPicPr>
+          <p:cNvPr id="315" name="Google Shape;315;p40"/>
+          <p:cNvPicPr preferRelativeResize="0"/>
+          <p:nvPr/>
+        </p:nvPicPr>
+        <p:blipFill>
+          <a:blip r:embed="rId3">
+            <a:alphaModFix/>
+          </a:blip>
+          <a:stretch>
+            <a:fillRect/>
+          </a:stretch>
+        </p:blipFill>
+        <p:spPr>
+          <a:xfrm>
+            <a:off x="3884350" y="1529500"/>
+            <a:ext cx="5190433" cy="3530850"/>
+          </a:xfrm>
+          <a:prstGeom prst="rect">
+            <a:avLst/>
+          </a:prstGeom>
+          <a:noFill/>
+          <a:ln>
+            <a:noFill/>
+          </a:ln>
+        </p:spPr>
+      </p:pic>
+    </p:spTree>
+  </p:cSld>
+  <p:clrMapOvr>
+    <a:masterClrMapping/>
+  </p:clrMapOvr>
+</p:sld>
+</file>
+
+<file path=ppt/slides/slide29.xml><?xml version="1.0" encoding="utf-8"?>
+<p:sld xmlns:a="http://schemas.openxmlformats.org/drawingml/2006/main" xmlns:r="http://schemas.openxmlformats.org/officeDocument/2006/relationships" xmlns:mc="http://schemas.openxmlformats.org/markup-compatibility/2006" xmlns:mv="urn:schemas-microsoft-com:mac:vml" xmlns:p="http://schemas.openxmlformats.org/presentationml/2006/main" xmlns:c="http://schemas.openxmlformats.org/drawingml/2006/chart" xmlns:dgm="http://schemas.openxmlformats.org/drawingml/2006/diagram" xmlns:o="urn:schemas-microsoft-com:office:office" xmlns:v="urn:schemas-microsoft-com:vml" xmlns:pvml="urn:schemas-microsoft-com:office:powerpoint" xmlns:com="http://schemas.openxmlformats.org/drawingml/2006/compatibility" xmlns:p14="http://schemas.microsoft.com/office/powerpoint/2010/main" xmlns:p15="http://schemas.microsoft.com/office/powerpoint/2012/main" xmlns:ahyp="http://schemas.microsoft.com/office/drawing/2018/hyperlinkcolor">
+  <p:cSld>
+    <p:spTree>
+      <p:nvGrpSpPr>
+        <p:cNvPr id="319" name="Shape 319"/>
+        <p:cNvGrpSpPr/>
+        <p:nvPr/>
+      </p:nvGrpSpPr>
+      <p:grpSpPr>
+        <a:xfrm>
+          <a:off x="0" y="0"/>
+          <a:ext cx="0" cy="0"/>
+          <a:chOff x="0" y="0"/>
+          <a:chExt cx="0" cy="0"/>
+        </a:xfrm>
+      </p:grpSpPr>
+      <p:sp>
+        <p:nvSpPr>
+          <p:cNvPr id="320" name="Google Shape;320;p41"/>
+          <p:cNvSpPr txBox="1"/>
+          <p:nvPr>
+            <p:ph type="title"/>
+          </p:nvPr>
+        </p:nvSpPr>
+        <p:spPr>
+          <a:xfrm>
+            <a:off x="1297500" y="393750"/>
+            <a:ext cx="7038900" cy="914100"/>
+          </a:xfrm>
+          <a:prstGeom prst="rect">
+            <a:avLst/>
+          </a:prstGeom>
+        </p:spPr>
+        <p:txBody>
+          <a:bodyPr anchorCtr="0" anchor="t" bIns="91425" lIns="91425" spcFirstLastPara="1" rIns="91425" wrap="square" tIns="91425">
+            <a:noAutofit/>
+          </a:bodyPr>
+          <a:lstStyle/>
+          <a:p>
+            <a:pPr indent="0" lvl="0" marL="0" rtl="0" algn="ctr">
+              <a:spcBef>
+                <a:spcPts val="0"/>
+              </a:spcBef>
+              <a:spcAft>
+                <a:spcPts val="0"/>
+              </a:spcAft>
+              <a:buNone/>
+            </a:pPr>
+            <a:r>
+              <a:rPr lang="en-GB"/>
+              <a:t>Board of Width 4</a:t>
+            </a:r>
+            <a:endParaRPr/>
+          </a:p>
+        </p:txBody>
+      </p:sp>
+      <p:sp>
+        <p:nvSpPr>
+          <p:cNvPr id="321" name="Google Shape;321;p41"/>
+          <p:cNvSpPr txBox="1"/>
+          <p:nvPr>
+            <p:ph idx="1" type="body"/>
+          </p:nvPr>
+        </p:nvSpPr>
+        <p:spPr>
+          <a:xfrm>
+            <a:off x="207700" y="1839775"/>
+            <a:ext cx="3283800" cy="2789400"/>
+          </a:xfrm>
+          <a:prstGeom prst="rect">
+            <a:avLst/>
+          </a:prstGeom>
+        </p:spPr>
+        <p:txBody>
+          <a:bodyPr anchorCtr="0" anchor="t" bIns="91425" lIns="91425" spcFirstLastPara="1" rIns="91425" wrap="square" tIns="91425">
+            <a:noAutofit/>
+          </a:bodyPr>
+          <a:lstStyle/>
+          <a:p>
+            <a:pPr indent="-311150" lvl="0" marL="457200" rtl="0" algn="l">
+              <a:spcBef>
+                <a:spcPts val="0"/>
+              </a:spcBef>
+              <a:spcAft>
+                <a:spcPts val="0"/>
+              </a:spcAft>
+              <a:buSzPts val="1300"/>
+              <a:buChar char="●"/>
+            </a:pPr>
+            <a:r>
+              <a:rPr lang="en-GB"/>
+              <a:t>Tour on white squares.</a:t>
+            </a:r>
+            <a:endParaRPr/>
+          </a:p>
+          <a:p>
+            <a:pPr indent="-311150" lvl="0" marL="457200" rtl="0" algn="l">
+              <a:spcBef>
+                <a:spcPts val="0"/>
+              </a:spcBef>
+              <a:spcAft>
+                <a:spcPts val="0"/>
+              </a:spcAft>
+              <a:buSzPts val="1300"/>
+              <a:buChar char="●"/>
+            </a:pPr>
+            <a:r>
+              <a:rPr lang="en-GB"/>
+              <a:t>Star represent square where Tour on Grey squares end .</a:t>
+            </a:r>
+            <a:endParaRPr/>
+          </a:p>
+        </p:txBody>
+      </p:sp>
+      <p:pic>
+        <p:nvPicPr>
+          <p:cNvPr id="322" name="Google Shape;322;p41"/>
+          <p:cNvPicPr preferRelativeResize="0"/>
+          <p:nvPr/>
+        </p:nvPicPr>
+        <p:blipFill>
+          <a:blip r:embed="rId3">
+            <a:alphaModFix/>
+          </a:blip>
+          <a:stretch>
+            <a:fillRect/>
+          </a:stretch>
+        </p:blipFill>
+        <p:spPr>
+          <a:xfrm>
+            <a:off x="4732500" y="1612650"/>
+            <a:ext cx="4411505" cy="3530850"/>
+          </a:xfrm>
+          <a:prstGeom prst="rect">
+            <a:avLst/>
+          </a:prstGeom>
+          <a:noFill/>
+          <a:ln>
+            <a:noFill/>
+          </a:ln>
+        </p:spPr>
+      </p:pic>
     </p:spTree>
   </p:cSld>
   <p:clrMapOvr>
@@ -13365,7 +17668,7 @@
             </a:pPr>
             <a:r>
               <a:rPr lang="en-GB"/>
-              <a:t>What is ‘Knight’s Tour?</a:t>
+              <a:t>Knights Legal Moves</a:t>
             </a:r>
             <a:endParaRPr/>
           </a:p>
@@ -13374,243 +17677,6 @@
       <p:sp>
         <p:nvSpPr>
           <p:cNvPr id="148" name="Google Shape;148;p15"/>
-          <p:cNvSpPr txBox="1"/>
-          <p:nvPr>
-            <p:ph idx="1" type="body"/>
-          </p:nvPr>
-        </p:nvSpPr>
-        <p:spPr>
-          <a:xfrm>
-            <a:off x="1297500" y="1307850"/>
-            <a:ext cx="7038900" cy="2911200"/>
-          </a:xfrm>
-          <a:prstGeom prst="rect">
-            <a:avLst/>
-          </a:prstGeom>
-        </p:spPr>
-        <p:txBody>
-          <a:bodyPr anchorCtr="0" anchor="t" bIns="91425" lIns="91425" spcFirstLastPara="1" rIns="91425" wrap="square" tIns="91425">
-            <a:noAutofit/>
-          </a:bodyPr>
-          <a:lstStyle/>
-          <a:p>
-            <a:pPr indent="-311150" lvl="0" marL="457200" rtl="0" algn="l">
-              <a:lnSpc>
-                <a:spcPct val="200000"/>
-              </a:lnSpc>
-              <a:spcBef>
-                <a:spcPts val="0"/>
-              </a:spcBef>
-              <a:spcAft>
-                <a:spcPts val="0"/>
-              </a:spcAft>
-              <a:buSzPts val="1300"/>
-              <a:buChar char="●"/>
-            </a:pPr>
-            <a:r>
-              <a:rPr lang="en-GB"/>
-              <a:t>Hamiltonian Tour of a Chess </a:t>
-            </a:r>
-            <a:r>
-              <a:rPr lang="en-GB"/>
-              <a:t>k</a:t>
-            </a:r>
-            <a:r>
-              <a:rPr lang="en-GB"/>
-              <a:t>night.</a:t>
-            </a:r>
-            <a:endParaRPr/>
-          </a:p>
-          <a:p>
-            <a:pPr indent="-311150" lvl="0" marL="457200" rtl="0" algn="l">
-              <a:lnSpc>
-                <a:spcPct val="200000"/>
-              </a:lnSpc>
-              <a:spcBef>
-                <a:spcPts val="0"/>
-              </a:spcBef>
-              <a:spcAft>
-                <a:spcPts val="0"/>
-              </a:spcAft>
-              <a:buSzPts val="1300"/>
-              <a:buChar char="●"/>
-            </a:pPr>
-            <a:r>
-              <a:rPr lang="en-GB"/>
-              <a:t>Start on a Random Square.</a:t>
-            </a:r>
-            <a:endParaRPr/>
-          </a:p>
-          <a:p>
-            <a:pPr indent="-311150" lvl="0" marL="457200" rtl="0" algn="l">
-              <a:lnSpc>
-                <a:spcPct val="200000"/>
-              </a:lnSpc>
-              <a:spcBef>
-                <a:spcPts val="0"/>
-              </a:spcBef>
-              <a:spcAft>
-                <a:spcPts val="0"/>
-              </a:spcAft>
-              <a:buSzPts val="1300"/>
-              <a:buChar char="●"/>
-            </a:pPr>
-            <a:r>
-              <a:rPr lang="en-GB"/>
-              <a:t>Visit each square exactly once.</a:t>
-            </a:r>
-            <a:endParaRPr/>
-          </a:p>
-          <a:p>
-            <a:pPr indent="-311150" lvl="0" marL="457200" rtl="0" algn="l">
-              <a:lnSpc>
-                <a:spcPct val="200000"/>
-              </a:lnSpc>
-              <a:spcBef>
-                <a:spcPts val="0"/>
-              </a:spcBef>
-              <a:spcAft>
-                <a:spcPts val="0"/>
-              </a:spcAft>
-              <a:buSzPts val="1300"/>
-              <a:buChar char="●"/>
-            </a:pPr>
-            <a:r>
-              <a:rPr lang="en-GB"/>
-              <a:t>Tour can be Open/ Closed just like Hamiltonian.</a:t>
-            </a:r>
-            <a:endParaRPr/>
-          </a:p>
-          <a:p>
-            <a:pPr indent="-311150" lvl="0" marL="457200" rtl="0" algn="l">
-              <a:lnSpc>
-                <a:spcPct val="200000"/>
-              </a:lnSpc>
-              <a:spcBef>
-                <a:spcPts val="0"/>
-              </a:spcBef>
-              <a:spcAft>
-                <a:spcPts val="0"/>
-              </a:spcAft>
-              <a:buSzPts val="1300"/>
-              <a:buChar char="●"/>
-            </a:pPr>
-            <a:r>
-              <a:rPr lang="en-GB"/>
-              <a:t>Variations of knight's tour problem.</a:t>
-            </a:r>
-            <a:endParaRPr/>
-          </a:p>
-          <a:p>
-            <a:pPr indent="-298450" lvl="1" marL="914400" rtl="0" algn="l">
-              <a:lnSpc>
-                <a:spcPct val="200000"/>
-              </a:lnSpc>
-              <a:spcBef>
-                <a:spcPts val="0"/>
-              </a:spcBef>
-              <a:spcAft>
-                <a:spcPts val="0"/>
-              </a:spcAft>
-              <a:buSzPts val="1100"/>
-              <a:buChar char="○"/>
-            </a:pPr>
-            <a:r>
-              <a:rPr lang="en-GB"/>
-              <a:t>Tour on a n*m Board.</a:t>
-            </a:r>
-            <a:endParaRPr/>
-          </a:p>
-          <a:p>
-            <a:pPr indent="-298450" lvl="1" marL="914400" rtl="0" algn="l">
-              <a:lnSpc>
-                <a:spcPct val="200000"/>
-              </a:lnSpc>
-              <a:spcBef>
-                <a:spcPts val="0"/>
-              </a:spcBef>
-              <a:spcAft>
-                <a:spcPts val="0"/>
-              </a:spcAft>
-              <a:buSzPts val="1100"/>
-              <a:buChar char="○"/>
-            </a:pPr>
-            <a:r>
-              <a:rPr lang="en-GB"/>
-              <a:t>Irregular Board possibly with holes.</a:t>
-            </a:r>
-            <a:endParaRPr/>
-          </a:p>
-        </p:txBody>
-      </p:sp>
-    </p:spTree>
-  </p:cSld>
-  <p:clrMapOvr>
-    <a:masterClrMapping/>
-  </p:clrMapOvr>
-</p:sld>
-</file>
-
-<file path=ppt/slides/slide4.xml><?xml version="1.0" encoding="utf-8"?>
-<p:sld xmlns:a="http://schemas.openxmlformats.org/drawingml/2006/main" xmlns:r="http://schemas.openxmlformats.org/officeDocument/2006/relationships" xmlns:mc="http://schemas.openxmlformats.org/markup-compatibility/2006" xmlns:mv="urn:schemas-microsoft-com:mac:vml" xmlns:p="http://schemas.openxmlformats.org/presentationml/2006/main" xmlns:c="http://schemas.openxmlformats.org/drawingml/2006/chart" xmlns:dgm="http://schemas.openxmlformats.org/drawingml/2006/diagram" xmlns:o="urn:schemas-microsoft-com:office:office" xmlns:v="urn:schemas-microsoft-com:vml" xmlns:pvml="urn:schemas-microsoft-com:office:powerpoint" xmlns:com="http://schemas.openxmlformats.org/drawingml/2006/compatibility" xmlns:p14="http://schemas.microsoft.com/office/powerpoint/2010/main" xmlns:p15="http://schemas.microsoft.com/office/powerpoint/2012/main" xmlns:ahyp="http://schemas.microsoft.com/office/drawing/2018/hyperlinkcolor">
-  <p:cSld>
-    <p:spTree>
-      <p:nvGrpSpPr>
-        <p:cNvPr id="152" name="Shape 152"/>
-        <p:cNvGrpSpPr/>
-        <p:nvPr/>
-      </p:nvGrpSpPr>
-      <p:grpSpPr>
-        <a:xfrm>
-          <a:off x="0" y="0"/>
-          <a:ext cx="0" cy="0"/>
-          <a:chOff x="0" y="0"/>
-          <a:chExt cx="0" cy="0"/>
-        </a:xfrm>
-      </p:grpSpPr>
-      <p:sp>
-        <p:nvSpPr>
-          <p:cNvPr id="153" name="Google Shape;153;p16"/>
-          <p:cNvSpPr txBox="1"/>
-          <p:nvPr>
-            <p:ph type="title"/>
-          </p:nvPr>
-        </p:nvSpPr>
-        <p:spPr>
-          <a:xfrm>
-            <a:off x="1297500" y="393750"/>
-            <a:ext cx="7038900" cy="914100"/>
-          </a:xfrm>
-          <a:prstGeom prst="rect">
-            <a:avLst/>
-          </a:prstGeom>
-        </p:spPr>
-        <p:txBody>
-          <a:bodyPr anchorCtr="0" anchor="t" bIns="91425" lIns="91425" spcFirstLastPara="1" rIns="91425" wrap="square" tIns="91425">
-            <a:noAutofit/>
-          </a:bodyPr>
-          <a:lstStyle/>
-          <a:p>
-            <a:pPr indent="0" lvl="0" marL="0" rtl="0" algn="l">
-              <a:spcBef>
-                <a:spcPts val="0"/>
-              </a:spcBef>
-              <a:spcAft>
-                <a:spcPts val="0"/>
-              </a:spcAft>
-              <a:buNone/>
-            </a:pPr>
-            <a:r>
-              <a:rPr lang="en-GB"/>
-              <a:t>Knights Legal Moves</a:t>
-            </a:r>
-            <a:endParaRPr/>
-          </a:p>
-        </p:txBody>
-      </p:sp>
-      <p:sp>
-        <p:nvSpPr>
-          <p:cNvPr id="154" name="Google Shape;154;p16"/>
           <p:cNvSpPr txBox="1"/>
           <p:nvPr>
             <p:ph idx="1" type="body"/>
@@ -13683,7 +17749,7 @@
       </p:sp>
       <p:pic>
         <p:nvPicPr>
-          <p:cNvPr id="155" name="Google Shape;155;p16"/>
+          <p:cNvPr id="149" name="Google Shape;149;p15"/>
           <p:cNvPicPr preferRelativeResize="0"/>
           <p:nvPr/>
         </p:nvPicPr>
@@ -13717,12 +17783,12 @@
 </p:sld>
 </file>
 
-<file path=ppt/slides/slide5.xml><?xml version="1.0" encoding="utf-8"?>
+<file path=ppt/slides/slide30.xml><?xml version="1.0" encoding="utf-8"?>
 <p:sld xmlns:a="http://schemas.openxmlformats.org/drawingml/2006/main" xmlns:r="http://schemas.openxmlformats.org/officeDocument/2006/relationships" xmlns:mc="http://schemas.openxmlformats.org/markup-compatibility/2006" xmlns:mv="urn:schemas-microsoft-com:mac:vml" xmlns:p="http://schemas.openxmlformats.org/presentationml/2006/main" xmlns:c="http://schemas.openxmlformats.org/drawingml/2006/chart" xmlns:dgm="http://schemas.openxmlformats.org/drawingml/2006/diagram" xmlns:o="urn:schemas-microsoft-com:office:office" xmlns:v="urn:schemas-microsoft-com:vml" xmlns:pvml="urn:schemas-microsoft-com:office:powerpoint" xmlns:com="http://schemas.openxmlformats.org/drawingml/2006/compatibility" xmlns:p14="http://schemas.microsoft.com/office/powerpoint/2010/main" xmlns:p15="http://schemas.microsoft.com/office/powerpoint/2012/main" xmlns:ahyp="http://schemas.microsoft.com/office/drawing/2018/hyperlinkcolor">
   <p:cSld>
     <p:spTree>
       <p:nvGrpSpPr>
-        <p:cNvPr id="159" name="Shape 159"/>
+        <p:cNvPr id="326" name="Shape 326"/>
         <p:cNvGrpSpPr/>
         <p:nvPr/>
       </p:nvGrpSpPr>
@@ -13736,7 +17802,7 @@
       </p:grpSpPr>
       <p:sp>
         <p:nvSpPr>
-          <p:cNvPr id="160" name="Google Shape;160;p17"/>
+          <p:cNvPr id="327" name="Google Shape;327;p42"/>
           <p:cNvSpPr txBox="1"/>
           <p:nvPr>
             <p:ph type="title"/>
@@ -13768,6 +17834,235 @@
             </a:pPr>
             <a:r>
               <a:rPr lang="en-GB"/>
+              <a:t>References</a:t>
+            </a:r>
+            <a:endParaRPr/>
+          </a:p>
+        </p:txBody>
+      </p:sp>
+      <p:sp>
+        <p:nvSpPr>
+          <p:cNvPr id="328" name="Google Shape;328;p42"/>
+          <p:cNvSpPr txBox="1"/>
+          <p:nvPr>
+            <p:ph idx="1" type="body"/>
+          </p:nvPr>
+        </p:nvSpPr>
+        <p:spPr>
+          <a:xfrm>
+            <a:off x="1297500" y="1567550"/>
+            <a:ext cx="7038900" cy="2911200"/>
+          </a:xfrm>
+          <a:prstGeom prst="rect">
+            <a:avLst/>
+          </a:prstGeom>
+        </p:spPr>
+        <p:txBody>
+          <a:bodyPr anchorCtr="0" anchor="t" bIns="91425" lIns="91425" spcFirstLastPara="1" rIns="91425" wrap="square" tIns="91425">
+            <a:noAutofit/>
+          </a:bodyPr>
+          <a:lstStyle/>
+          <a:p>
+            <a:pPr indent="0" lvl="0" marL="0" rtl="0" algn="l">
+              <a:spcBef>
+                <a:spcPts val="0"/>
+              </a:spcBef>
+              <a:spcAft>
+                <a:spcPts val="0"/>
+              </a:spcAft>
+              <a:buNone/>
+            </a:pPr>
+            <a:r>
+              <a:rPr lang="en-GB"/>
+              <a:t>1] </a:t>
+            </a:r>
+            <a:r>
+              <a:rPr lang="en-GB" u="sng">
+                <a:solidFill>
+                  <a:schemeClr val="hlink"/>
+                </a:solidFill>
+                <a:hlinkClick r:id="rId3"/>
+              </a:rPr>
+              <a:t>SAM GANZFRIED</a:t>
+            </a:r>
+            <a:endParaRPr/>
+          </a:p>
+          <a:p>
+            <a:pPr indent="0" lvl="0" marL="0" rtl="0" algn="l">
+              <a:spcBef>
+                <a:spcPts val="1600"/>
+              </a:spcBef>
+              <a:spcAft>
+                <a:spcPts val="0"/>
+              </a:spcAft>
+              <a:buNone/>
+            </a:pPr>
+            <a:r>
+              <a:rPr lang="en-GB"/>
+              <a:t>2] </a:t>
+            </a:r>
+            <a:r>
+              <a:rPr lang="en-GB" u="sng">
+                <a:solidFill>
+                  <a:schemeClr val="hlink"/>
+                </a:solidFill>
+                <a:hlinkClick r:id="rId4"/>
+              </a:rPr>
+              <a:t>https://www.slac.stanford.edu/pubs/slacpubs/0250/slac-pub-0261.pdf </a:t>
+            </a:r>
+            <a:endParaRPr/>
+          </a:p>
+          <a:p>
+            <a:pPr indent="0" lvl="0" marL="0" rtl="0" algn="l">
+              <a:spcBef>
+                <a:spcPts val="1600"/>
+              </a:spcBef>
+              <a:spcAft>
+                <a:spcPts val="1600"/>
+              </a:spcAft>
+              <a:buNone/>
+            </a:pPr>
+            <a:r>
+              <a:rPr lang="en-GB"/>
+              <a:t>3] </a:t>
+            </a:r>
+            <a:r>
+              <a:rPr lang="en-GB" u="sng">
+                <a:solidFill>
+                  <a:schemeClr val="hlink"/>
+                </a:solidFill>
+                <a:hlinkClick r:id="rId5"/>
+              </a:rPr>
+              <a:t>http://www.cs.kent.edu/~dragan/ST-Spring2016/Knights%20Tour%20Graphs.pdf</a:t>
+            </a:r>
+            <a:endParaRPr/>
+          </a:p>
+        </p:txBody>
+      </p:sp>
+    </p:spTree>
+  </p:cSld>
+  <p:clrMapOvr>
+    <a:masterClrMapping/>
+  </p:clrMapOvr>
+</p:sld>
+</file>
+
+<file path=ppt/slides/slide31.xml><?xml version="1.0" encoding="utf-8"?>
+<p:sld xmlns:a="http://schemas.openxmlformats.org/drawingml/2006/main" xmlns:r="http://schemas.openxmlformats.org/officeDocument/2006/relationships" xmlns:mc="http://schemas.openxmlformats.org/markup-compatibility/2006" xmlns:mv="urn:schemas-microsoft-com:mac:vml" xmlns:p="http://schemas.openxmlformats.org/presentationml/2006/main" xmlns:c="http://schemas.openxmlformats.org/drawingml/2006/chart" xmlns:dgm="http://schemas.openxmlformats.org/drawingml/2006/diagram" xmlns:o="urn:schemas-microsoft-com:office:office" xmlns:v="urn:schemas-microsoft-com:vml" xmlns:pvml="urn:schemas-microsoft-com:office:powerpoint" xmlns:com="http://schemas.openxmlformats.org/drawingml/2006/compatibility" xmlns:p14="http://schemas.microsoft.com/office/powerpoint/2010/main" xmlns:p15="http://schemas.microsoft.com/office/powerpoint/2012/main" xmlns:ahyp="http://schemas.microsoft.com/office/drawing/2018/hyperlinkcolor">
+  <p:cSld>
+    <p:spTree>
+      <p:nvGrpSpPr>
+        <p:cNvPr id="332" name="Shape 332"/>
+        <p:cNvGrpSpPr/>
+        <p:nvPr/>
+      </p:nvGrpSpPr>
+      <p:grpSpPr>
+        <a:xfrm>
+          <a:off x="0" y="0"/>
+          <a:ext cx="0" cy="0"/>
+          <a:chOff x="0" y="0"/>
+          <a:chExt cx="0" cy="0"/>
+        </a:xfrm>
+      </p:grpSpPr>
+      <p:sp>
+        <p:nvSpPr>
+          <p:cNvPr id="333" name="Google Shape;333;p43"/>
+          <p:cNvSpPr txBox="1"/>
+          <p:nvPr>
+            <p:ph type="title"/>
+          </p:nvPr>
+        </p:nvSpPr>
+        <p:spPr>
+          <a:xfrm>
+            <a:off x="2278500" y="1997400"/>
+            <a:ext cx="4587000" cy="1148700"/>
+          </a:xfrm>
+          <a:prstGeom prst="rect">
+            <a:avLst/>
+          </a:prstGeom>
+        </p:spPr>
+        <p:txBody>
+          <a:bodyPr anchorCtr="0" anchor="ctr" bIns="91425" lIns="91425" spcFirstLastPara="1" rIns="91425" wrap="square" tIns="91425">
+            <a:noAutofit/>
+          </a:bodyPr>
+          <a:lstStyle/>
+          <a:p>
+            <a:pPr indent="457200" lvl="0" marL="1371600" rtl="0" algn="l">
+              <a:spcBef>
+                <a:spcPts val="0"/>
+              </a:spcBef>
+              <a:spcAft>
+                <a:spcPts val="0"/>
+              </a:spcAft>
+              <a:buNone/>
+            </a:pPr>
+            <a:r>
+              <a:rPr lang="en-GB"/>
+              <a:t>Q &amp; A</a:t>
+            </a:r>
+            <a:endParaRPr/>
+          </a:p>
+        </p:txBody>
+      </p:sp>
+    </p:spTree>
+  </p:cSld>
+  <p:clrMapOvr>
+    <a:masterClrMapping/>
+  </p:clrMapOvr>
+</p:sld>
+</file>
+
+<file path=ppt/slides/slide4.xml><?xml version="1.0" encoding="utf-8"?>
+<p:sld xmlns:a="http://schemas.openxmlformats.org/drawingml/2006/main" xmlns:r="http://schemas.openxmlformats.org/officeDocument/2006/relationships" xmlns:mc="http://schemas.openxmlformats.org/markup-compatibility/2006" xmlns:mv="urn:schemas-microsoft-com:mac:vml" xmlns:p="http://schemas.openxmlformats.org/presentationml/2006/main" xmlns:c="http://schemas.openxmlformats.org/drawingml/2006/chart" xmlns:dgm="http://schemas.openxmlformats.org/drawingml/2006/diagram" xmlns:o="urn:schemas-microsoft-com:office:office" xmlns:v="urn:schemas-microsoft-com:vml" xmlns:pvml="urn:schemas-microsoft-com:office:powerpoint" xmlns:com="http://schemas.openxmlformats.org/drawingml/2006/compatibility" xmlns:p14="http://schemas.microsoft.com/office/powerpoint/2010/main" xmlns:p15="http://schemas.microsoft.com/office/powerpoint/2012/main" xmlns:ahyp="http://schemas.microsoft.com/office/drawing/2018/hyperlinkcolor">
+  <p:cSld>
+    <p:spTree>
+      <p:nvGrpSpPr>
+        <p:cNvPr id="153" name="Shape 153"/>
+        <p:cNvGrpSpPr/>
+        <p:nvPr/>
+      </p:nvGrpSpPr>
+      <p:grpSpPr>
+        <a:xfrm>
+          <a:off x="0" y="0"/>
+          <a:ext cx="0" cy="0"/>
+          <a:chOff x="0" y="0"/>
+          <a:chExt cx="0" cy="0"/>
+        </a:xfrm>
+      </p:grpSpPr>
+      <p:sp>
+        <p:nvSpPr>
+          <p:cNvPr id="154" name="Google Shape;154;p16"/>
+          <p:cNvSpPr txBox="1"/>
+          <p:nvPr>
+            <p:ph type="title"/>
+          </p:nvPr>
+        </p:nvSpPr>
+        <p:spPr>
+          <a:xfrm>
+            <a:off x="1297500" y="393750"/>
+            <a:ext cx="7038900" cy="914100"/>
+          </a:xfrm>
+          <a:prstGeom prst="rect">
+            <a:avLst/>
+          </a:prstGeom>
+        </p:spPr>
+        <p:txBody>
+          <a:bodyPr anchorCtr="0" anchor="t" bIns="91425" lIns="91425" spcFirstLastPara="1" rIns="91425" wrap="square" tIns="91425">
+            <a:noAutofit/>
+          </a:bodyPr>
+          <a:lstStyle/>
+          <a:p>
+            <a:pPr indent="0" lvl="0" marL="0" rtl="0" algn="l">
+              <a:spcBef>
+                <a:spcPts val="0"/>
+              </a:spcBef>
+              <a:spcAft>
+                <a:spcPts val="0"/>
+              </a:spcAft>
+              <a:buNone/>
+            </a:pPr>
+            <a:r>
+              <a:rPr lang="en-GB"/>
               <a:t>Knight's Graph</a:t>
             </a:r>
             <a:endParaRPr/>
@@ -13776,7 +18071,7 @@
       </p:sp>
       <p:sp>
         <p:nvSpPr>
-          <p:cNvPr id="161" name="Google Shape;161;p17"/>
+          <p:cNvPr id="155" name="Google Shape;155;p16"/>
           <p:cNvSpPr txBox="1"/>
           <p:nvPr>
             <p:ph idx="1" type="body"/>
@@ -13948,7 +18243,7 @@
       </p:sp>
       <p:pic>
         <p:nvPicPr>
-          <p:cNvPr id="162" name="Google Shape;162;p17"/>
+          <p:cNvPr id="156" name="Google Shape;156;p16"/>
           <p:cNvPicPr preferRelativeResize="0"/>
           <p:nvPr/>
         </p:nvPicPr>
@@ -13982,12 +18277,12 @@
 </p:sld>
 </file>
 
-<file path=ppt/slides/slide6.xml><?xml version="1.0" encoding="utf-8"?>
+<file path=ppt/slides/slide5.xml><?xml version="1.0" encoding="utf-8"?>
 <p:sld xmlns:a="http://schemas.openxmlformats.org/drawingml/2006/main" xmlns:r="http://schemas.openxmlformats.org/officeDocument/2006/relationships" xmlns:mc="http://schemas.openxmlformats.org/markup-compatibility/2006" xmlns:mv="urn:schemas-microsoft-com:mac:vml" xmlns:p="http://schemas.openxmlformats.org/presentationml/2006/main" xmlns:c="http://schemas.openxmlformats.org/drawingml/2006/chart" xmlns:dgm="http://schemas.openxmlformats.org/drawingml/2006/diagram" xmlns:o="urn:schemas-microsoft-com:office:office" xmlns:v="urn:schemas-microsoft-com:vml" xmlns:pvml="urn:schemas-microsoft-com:office:powerpoint" xmlns:com="http://schemas.openxmlformats.org/drawingml/2006/compatibility" xmlns:p14="http://schemas.microsoft.com/office/powerpoint/2010/main" xmlns:p15="http://schemas.microsoft.com/office/powerpoint/2012/main" xmlns:ahyp="http://schemas.microsoft.com/office/drawing/2018/hyperlinkcolor">
   <p:cSld>
     <p:spTree>
       <p:nvGrpSpPr>
-        <p:cNvPr id="166" name="Shape 166"/>
+        <p:cNvPr id="160" name="Shape 160"/>
         <p:cNvGrpSpPr/>
         <p:nvPr/>
       </p:nvGrpSpPr>
@@ -14001,7 +18296,72 @@
       </p:grpSpPr>
       <p:sp>
         <p:nvSpPr>
-          <p:cNvPr id="167" name="Google Shape;167;p18"/>
+          <p:cNvPr id="161" name="Google Shape;161;p17"/>
+          <p:cNvSpPr txBox="1"/>
+          <p:nvPr>
+            <p:ph type="title"/>
+          </p:nvPr>
+        </p:nvSpPr>
+        <p:spPr>
+          <a:xfrm>
+            <a:off x="823850" y="2053000"/>
+            <a:ext cx="4587000" cy="1148700"/>
+          </a:xfrm>
+          <a:prstGeom prst="rect">
+            <a:avLst/>
+          </a:prstGeom>
+        </p:spPr>
+        <p:txBody>
+          <a:bodyPr anchorCtr="0" anchor="ctr" bIns="91425" lIns="91425" spcFirstLastPara="1" rIns="91425" wrap="square" tIns="91425">
+            <a:noAutofit/>
+          </a:bodyPr>
+          <a:lstStyle/>
+          <a:p>
+            <a:pPr indent="0" lvl="0" marL="0" rtl="0" algn="l">
+              <a:spcBef>
+                <a:spcPts val="0"/>
+              </a:spcBef>
+              <a:spcAft>
+                <a:spcPts val="0"/>
+              </a:spcAft>
+              <a:buNone/>
+            </a:pPr>
+            <a:r>
+              <a:rPr lang="en-GB"/>
+              <a:t>Algorithms for Knight Tour</a:t>
+            </a:r>
+            <a:endParaRPr/>
+          </a:p>
+        </p:txBody>
+      </p:sp>
+    </p:spTree>
+  </p:cSld>
+  <p:clrMapOvr>
+    <a:masterClrMapping/>
+  </p:clrMapOvr>
+</p:sld>
+</file>
+
+<file path=ppt/slides/slide6.xml><?xml version="1.0" encoding="utf-8"?>
+<p:sld xmlns:a="http://schemas.openxmlformats.org/drawingml/2006/main" xmlns:r="http://schemas.openxmlformats.org/officeDocument/2006/relationships" xmlns:mc="http://schemas.openxmlformats.org/markup-compatibility/2006" xmlns:mv="urn:schemas-microsoft-com:mac:vml" xmlns:p="http://schemas.openxmlformats.org/presentationml/2006/main" xmlns:c="http://schemas.openxmlformats.org/drawingml/2006/chart" xmlns:dgm="http://schemas.openxmlformats.org/drawingml/2006/diagram" xmlns:o="urn:schemas-microsoft-com:office:office" xmlns:v="urn:schemas-microsoft-com:vml" xmlns:pvml="urn:schemas-microsoft-com:office:powerpoint" xmlns:com="http://schemas.openxmlformats.org/drawingml/2006/compatibility" xmlns:p14="http://schemas.microsoft.com/office/powerpoint/2010/main" xmlns:p15="http://schemas.microsoft.com/office/powerpoint/2012/main" xmlns:ahyp="http://schemas.microsoft.com/office/drawing/2018/hyperlinkcolor">
+  <p:cSld>
+    <p:spTree>
+      <p:nvGrpSpPr>
+        <p:cNvPr id="165" name="Shape 165"/>
+        <p:cNvGrpSpPr/>
+        <p:nvPr/>
+      </p:nvGrpSpPr>
+      <p:grpSpPr>
+        <a:xfrm>
+          <a:off x="0" y="0"/>
+          <a:ext cx="0" cy="0"/>
+          <a:chOff x="0" y="0"/>
+          <a:chExt cx="0" cy="0"/>
+        </a:xfrm>
+      </p:grpSpPr>
+      <p:sp>
+        <p:nvSpPr>
+          <p:cNvPr id="166" name="Google Shape;166;p18"/>
           <p:cNvSpPr txBox="1"/>
           <p:nvPr>
             <p:ph type="title"/>
@@ -14041,7 +18401,7 @@
       </p:sp>
       <p:sp>
         <p:nvSpPr>
-          <p:cNvPr id="168" name="Google Shape;168;p18"/>
+          <p:cNvPr id="167" name="Google Shape;167;p18"/>
           <p:cNvSpPr txBox="1"/>
           <p:nvPr>
             <p:ph idx="1" type="body"/>
@@ -14189,7 +18549,7 @@
       </p:sp>
       <p:pic>
         <p:nvPicPr>
-          <p:cNvPr id="169" name="Google Shape;169;p18"/>
+          <p:cNvPr id="168" name="Google Shape;168;p18"/>
           <p:cNvPicPr preferRelativeResize="0"/>
           <p:nvPr/>
         </p:nvPicPr>
@@ -14228,7 +18588,7 @@
   <p:cSld>
     <p:spTree>
       <p:nvGrpSpPr>
-        <p:cNvPr id="173" name="Shape 173"/>
+        <p:cNvPr id="172" name="Shape 172"/>
         <p:cNvGrpSpPr/>
         <p:nvPr/>
       </p:nvGrpSpPr>
@@ -14242,7 +18602,7 @@
       </p:grpSpPr>
       <p:sp>
         <p:nvSpPr>
-          <p:cNvPr id="174" name="Google Shape;174;p19"/>
+          <p:cNvPr id="173" name="Google Shape;173;p19"/>
           <p:cNvSpPr txBox="1"/>
           <p:nvPr>
             <p:ph idx="1" type="body"/>
@@ -14458,7 +18818,7 @@
       </p:sp>
       <p:sp>
         <p:nvSpPr>
-          <p:cNvPr id="175" name="Google Shape;175;p19"/>
+          <p:cNvPr id="174" name="Google Shape;174;p19"/>
           <p:cNvSpPr txBox="1"/>
           <p:nvPr>
             <p:ph type="title"/>
@@ -14509,7 +18869,7 @@
   <p:cSld>
     <p:spTree>
       <p:nvGrpSpPr>
-        <p:cNvPr id="179" name="Shape 179"/>
+        <p:cNvPr id="178" name="Shape 178"/>
         <p:cNvGrpSpPr/>
         <p:nvPr/>
       </p:nvGrpSpPr>
@@ -14523,7 +18883,7 @@
       </p:grpSpPr>
       <p:sp>
         <p:nvSpPr>
-          <p:cNvPr id="180" name="Google Shape;180;p20"/>
+          <p:cNvPr id="179" name="Google Shape;179;p20"/>
           <p:cNvSpPr txBox="1"/>
           <p:nvPr>
             <p:ph type="title"/>
@@ -14588,7 +18948,7 @@
             </a:pPr>
             <a:r>
               <a:rPr lang="en-GB" sz="1300"/>
-              <a:t>Time taken = 10 mins.</a:t>
+              <a:t>Time taken = 510 secs.</a:t>
             </a:r>
             <a:endParaRPr sz="1300"/>
           </a:p>
@@ -14611,7 +18971,7 @@
       </p:sp>
       <p:pic>
         <p:nvPicPr>
-          <p:cNvPr id="181" name="Google Shape;181;p20"/>
+          <p:cNvPr id="180" name="Google Shape;180;p20"/>
           <p:cNvPicPr preferRelativeResize="0"/>
           <p:nvPr/>
         </p:nvPicPr>
@@ -14639,7 +18999,7 @@
       </p:pic>
       <p:pic>
         <p:nvPicPr>
-          <p:cNvPr id="182" name="Google Shape;182;p20"/>
+          <p:cNvPr id="181" name="Google Shape;181;p20"/>
           <p:cNvPicPr preferRelativeResize="0"/>
           <p:nvPr/>
         </p:nvPicPr>
@@ -14678,7 +19038,7 @@
   <p:cSld>
     <p:spTree>
       <p:nvGrpSpPr>
-        <p:cNvPr id="186" name="Shape 186"/>
+        <p:cNvPr id="185" name="Shape 185"/>
         <p:cNvGrpSpPr/>
         <p:nvPr/>
       </p:nvGrpSpPr>
@@ -14690,261 +19050,9 @@
           <a:chExt cx="0" cy="0"/>
         </a:xfrm>
       </p:grpSpPr>
-      <p:sp>
-        <p:nvSpPr>
-          <p:cNvPr id="187" name="Google Shape;187;p21"/>
-          <p:cNvSpPr txBox="1"/>
-          <p:nvPr>
-            <p:ph type="title"/>
-          </p:nvPr>
-        </p:nvSpPr>
-        <p:spPr>
-          <a:xfrm>
-            <a:off x="1297500" y="393750"/>
-            <a:ext cx="7038900" cy="914100"/>
-          </a:xfrm>
-          <a:prstGeom prst="rect">
-            <a:avLst/>
-          </a:prstGeom>
-        </p:spPr>
-        <p:txBody>
-          <a:bodyPr anchorCtr="0" anchor="t" bIns="91425" lIns="91425" spcFirstLastPara="1" rIns="91425" wrap="square" tIns="91425">
-            <a:noAutofit/>
-          </a:bodyPr>
-          <a:lstStyle/>
-          <a:p>
-            <a:pPr indent="0" lvl="0" marL="0" rtl="0" algn="l">
-              <a:spcBef>
-                <a:spcPts val="0"/>
-              </a:spcBef>
-              <a:spcAft>
-                <a:spcPts val="0"/>
-              </a:spcAft>
-              <a:buNone/>
-            </a:pPr>
-            <a:r>
-              <a:rPr lang="en-GB"/>
-              <a:t>Warnsdorff's</a:t>
-            </a:r>
-            <a:r>
-              <a:rPr lang="en-GB"/>
-              <a:t> Algorithm</a:t>
-            </a:r>
-            <a:endParaRPr/>
-          </a:p>
-        </p:txBody>
-      </p:sp>
-      <p:sp>
-        <p:nvSpPr>
-          <p:cNvPr id="188" name="Google Shape;188;p21"/>
-          <p:cNvSpPr txBox="1"/>
-          <p:nvPr>
-            <p:ph idx="1" type="body"/>
-          </p:nvPr>
-        </p:nvSpPr>
-        <p:spPr>
-          <a:xfrm>
-            <a:off x="1297500" y="1567550"/>
-            <a:ext cx="7038900" cy="2911200"/>
-          </a:xfrm>
-          <a:prstGeom prst="rect">
-            <a:avLst/>
-          </a:prstGeom>
-        </p:spPr>
-        <p:txBody>
-          <a:bodyPr anchorCtr="0" anchor="t" bIns="91425" lIns="91425" spcFirstLastPara="1" rIns="91425" wrap="square" tIns="91425">
-            <a:noAutofit/>
-          </a:bodyPr>
-          <a:lstStyle/>
-          <a:p>
-            <a:pPr indent="-311150" lvl="0" marL="457200" rtl="0" algn="l">
-              <a:lnSpc>
-                <a:spcPct val="150000"/>
-              </a:lnSpc>
-              <a:spcBef>
-                <a:spcPts val="0"/>
-              </a:spcBef>
-              <a:spcAft>
-                <a:spcPts val="0"/>
-              </a:spcAft>
-              <a:buSzPts val="1300"/>
-              <a:buChar char="●"/>
-            </a:pPr>
-            <a:r>
-              <a:rPr lang="en-GB"/>
-              <a:t>Always visiting the Square </a:t>
-            </a:r>
-            <a:r>
-              <a:rPr lang="en-GB"/>
-              <a:t>which has least Accessibility.</a:t>
-            </a:r>
-            <a:endParaRPr/>
-          </a:p>
-          <a:p>
-            <a:pPr indent="-311150" lvl="0" marL="457200" rtl="0" algn="l">
-              <a:lnSpc>
-                <a:spcPct val="150000"/>
-              </a:lnSpc>
-              <a:spcBef>
-                <a:spcPts val="0"/>
-              </a:spcBef>
-              <a:spcAft>
-                <a:spcPts val="0"/>
-              </a:spcAft>
-              <a:buSzPts val="1300"/>
-              <a:buChar char="●"/>
-            </a:pPr>
-            <a:r>
-              <a:rPr lang="en-GB"/>
-              <a:t>Algorithm</a:t>
-            </a:r>
-            <a:endParaRPr/>
-          </a:p>
-          <a:p>
-            <a:pPr indent="-298450" lvl="1" marL="914400" rtl="0" algn="l">
-              <a:lnSpc>
-                <a:spcPct val="150000"/>
-              </a:lnSpc>
-              <a:spcBef>
-                <a:spcPts val="0"/>
-              </a:spcBef>
-              <a:spcAft>
-                <a:spcPts val="0"/>
-              </a:spcAft>
-              <a:buSzPts val="1100"/>
-              <a:buChar char="○"/>
-            </a:pPr>
-            <a:r>
-              <a:rPr lang="en-GB"/>
-              <a:t>set P as any random start Square.</a:t>
-            </a:r>
-            <a:endParaRPr/>
-          </a:p>
-          <a:p>
-            <a:pPr indent="-298450" lvl="1" marL="914400" rtl="0" algn="l">
-              <a:lnSpc>
-                <a:spcPct val="150000"/>
-              </a:lnSpc>
-              <a:spcBef>
-                <a:spcPts val="0"/>
-              </a:spcBef>
-              <a:spcAft>
-                <a:spcPts val="0"/>
-              </a:spcAft>
-              <a:buSzPts val="1100"/>
-              <a:buChar char="○"/>
-            </a:pPr>
-            <a:r>
-              <a:rPr lang="en-GB"/>
-              <a:t>mark P with number '1'</a:t>
-            </a:r>
-            <a:endParaRPr/>
-          </a:p>
-          <a:p>
-            <a:pPr indent="-298450" lvl="1" marL="914400" rtl="0" algn="l">
-              <a:lnSpc>
-                <a:spcPct val="150000"/>
-              </a:lnSpc>
-              <a:spcBef>
-                <a:spcPts val="0"/>
-              </a:spcBef>
-              <a:spcAft>
-                <a:spcPts val="0"/>
-              </a:spcAft>
-              <a:buSzPts val="1100"/>
-              <a:buChar char="○"/>
-            </a:pPr>
-            <a:r>
-              <a:rPr lang="en-GB"/>
-              <a:t>for each move number 2 to (n*m):</a:t>
-            </a:r>
-            <a:endParaRPr/>
-          </a:p>
-          <a:p>
-            <a:pPr indent="-298450" lvl="2" marL="1371600" rtl="0" algn="l">
-              <a:lnSpc>
-                <a:spcPct val="150000"/>
-              </a:lnSpc>
-              <a:spcBef>
-                <a:spcPts val="0"/>
-              </a:spcBef>
-              <a:spcAft>
-                <a:spcPts val="0"/>
-              </a:spcAft>
-              <a:buSzPts val="1100"/>
-              <a:buChar char="■"/>
-            </a:pPr>
-            <a:r>
-              <a:rPr lang="en-GB"/>
-              <a:t>Let S be set of points accessible from P.</a:t>
-            </a:r>
-            <a:endParaRPr/>
-          </a:p>
-          <a:p>
-            <a:pPr indent="-298450" lvl="2" marL="1371600" rtl="0" algn="l">
-              <a:lnSpc>
-                <a:spcPct val="150000"/>
-              </a:lnSpc>
-              <a:spcBef>
-                <a:spcPts val="0"/>
-              </a:spcBef>
-              <a:spcAft>
-                <a:spcPts val="0"/>
-              </a:spcAft>
-              <a:buSzPts val="1100"/>
-              <a:buChar char="■"/>
-            </a:pPr>
-            <a:r>
-              <a:rPr lang="en-GB"/>
-              <a:t>set P with point of least accessibility.</a:t>
-            </a:r>
-            <a:endParaRPr/>
-          </a:p>
-          <a:p>
-            <a:pPr indent="-298450" lvl="2" marL="1371600" rtl="0" algn="l">
-              <a:lnSpc>
-                <a:spcPct val="150000"/>
-              </a:lnSpc>
-              <a:spcBef>
-                <a:spcPts val="0"/>
-              </a:spcBef>
-              <a:spcAft>
-                <a:spcPts val="0"/>
-              </a:spcAft>
-              <a:buSzPts val="1100"/>
-              <a:buChar char="■"/>
-            </a:pPr>
-            <a:r>
-              <a:rPr lang="en-GB"/>
-              <a:t>mark P with current move number.</a:t>
-            </a:r>
-            <a:endParaRPr/>
-          </a:p>
-          <a:p>
-            <a:pPr indent="-311150" lvl="0" marL="457200" rtl="0" algn="l">
-              <a:lnSpc>
-                <a:spcPct val="150000"/>
-              </a:lnSpc>
-              <a:spcBef>
-                <a:spcPts val="0"/>
-              </a:spcBef>
-              <a:spcAft>
-                <a:spcPts val="0"/>
-              </a:spcAft>
-              <a:buSzPts val="1300"/>
-              <a:buChar char="●"/>
-            </a:pPr>
-            <a:r>
-              <a:rPr lang="en-GB"/>
-              <a:t>The marking will return us the order of knights move.</a:t>
-            </a:r>
-            <a:endParaRPr/>
-          </a:p>
-        </p:txBody>
-      </p:sp>
       <p:pic>
         <p:nvPicPr>
-          <p:cNvPr id="189" name="Google Shape;189;p21"/>
+          <p:cNvPr id="186" name="Google Shape;186;p21"/>
           <p:cNvPicPr preferRelativeResize="0"/>
           <p:nvPr/>
         </p:nvPicPr>
@@ -14958,8 +19066,8 @@
         </p:blipFill>
         <p:spPr>
           <a:xfrm>
-            <a:off x="6661423" y="1726750"/>
-            <a:ext cx="2063550" cy="2048750"/>
+            <a:off x="4692550" y="1003050"/>
+            <a:ext cx="3905250" cy="3552825"/>
           </a:xfrm>
           <a:prstGeom prst="rect">
             <a:avLst/>
@@ -14970,6 +19078,117 @@
           </a:ln>
         </p:spPr>
       </p:pic>
+      <p:sp>
+        <p:nvSpPr>
+          <p:cNvPr id="187" name="Google Shape;187;p21"/>
+          <p:cNvSpPr txBox="1"/>
+          <p:nvPr>
+            <p:ph type="title"/>
+          </p:nvPr>
+        </p:nvSpPr>
+        <p:spPr>
+          <a:xfrm>
+            <a:off x="314100" y="1226525"/>
+            <a:ext cx="3951600" cy="1570800"/>
+          </a:xfrm>
+          <a:prstGeom prst="rect">
+            <a:avLst/>
+          </a:prstGeom>
+        </p:spPr>
+        <p:txBody>
+          <a:bodyPr anchorCtr="0" anchor="ctr" bIns="91425" lIns="91425" spcFirstLastPara="1" rIns="91425" wrap="square" tIns="91425">
+            <a:noAutofit/>
+          </a:bodyPr>
+          <a:lstStyle/>
+          <a:p>
+            <a:pPr indent="-311150" lvl="0" marL="457200" rtl="0" algn="l">
+              <a:spcBef>
+                <a:spcPts val="0"/>
+              </a:spcBef>
+              <a:spcAft>
+                <a:spcPts val="0"/>
+              </a:spcAft>
+              <a:buSzPts val="1300"/>
+              <a:buChar char="●"/>
+            </a:pPr>
+            <a:r>
+              <a:rPr lang="en-GB" sz="1300"/>
+              <a:t>Number of Directed knight's tour </a:t>
+            </a:r>
+            <a:r>
+              <a:rPr lang="en-GB" sz="1300"/>
+              <a:t>increases rapidly .</a:t>
+            </a:r>
+            <a:r>
+              <a:rPr lang="en-GB" sz="1300"/>
+              <a:t> </a:t>
+            </a:r>
+            <a:endParaRPr sz="1300"/>
+          </a:p>
+          <a:p>
+            <a:pPr indent="-311150" lvl="0" marL="457200" rtl="0" algn="l">
+              <a:spcBef>
+                <a:spcPts val="0"/>
+              </a:spcBef>
+              <a:spcAft>
+                <a:spcPts val="0"/>
+              </a:spcAft>
+              <a:buSzPts val="1300"/>
+              <a:buChar char="●"/>
+            </a:pPr>
+            <a:r>
+              <a:rPr lang="en-GB" sz="1300"/>
+              <a:t>Next randomized algorithm uses this fact.</a:t>
+            </a:r>
+            <a:endParaRPr sz="1300"/>
+          </a:p>
+          <a:p>
+            <a:pPr indent="0" lvl="0" marL="457200" rtl="0" algn="l">
+              <a:spcBef>
+                <a:spcPts val="0"/>
+              </a:spcBef>
+              <a:spcAft>
+                <a:spcPts val="0"/>
+              </a:spcAft>
+              <a:buNone/>
+            </a:pPr>
+            <a:r>
+              <a:t/>
+            </a:r>
+            <a:endParaRPr sz="1300"/>
+          </a:p>
+          <a:p>
+            <a:pPr indent="0" lvl="0" marL="457200" rtl="0" algn="l">
+              <a:spcBef>
+                <a:spcPts val="0"/>
+              </a:spcBef>
+              <a:spcAft>
+                <a:spcPts val="0"/>
+              </a:spcAft>
+              <a:buNone/>
+            </a:pPr>
+            <a:r>
+              <a:t/>
+            </a:r>
+            <a:endParaRPr sz="1300"/>
+          </a:p>
+          <a:p>
+            <a:pPr indent="0" lvl="0" marL="0" rtl="0" algn="l">
+              <a:spcBef>
+                <a:spcPts val="0"/>
+              </a:spcBef>
+              <a:spcAft>
+                <a:spcPts val="0"/>
+              </a:spcAft>
+              <a:buNone/>
+            </a:pPr>
+            <a:r>
+              <a:t/>
+            </a:r>
+            <a:endParaRPr sz="1300"/>
+          </a:p>
+        </p:txBody>
+      </p:sp>
     </p:spTree>
   </p:cSld>
   <p:clrMapOvr>
